--- a/Bluetooth.pptx
+++ b/Bluetooth.pptx
@@ -118,6 +118,11 @@
       </a:defRPr>
     </a:lvl9pPr>
   </p:defaultTextStyle>
+  <p:extLst>
+    <p:ext uri="{EFAFB233-063F-42B5-8137-9DF3F51BA10A}">
+      <p15:sldGuideLst xmlns:p15="http://schemas.microsoft.com/office/powerpoint/2012/main"/>
+    </p:ext>
+  </p:extLst>
 </p:presentation>
 </file>
 
@@ -203,7 +208,7 @@
           <a:p>
             <a:fld id="{BE9B5123-C3A1-4C7D-BA5D-224590463DE9}" type="datetimeFigureOut">
               <a:rPr lang="de-DE" smtClean="0"/>
-              <a:t>14.03.2018</a:t>
+              <a:t>15.03.2018</a:t>
             </a:fld>
             <a:endParaRPr lang="de-DE"/>
           </a:p>
@@ -661,7 +666,7 @@
           <a:p>
             <a:fld id="{1BF20D6E-4C45-4653-A141-21CFF5DC93A7}" type="datetime1">
               <a:rPr lang="en-US" smtClean="0"/>
-              <a:t>3/14/2018</a:t>
+              <a:t>3/15/2018</a:t>
             </a:fld>
             <a:endParaRPr lang="en-US" dirty="0"/>
           </a:p>
@@ -1097,7 +1102,7 @@
           <a:p>
             <a:fld id="{C4936075-2E5B-4F34-9AC4-D45123CD2369}" type="datetime1">
               <a:rPr lang="en-US" smtClean="0"/>
-              <a:t>3/14/2018</a:t>
+              <a:t>3/15/2018</a:t>
             </a:fld>
             <a:endParaRPr lang="en-US" dirty="0"/>
           </a:p>
@@ -1347,7 +1352,7 @@
           <a:p>
             <a:fld id="{35E88079-3EA2-4CF5-9B78-285CE411AF62}" type="datetime1">
               <a:rPr lang="en-US" smtClean="0"/>
-              <a:t>3/14/2018</a:t>
+              <a:t>3/15/2018</a:t>
             </a:fld>
             <a:endParaRPr lang="en-US" dirty="0"/>
           </a:p>
@@ -1655,7 +1660,7 @@
           <a:p>
             <a:fld id="{A645D793-785C-444F-A557-8F6D1441E2BD}" type="datetime1">
               <a:rPr lang="en-US" smtClean="0"/>
-              <a:t>3/14/2018</a:t>
+              <a:t>3/15/2018</a:t>
             </a:fld>
             <a:endParaRPr lang="en-US" dirty="0"/>
           </a:p>
@@ -1973,7 +1978,7 @@
           <a:p>
             <a:fld id="{050BBC5B-6C1B-468B-8025-D0A5DDABE1A3}" type="datetime1">
               <a:rPr lang="en-US" smtClean="0"/>
-              <a:t>3/14/2018</a:t>
+              <a:t>3/15/2018</a:t>
             </a:fld>
             <a:endParaRPr lang="en-US" dirty="0"/>
           </a:p>
@@ -2275,7 +2280,7 @@
           <a:p>
             <a:fld id="{477D4A2F-1AE4-4ACE-A7BA-B75467E9119B}" type="datetime1">
               <a:rPr lang="en-US" smtClean="0"/>
-              <a:t>3/14/2018</a:t>
+              <a:t>3/15/2018</a:t>
             </a:fld>
             <a:endParaRPr lang="en-US" dirty="0"/>
           </a:p>
@@ -2643,7 +2648,7 @@
           <a:p>
             <a:fld id="{AC553520-92E4-430C-AC04-823E53164558}" type="datetime1">
               <a:rPr lang="en-US" smtClean="0"/>
-              <a:t>3/14/2018</a:t>
+              <a:t>3/15/2018</a:t>
             </a:fld>
             <a:endParaRPr lang="en-US" dirty="0"/>
           </a:p>
@@ -2818,7 +2823,7 @@
           <a:p>
             <a:fld id="{CD8B5A7A-C197-49C7-A2D2-F969D0E1CD78}" type="datetime1">
               <a:rPr lang="en-US" smtClean="0"/>
-              <a:t>3/14/2018</a:t>
+              <a:t>3/15/2018</a:t>
             </a:fld>
             <a:endParaRPr lang="en-US" dirty="0"/>
           </a:p>
@@ -2998,7 +3003,7 @@
           <a:p>
             <a:fld id="{86D92DDD-FA81-49B4-8F20-BA63554D4CC0}" type="datetime1">
               <a:rPr lang="en-US" smtClean="0"/>
-              <a:t>3/14/2018</a:t>
+              <a:t>3/15/2018</a:t>
             </a:fld>
             <a:endParaRPr lang="en-US" dirty="0"/>
           </a:p>
@@ -3178,7 +3183,7 @@
           <a:p>
             <a:fld id="{B22BF135-27AD-4130-BE64-C1C5A87E4595}" type="datetime1">
               <a:rPr lang="en-US" smtClean="0"/>
-              <a:t>3/14/2018</a:t>
+              <a:t>3/15/2018</a:t>
             </a:fld>
             <a:endParaRPr lang="en-US" dirty="0"/>
           </a:p>
@@ -3428,7 +3433,7 @@
           <a:p>
             <a:fld id="{D0559C68-4E19-482D-A3E8-C524A44B2D2A}" type="datetime1">
               <a:rPr lang="en-US" smtClean="0"/>
-              <a:t>3/14/2018</a:t>
+              <a:t>3/15/2018</a:t>
             </a:fld>
             <a:endParaRPr lang="en-US" dirty="0"/>
           </a:p>
@@ -3664,7 +3669,7 @@
           <a:p>
             <a:fld id="{9DC8C8AF-EF40-43C9-B190-31A20DDAFC9D}" type="datetime1">
               <a:rPr lang="en-US" smtClean="0"/>
-              <a:t>3/14/2018</a:t>
+              <a:t>3/15/2018</a:t>
             </a:fld>
             <a:endParaRPr lang="en-US" dirty="0"/>
           </a:p>
@@ -4046,7 +4051,7 @@
           <a:p>
             <a:fld id="{B8BFBB56-D737-465C-9913-986823788921}" type="datetime1">
               <a:rPr lang="en-US" smtClean="0"/>
-              <a:t>3/14/2018</a:t>
+              <a:t>3/15/2018</a:t>
             </a:fld>
             <a:endParaRPr lang="en-US" dirty="0"/>
           </a:p>
@@ -4164,7 +4169,7 @@
           <a:p>
             <a:fld id="{C4FD5641-21C2-4AD2-B014-F7F701A7F2ED}" type="datetime1">
               <a:rPr lang="en-US" smtClean="0"/>
-              <a:t>3/14/2018</a:t>
+              <a:t>3/15/2018</a:t>
             </a:fld>
             <a:endParaRPr lang="en-US" dirty="0"/>
           </a:p>
@@ -4259,7 +4264,7 @@
           <a:p>
             <a:fld id="{8CE236EC-E138-40D1-B240-925689E6A35B}" type="datetime1">
               <a:rPr lang="en-US" smtClean="0"/>
-              <a:t>3/14/2018</a:t>
+              <a:t>3/15/2018</a:t>
             </a:fld>
             <a:endParaRPr lang="en-US" dirty="0"/>
           </a:p>
@@ -4514,7 +4519,7 @@
           <a:p>
             <a:fld id="{A3C82D56-CE1F-4E2F-B942-BA6734559025}" type="datetime1">
               <a:rPr lang="en-US" smtClean="0"/>
-              <a:t>3/14/2018</a:t>
+              <a:t>3/15/2018</a:t>
             </a:fld>
             <a:endParaRPr lang="en-US" dirty="0"/>
           </a:p>
@@ -4797,7 +4802,7 @@
           <a:p>
             <a:fld id="{55C68B1B-0389-48CA-9E80-056CAE606B0D}" type="datetime1">
               <a:rPr lang="en-US" smtClean="0"/>
-              <a:t>3/14/2018</a:t>
+              <a:t>3/15/2018</a:t>
             </a:fld>
             <a:endParaRPr lang="en-US" dirty="0"/>
           </a:p>
@@ -5203,7 +5208,7 @@
           <a:p>
             <a:fld id="{6C90D3A6-C9B3-481D-AEF8-B5CAB961C137}" type="datetime1">
               <a:rPr lang="en-US" smtClean="0"/>
-              <a:t>3/14/2018</a:t>
+              <a:t>3/15/2018</a:t>
             </a:fld>
             <a:endParaRPr lang="en-US" dirty="0"/>
           </a:p>
@@ -6371,7 +6376,7 @@
           <a:p>
             <a:fld id="{B22BF135-27AD-4130-BE64-C1C5A87E4595}" type="datetime1">
               <a:rPr lang="en-US" smtClean="0"/>
-              <a:t>3/14/2018</a:t>
+              <a:t>3/15/2018</a:t>
             </a:fld>
             <a:endParaRPr lang="en-US" dirty="0"/>
           </a:p>
@@ -6457,32 +6462,15 @@
           <a:bodyPr/>
           <a:lstStyle/>
           <a:p>
-            <a:endParaRPr lang="de-DE"/>
-          </a:p>
-        </p:txBody>
-      </p:sp>
-      <p:sp>
-        <p:nvSpPr>
-          <p:cNvPr id="3" name="Inhaltsplatzhalter 2">
-            <a:extLst>
-              <a:ext uri="{FF2B5EF4-FFF2-40B4-BE49-F238E27FC236}">
-                <a16:creationId xmlns:a16="http://schemas.microsoft.com/office/drawing/2014/main" id="{1AC94AD0-906E-4433-8777-F231D2CFE41B}"/>
-              </a:ext>
-            </a:extLst>
-          </p:cNvPr>
-          <p:cNvSpPr>
-            <a:spLocks noGrp="1"/>
-          </p:cNvSpPr>
-          <p:nvPr>
-            <p:ph idx="1"/>
-          </p:nvPr>
-        </p:nvSpPr>
-        <p:spPr/>
-        <p:txBody>
-          <a:bodyPr/>
-          <a:lstStyle/>
-          <a:p>
-            <a:endParaRPr lang="de-DE"/>
+            <a:r>
+              <a:rPr lang="de-DE" dirty="0"/>
+              <a:t>Nutzung einer </a:t>
+            </a:r>
+            <a:r>
+              <a:rPr lang="de-DE" dirty="0" err="1"/>
+              <a:t>verbinung</a:t>
+            </a:r>
+            <a:endParaRPr lang="de-DE" dirty="0"/>
           </a:p>
         </p:txBody>
       </p:sp>
@@ -6509,7 +6497,7 @@
           <a:p>
             <a:fld id="{B22BF135-27AD-4130-BE64-C1C5A87E4595}" type="datetime1">
               <a:rPr lang="en-US" smtClean="0"/>
-              <a:t>3/14/2018</a:t>
+              <a:t>3/15/2018</a:t>
             </a:fld>
             <a:endParaRPr lang="en-US" dirty="0"/>
           </a:p>
@@ -6541,6 +6529,2223 @@
               <a:t>11</a:t>
             </a:fld>
             <a:endParaRPr lang="en-US" dirty="0"/>
+          </a:p>
+        </p:txBody>
+      </p:sp>
+      <p:sp>
+        <p:nvSpPr>
+          <p:cNvPr id="6" name="Rectangle 1">
+            <a:extLst>
+              <a:ext uri="{FF2B5EF4-FFF2-40B4-BE49-F238E27FC236}">
+                <a16:creationId xmlns:a16="http://schemas.microsoft.com/office/drawing/2014/main" id="{0A504CE4-C185-49D2-89CB-E3AD6FB86190}"/>
+              </a:ext>
+            </a:extLst>
+          </p:cNvPr>
+          <p:cNvSpPr>
+            <a:spLocks noGrp="1" noChangeArrowheads="1"/>
+          </p:cNvSpPr>
+          <p:nvPr>
+            <p:ph idx="1"/>
+          </p:nvPr>
+        </p:nvSpPr>
+        <p:spPr bwMode="auto">
+          <a:xfrm>
+            <a:off x="684212" y="2105561"/>
+            <a:ext cx="7879080" cy="1631216"/>
+          </a:xfrm>
+          <a:prstGeom prst="rect">
+            <a:avLst/>
+          </a:prstGeom>
+          <a:solidFill>
+            <a:srgbClr val="2B2B2B"/>
+          </a:solidFill>
+          <a:ln>
+            <a:noFill/>
+          </a:ln>
+          <a:effectLst/>
+          <a:extLst>
+            <a:ext uri="{91240B29-F687-4F45-9708-019B960494DF}">
+              <a14:hiddenLine xmlns:a14="http://schemas.microsoft.com/office/drawing/2010/main" w="9525">
+                <a:solidFill>
+                  <a:schemeClr val="tx1"/>
+                </a:solidFill>
+                <a:miter lim="800000"/>
+                <a:headEnd/>
+                <a:tailEnd/>
+              </a14:hiddenLine>
+            </a:ext>
+            <a:ext uri="{AF507438-7753-43E0-B8FC-AC1667EBCBE1}">
+              <a14:hiddenEffects xmlns:a14="http://schemas.microsoft.com/office/drawing/2010/main">
+                <a:effectLst>
+                  <a:outerShdw dist="35921" dir="2700000" algn="ctr" rotWithShape="0">
+                    <a:schemeClr val="bg2"/>
+                  </a:outerShdw>
+                </a:effectLst>
+              </a14:hiddenEffects>
+            </a:ext>
+          </a:extLst>
+        </p:spPr>
+        <p:txBody>
+          <a:bodyPr vert="horz" wrap="none" lIns="91440" tIns="45720" rIns="91440" bIns="45720" numCol="1" anchor="ctr" anchorCtr="0" compatLnSpc="1">
+            <a:prstTxWarp prst="textNoShape">
+              <a:avLst/>
+            </a:prstTxWarp>
+            <a:spAutoFit/>
+          </a:bodyPr>
+          <a:lstStyle/>
+          <a:p>
+            <a:pPr marL="0" marR="0" lvl="0" indent="0" algn="l" defTabSz="914400" rtl="0" eaLnBrk="0" fontAlgn="base" latinLnBrk="0" hangingPunct="0">
+              <a:lnSpc>
+                <a:spcPct val="100000"/>
+              </a:lnSpc>
+              <a:spcBef>
+                <a:spcPct val="0"/>
+              </a:spcBef>
+              <a:spcAft>
+                <a:spcPct val="0"/>
+              </a:spcAft>
+              <a:buClrTx/>
+              <a:buSzTx/>
+              <a:buFontTx/>
+              <a:buNone/>
+              <a:tabLst/>
+            </a:pPr>
+            <a:r>
+              <a:rPr kumimoji="0" lang="de-DE" altLang="de-DE" sz="1000" b="0" i="0" u="none" strike="noStrike" cap="none" normalizeH="0" baseline="0" dirty="0" err="1">
+                <a:ln>
+                  <a:noFill/>
+                </a:ln>
+                <a:solidFill>
+                  <a:srgbClr val="CC7832"/>
+                </a:solidFill>
+                <a:effectLst/>
+                <a:latin typeface="Fira Code" panose="020B0509050000020004" pitchFamily="49" charset="0"/>
+              </a:rPr>
+              <a:t>if</a:t>
+            </a:r>
+            <a:r>
+              <a:rPr kumimoji="0" lang="de-DE" altLang="de-DE" sz="1000" b="0" i="0" u="none" strike="noStrike" cap="none" normalizeH="0" baseline="0" dirty="0">
+                <a:ln>
+                  <a:noFill/>
+                </a:ln>
+                <a:solidFill>
+                  <a:srgbClr val="CC7832"/>
+                </a:solidFill>
+                <a:effectLst/>
+                <a:latin typeface="Fira Code" panose="020B0509050000020004" pitchFamily="49" charset="0"/>
+              </a:rPr>
+              <a:t> </a:t>
+            </a:r>
+            <a:r>
+              <a:rPr kumimoji="0" lang="de-DE" altLang="de-DE" sz="1000" b="0" i="0" u="none" strike="noStrike" cap="none" normalizeH="0" baseline="0" dirty="0">
+                <a:ln>
+                  <a:noFill/>
+                </a:ln>
+                <a:solidFill>
+                  <a:srgbClr val="A9B7C6"/>
+                </a:solidFill>
+                <a:effectLst/>
+                <a:latin typeface="Fira Code" panose="020B0509050000020004" pitchFamily="49" charset="0"/>
+              </a:rPr>
+              <a:t>(</a:t>
+            </a:r>
+            <a:r>
+              <a:rPr kumimoji="0" lang="de-DE" altLang="de-DE" sz="1000" b="0" i="0" u="none" strike="noStrike" cap="none" normalizeH="0" baseline="0" dirty="0" err="1">
+                <a:ln>
+                  <a:noFill/>
+                </a:ln>
+                <a:solidFill>
+                  <a:srgbClr val="A9B7C6"/>
+                </a:solidFill>
+                <a:effectLst/>
+                <a:latin typeface="Fira Code" panose="020B0509050000020004" pitchFamily="49" charset="0"/>
+              </a:rPr>
+              <a:t>BluetoothDevice.</a:t>
+            </a:r>
+            <a:r>
+              <a:rPr kumimoji="0" lang="de-DE" altLang="de-DE" sz="1000" b="0" i="1" u="none" strike="noStrike" cap="none" normalizeH="0" baseline="0" dirty="0" err="1">
+                <a:ln>
+                  <a:noFill/>
+                </a:ln>
+                <a:solidFill>
+                  <a:srgbClr val="9876AA"/>
+                </a:solidFill>
+                <a:effectLst/>
+                <a:latin typeface="Fira Code" panose="020B0509050000020004" pitchFamily="49" charset="0"/>
+              </a:rPr>
+              <a:t>ACTION_BOND_STATE_CHANGED</a:t>
+            </a:r>
+            <a:r>
+              <a:rPr kumimoji="0" lang="de-DE" altLang="de-DE" sz="1000" b="0" i="0" u="none" strike="noStrike" cap="none" normalizeH="0" baseline="0" dirty="0" err="1">
+                <a:ln>
+                  <a:noFill/>
+                </a:ln>
+                <a:solidFill>
+                  <a:srgbClr val="A9B7C6"/>
+                </a:solidFill>
+                <a:effectLst/>
+                <a:latin typeface="Fira Code" panose="020B0509050000020004" pitchFamily="49" charset="0"/>
+              </a:rPr>
+              <a:t>.equals</a:t>
+            </a:r>
+            <a:r>
+              <a:rPr kumimoji="0" lang="de-DE" altLang="de-DE" sz="1000" b="0" i="0" u="none" strike="noStrike" cap="none" normalizeH="0" baseline="0" dirty="0">
+                <a:ln>
+                  <a:noFill/>
+                </a:ln>
+                <a:solidFill>
+                  <a:srgbClr val="A9B7C6"/>
+                </a:solidFill>
+                <a:effectLst/>
+                <a:latin typeface="Fira Code" panose="020B0509050000020004" pitchFamily="49" charset="0"/>
+              </a:rPr>
+              <a:t>(</a:t>
+            </a:r>
+            <a:r>
+              <a:rPr kumimoji="0" lang="de-DE" altLang="de-DE" sz="1000" b="0" i="0" u="none" strike="noStrike" cap="none" normalizeH="0" baseline="0" dirty="0" err="1">
+                <a:ln>
+                  <a:noFill/>
+                </a:ln>
+                <a:solidFill>
+                  <a:srgbClr val="A9B7C6"/>
+                </a:solidFill>
+                <a:effectLst/>
+                <a:latin typeface="Fira Code" panose="020B0509050000020004" pitchFamily="49" charset="0"/>
+              </a:rPr>
+              <a:t>action</a:t>
+            </a:r>
+            <a:r>
+              <a:rPr kumimoji="0" lang="de-DE" altLang="de-DE" sz="1000" b="0" i="0" u="none" strike="noStrike" cap="none" normalizeH="0" baseline="0" dirty="0">
+                <a:ln>
+                  <a:noFill/>
+                </a:ln>
+                <a:solidFill>
+                  <a:srgbClr val="A9B7C6"/>
+                </a:solidFill>
+                <a:effectLst/>
+                <a:latin typeface="Fira Code" panose="020B0509050000020004" pitchFamily="49" charset="0"/>
+              </a:rPr>
+              <a:t>)) {</a:t>
+            </a:r>
+            <a:br>
+              <a:rPr kumimoji="0" lang="de-DE" altLang="de-DE" sz="1000" b="0" i="0" u="none" strike="noStrike" cap="none" normalizeH="0" baseline="0" dirty="0">
+                <a:ln>
+                  <a:noFill/>
+                </a:ln>
+                <a:solidFill>
+                  <a:srgbClr val="A9B7C6"/>
+                </a:solidFill>
+                <a:effectLst/>
+                <a:latin typeface="Fira Code" panose="020B0509050000020004" pitchFamily="49" charset="0"/>
+              </a:rPr>
+            </a:br>
+            <a:br>
+              <a:rPr kumimoji="0" lang="de-DE" altLang="de-DE" sz="1000" b="0" i="0" u="none" strike="noStrike" cap="none" normalizeH="0" baseline="0" dirty="0">
+                <a:ln>
+                  <a:noFill/>
+                </a:ln>
+                <a:solidFill>
+                  <a:srgbClr val="A9B7C6"/>
+                </a:solidFill>
+                <a:effectLst/>
+                <a:latin typeface="Fira Code" panose="020B0509050000020004" pitchFamily="49" charset="0"/>
+              </a:rPr>
+            </a:br>
+            <a:r>
+              <a:rPr kumimoji="0" lang="de-DE" altLang="de-DE" sz="1000" b="0" i="0" u="none" strike="noStrike" cap="none" normalizeH="0" baseline="0" dirty="0">
+                <a:ln>
+                  <a:noFill/>
+                </a:ln>
+                <a:solidFill>
+                  <a:srgbClr val="A9B7C6"/>
+                </a:solidFill>
+                <a:effectLst/>
+                <a:latin typeface="Fira Code" panose="020B0509050000020004" pitchFamily="49" charset="0"/>
+              </a:rPr>
+              <a:t>    </a:t>
+            </a:r>
+            <a:r>
+              <a:rPr kumimoji="0" lang="de-DE" altLang="de-DE" sz="1000" b="0" i="0" u="none" strike="noStrike" cap="none" normalizeH="0" baseline="0" dirty="0" err="1">
+                <a:ln>
+                  <a:noFill/>
+                </a:ln>
+                <a:solidFill>
+                  <a:srgbClr val="A9B7C6"/>
+                </a:solidFill>
+                <a:effectLst/>
+                <a:latin typeface="Fira Code" panose="020B0509050000020004" pitchFamily="49" charset="0"/>
+              </a:rPr>
+              <a:t>BluetoothDevice</a:t>
+            </a:r>
+            <a:r>
+              <a:rPr kumimoji="0" lang="de-DE" altLang="de-DE" sz="1000" b="0" i="0" u="none" strike="noStrike" cap="none" normalizeH="0" baseline="0" dirty="0">
+                <a:ln>
+                  <a:noFill/>
+                </a:ln>
+                <a:solidFill>
+                  <a:srgbClr val="A9B7C6"/>
+                </a:solidFill>
+                <a:effectLst/>
+                <a:latin typeface="Fira Code" panose="020B0509050000020004" pitchFamily="49" charset="0"/>
+              </a:rPr>
+              <a:t> </a:t>
+            </a:r>
+            <a:r>
+              <a:rPr kumimoji="0" lang="de-DE" altLang="de-DE" sz="1000" b="0" i="0" u="none" strike="noStrike" cap="none" normalizeH="0" baseline="0" dirty="0" err="1">
+                <a:ln>
+                  <a:noFill/>
+                </a:ln>
+                <a:solidFill>
+                  <a:srgbClr val="A9B7C6"/>
+                </a:solidFill>
+                <a:effectLst/>
+                <a:latin typeface="Fira Code" panose="020B0509050000020004" pitchFamily="49" charset="0"/>
+              </a:rPr>
+              <a:t>device</a:t>
+            </a:r>
+            <a:r>
+              <a:rPr kumimoji="0" lang="de-DE" altLang="de-DE" sz="1000" b="0" i="0" u="none" strike="noStrike" cap="none" normalizeH="0" baseline="0" dirty="0">
+                <a:ln>
+                  <a:noFill/>
+                </a:ln>
+                <a:solidFill>
+                  <a:srgbClr val="A9B7C6"/>
+                </a:solidFill>
+                <a:effectLst/>
+                <a:latin typeface="Fira Code" panose="020B0509050000020004" pitchFamily="49" charset="0"/>
+              </a:rPr>
+              <a:t> = </a:t>
+            </a:r>
+            <a:r>
+              <a:rPr kumimoji="0" lang="de-DE" altLang="de-DE" sz="1000" b="0" i="0" u="none" strike="noStrike" cap="none" normalizeH="0" baseline="0" dirty="0" err="1">
+                <a:ln>
+                  <a:noFill/>
+                </a:ln>
+                <a:solidFill>
+                  <a:srgbClr val="A9B7C6"/>
+                </a:solidFill>
+                <a:effectLst/>
+                <a:latin typeface="Fira Code" panose="020B0509050000020004" pitchFamily="49" charset="0"/>
+              </a:rPr>
+              <a:t>intent.getParcelableExtra</a:t>
+            </a:r>
+            <a:r>
+              <a:rPr kumimoji="0" lang="de-DE" altLang="de-DE" sz="1000" b="0" i="0" u="none" strike="noStrike" cap="none" normalizeH="0" baseline="0" dirty="0">
+                <a:ln>
+                  <a:noFill/>
+                </a:ln>
+                <a:solidFill>
+                  <a:srgbClr val="A9B7C6"/>
+                </a:solidFill>
+                <a:effectLst/>
+                <a:latin typeface="Fira Code" panose="020B0509050000020004" pitchFamily="49" charset="0"/>
+              </a:rPr>
+              <a:t>(</a:t>
+            </a:r>
+            <a:r>
+              <a:rPr kumimoji="0" lang="de-DE" altLang="de-DE" sz="1000" b="0" i="0" u="none" strike="noStrike" cap="none" normalizeH="0" baseline="0" dirty="0" err="1">
+                <a:ln>
+                  <a:noFill/>
+                </a:ln>
+                <a:solidFill>
+                  <a:srgbClr val="A9B7C6"/>
+                </a:solidFill>
+                <a:effectLst/>
+                <a:latin typeface="Fira Code" panose="020B0509050000020004" pitchFamily="49" charset="0"/>
+              </a:rPr>
+              <a:t>BluetoothDevice.</a:t>
+            </a:r>
+            <a:r>
+              <a:rPr kumimoji="0" lang="de-DE" altLang="de-DE" sz="1000" b="0" i="1" u="none" strike="noStrike" cap="none" normalizeH="0" baseline="0" dirty="0" err="1">
+                <a:ln>
+                  <a:noFill/>
+                </a:ln>
+                <a:solidFill>
+                  <a:srgbClr val="9876AA"/>
+                </a:solidFill>
+                <a:effectLst/>
+                <a:latin typeface="Fira Code" panose="020B0509050000020004" pitchFamily="49" charset="0"/>
+              </a:rPr>
+              <a:t>EXTRA_DEVICE</a:t>
+            </a:r>
+            <a:r>
+              <a:rPr kumimoji="0" lang="de-DE" altLang="de-DE" sz="1000" b="0" i="0" u="none" strike="noStrike" cap="none" normalizeH="0" baseline="0" dirty="0">
+                <a:ln>
+                  <a:noFill/>
+                </a:ln>
+                <a:solidFill>
+                  <a:srgbClr val="A9B7C6"/>
+                </a:solidFill>
+                <a:effectLst/>
+                <a:latin typeface="Fira Code" panose="020B0509050000020004" pitchFamily="49" charset="0"/>
+              </a:rPr>
+              <a:t>)</a:t>
+            </a:r>
+            <a:r>
+              <a:rPr kumimoji="0" lang="de-DE" altLang="de-DE" sz="1000" b="0" i="0" u="none" strike="noStrike" cap="none" normalizeH="0" baseline="0" dirty="0">
+                <a:ln>
+                  <a:noFill/>
+                </a:ln>
+                <a:solidFill>
+                  <a:srgbClr val="CC7832"/>
+                </a:solidFill>
+                <a:effectLst/>
+                <a:latin typeface="Fira Code" panose="020B0509050000020004" pitchFamily="49" charset="0"/>
+              </a:rPr>
+              <a:t>;</a:t>
+            </a:r>
+            <a:br>
+              <a:rPr kumimoji="0" lang="de-DE" altLang="de-DE" sz="1000" b="0" i="0" u="none" strike="noStrike" cap="none" normalizeH="0" baseline="0" dirty="0">
+                <a:ln>
+                  <a:noFill/>
+                </a:ln>
+                <a:solidFill>
+                  <a:srgbClr val="CC7832"/>
+                </a:solidFill>
+                <a:effectLst/>
+                <a:latin typeface="Fira Code" panose="020B0509050000020004" pitchFamily="49" charset="0"/>
+              </a:rPr>
+            </a:br>
+            <a:r>
+              <a:rPr kumimoji="0" lang="de-DE" altLang="de-DE" sz="1000" b="0" i="0" u="none" strike="noStrike" cap="none" normalizeH="0" baseline="0" dirty="0">
+                <a:ln>
+                  <a:noFill/>
+                </a:ln>
+                <a:solidFill>
+                  <a:srgbClr val="CC7832"/>
+                </a:solidFill>
+                <a:effectLst/>
+                <a:latin typeface="Fira Code" panose="020B0509050000020004" pitchFamily="49" charset="0"/>
+              </a:rPr>
+              <a:t>    </a:t>
+            </a:r>
+            <a:r>
+              <a:rPr kumimoji="0" lang="de-DE" altLang="de-DE" sz="1000" b="0" i="0" u="none" strike="noStrike" cap="none" normalizeH="0" baseline="0" dirty="0" err="1">
+                <a:ln>
+                  <a:noFill/>
+                </a:ln>
+                <a:solidFill>
+                  <a:srgbClr val="CC7832"/>
+                </a:solidFill>
+                <a:effectLst/>
+                <a:latin typeface="Fira Code" panose="020B0509050000020004" pitchFamily="49" charset="0"/>
+              </a:rPr>
+              <a:t>int</a:t>
+            </a:r>
+            <a:r>
+              <a:rPr kumimoji="0" lang="de-DE" altLang="de-DE" sz="1000" b="0" i="0" u="none" strike="noStrike" cap="none" normalizeH="0" baseline="0" dirty="0">
+                <a:ln>
+                  <a:noFill/>
+                </a:ln>
+                <a:solidFill>
+                  <a:srgbClr val="CC7832"/>
+                </a:solidFill>
+                <a:effectLst/>
+                <a:latin typeface="Fira Code" panose="020B0509050000020004" pitchFamily="49" charset="0"/>
+              </a:rPr>
+              <a:t> </a:t>
+            </a:r>
+            <a:r>
+              <a:rPr kumimoji="0" lang="de-DE" altLang="de-DE" sz="1000" b="0" i="0" u="none" strike="noStrike" cap="none" normalizeH="0" baseline="0" dirty="0" err="1">
+                <a:ln>
+                  <a:noFill/>
+                </a:ln>
+                <a:solidFill>
+                  <a:srgbClr val="A9B7C6"/>
+                </a:solidFill>
+                <a:effectLst/>
+                <a:latin typeface="Fira Code" panose="020B0509050000020004" pitchFamily="49" charset="0"/>
+              </a:rPr>
+              <a:t>bondState</a:t>
+            </a:r>
+            <a:r>
+              <a:rPr kumimoji="0" lang="de-DE" altLang="de-DE" sz="1000" b="0" i="0" u="none" strike="noStrike" cap="none" normalizeH="0" baseline="0" dirty="0">
+                <a:ln>
+                  <a:noFill/>
+                </a:ln>
+                <a:solidFill>
+                  <a:srgbClr val="A9B7C6"/>
+                </a:solidFill>
+                <a:effectLst/>
+                <a:latin typeface="Fira Code" panose="020B0509050000020004" pitchFamily="49" charset="0"/>
+              </a:rPr>
+              <a:t> = </a:t>
+            </a:r>
+            <a:r>
+              <a:rPr kumimoji="0" lang="de-DE" altLang="de-DE" sz="1000" b="0" i="0" u="none" strike="noStrike" cap="none" normalizeH="0" baseline="0" dirty="0" err="1">
+                <a:ln>
+                  <a:noFill/>
+                </a:ln>
+                <a:solidFill>
+                  <a:srgbClr val="A9B7C6"/>
+                </a:solidFill>
+                <a:effectLst/>
+                <a:latin typeface="Fira Code" panose="020B0509050000020004" pitchFamily="49" charset="0"/>
+              </a:rPr>
+              <a:t>intent.getIntExtra</a:t>
+            </a:r>
+            <a:r>
+              <a:rPr kumimoji="0" lang="de-DE" altLang="de-DE" sz="1000" b="0" i="0" u="none" strike="noStrike" cap="none" normalizeH="0" baseline="0" dirty="0">
+                <a:ln>
+                  <a:noFill/>
+                </a:ln>
+                <a:solidFill>
+                  <a:srgbClr val="A9B7C6"/>
+                </a:solidFill>
+                <a:effectLst/>
+                <a:latin typeface="Fira Code" panose="020B0509050000020004" pitchFamily="49" charset="0"/>
+              </a:rPr>
+              <a:t>(</a:t>
+            </a:r>
+            <a:r>
+              <a:rPr kumimoji="0" lang="de-DE" altLang="de-DE" sz="1000" b="0" i="0" u="none" strike="noStrike" cap="none" normalizeH="0" baseline="0" dirty="0" err="1">
+                <a:ln>
+                  <a:noFill/>
+                </a:ln>
+                <a:solidFill>
+                  <a:srgbClr val="A9B7C6"/>
+                </a:solidFill>
+                <a:effectLst/>
+                <a:latin typeface="Fira Code" panose="020B0509050000020004" pitchFamily="49" charset="0"/>
+              </a:rPr>
+              <a:t>BluetoothDevice.</a:t>
+            </a:r>
+            <a:r>
+              <a:rPr kumimoji="0" lang="de-DE" altLang="de-DE" sz="1000" b="0" i="1" u="none" strike="noStrike" cap="none" normalizeH="0" baseline="0" dirty="0" err="1">
+                <a:ln>
+                  <a:noFill/>
+                </a:ln>
+                <a:solidFill>
+                  <a:srgbClr val="9876AA"/>
+                </a:solidFill>
+                <a:effectLst/>
+                <a:latin typeface="Fira Code" panose="020B0509050000020004" pitchFamily="49" charset="0"/>
+              </a:rPr>
+              <a:t>EXTRA_BOND_STATE</a:t>
+            </a:r>
+            <a:r>
+              <a:rPr kumimoji="0" lang="de-DE" altLang="de-DE" sz="1000" b="0" i="0" u="none" strike="noStrike" cap="none" normalizeH="0" baseline="0" dirty="0">
+                <a:ln>
+                  <a:noFill/>
+                </a:ln>
+                <a:solidFill>
+                  <a:srgbClr val="CC7832"/>
+                </a:solidFill>
+                <a:effectLst/>
+                <a:latin typeface="Fira Code" panose="020B0509050000020004" pitchFamily="49" charset="0"/>
+              </a:rPr>
+              <a:t>, </a:t>
+            </a:r>
+            <a:r>
+              <a:rPr kumimoji="0" lang="de-DE" altLang="de-DE" sz="1000" b="0" i="0" u="none" strike="noStrike" cap="none" normalizeH="0" baseline="0" dirty="0" err="1">
+                <a:ln>
+                  <a:noFill/>
+                </a:ln>
+                <a:solidFill>
+                  <a:srgbClr val="A9B7C6"/>
+                </a:solidFill>
+                <a:effectLst/>
+                <a:latin typeface="Fira Code" panose="020B0509050000020004" pitchFamily="49" charset="0"/>
+              </a:rPr>
+              <a:t>BluetoothDevice.</a:t>
+            </a:r>
+            <a:r>
+              <a:rPr kumimoji="0" lang="de-DE" altLang="de-DE" sz="1000" b="0" i="1" u="none" strike="noStrike" cap="none" normalizeH="0" baseline="0" dirty="0" err="1">
+                <a:ln>
+                  <a:noFill/>
+                </a:ln>
+                <a:solidFill>
+                  <a:srgbClr val="9876AA"/>
+                </a:solidFill>
+                <a:effectLst/>
+                <a:latin typeface="Fira Code" panose="020B0509050000020004" pitchFamily="49" charset="0"/>
+              </a:rPr>
+              <a:t>BOND_NONE</a:t>
+            </a:r>
+            <a:r>
+              <a:rPr kumimoji="0" lang="de-DE" altLang="de-DE" sz="1000" b="0" i="0" u="none" strike="noStrike" cap="none" normalizeH="0" baseline="0" dirty="0">
+                <a:ln>
+                  <a:noFill/>
+                </a:ln>
+                <a:solidFill>
+                  <a:srgbClr val="A9B7C6"/>
+                </a:solidFill>
+                <a:effectLst/>
+                <a:latin typeface="Fira Code" panose="020B0509050000020004" pitchFamily="49" charset="0"/>
+              </a:rPr>
+              <a:t>)</a:t>
+            </a:r>
+            <a:r>
+              <a:rPr kumimoji="0" lang="de-DE" altLang="de-DE" sz="1000" b="0" i="0" u="none" strike="noStrike" cap="none" normalizeH="0" baseline="0" dirty="0">
+                <a:ln>
+                  <a:noFill/>
+                </a:ln>
+                <a:solidFill>
+                  <a:srgbClr val="CC7832"/>
+                </a:solidFill>
+                <a:effectLst/>
+                <a:latin typeface="Fira Code" panose="020B0509050000020004" pitchFamily="49" charset="0"/>
+              </a:rPr>
+              <a:t>;</a:t>
+            </a:r>
+            <a:br>
+              <a:rPr kumimoji="0" lang="de-DE" altLang="de-DE" sz="1000" b="0" i="0" u="none" strike="noStrike" cap="none" normalizeH="0" baseline="0" dirty="0">
+                <a:ln>
+                  <a:noFill/>
+                </a:ln>
+                <a:solidFill>
+                  <a:srgbClr val="CC7832"/>
+                </a:solidFill>
+                <a:effectLst/>
+                <a:latin typeface="Fira Code" panose="020B0509050000020004" pitchFamily="49" charset="0"/>
+              </a:rPr>
+            </a:br>
+            <a:br>
+              <a:rPr kumimoji="0" lang="de-DE" altLang="de-DE" sz="1000" b="0" i="0" u="none" strike="noStrike" cap="none" normalizeH="0" baseline="0" dirty="0">
+                <a:ln>
+                  <a:noFill/>
+                </a:ln>
+                <a:solidFill>
+                  <a:srgbClr val="CC7832"/>
+                </a:solidFill>
+                <a:effectLst/>
+                <a:latin typeface="Fira Code" panose="020B0509050000020004" pitchFamily="49" charset="0"/>
+              </a:rPr>
+            </a:br>
+            <a:r>
+              <a:rPr kumimoji="0" lang="de-DE" altLang="de-DE" sz="1000" b="0" i="0" u="none" strike="noStrike" cap="none" normalizeH="0" baseline="0" dirty="0">
+                <a:ln>
+                  <a:noFill/>
+                </a:ln>
+                <a:solidFill>
+                  <a:srgbClr val="CC7832"/>
+                </a:solidFill>
+                <a:effectLst/>
+                <a:latin typeface="Fira Code" panose="020B0509050000020004" pitchFamily="49" charset="0"/>
+              </a:rPr>
+              <a:t>    </a:t>
+            </a:r>
+            <a:r>
+              <a:rPr kumimoji="0" lang="de-DE" altLang="de-DE" sz="1000" b="0" i="0" u="none" strike="noStrike" cap="none" normalizeH="0" baseline="0" dirty="0">
+                <a:ln>
+                  <a:noFill/>
+                </a:ln>
+                <a:solidFill>
+                  <a:srgbClr val="808080"/>
+                </a:solidFill>
+                <a:effectLst/>
+                <a:latin typeface="Fira Code" panose="020B0509050000020004" pitchFamily="49" charset="0"/>
+              </a:rPr>
+              <a:t>// Select </a:t>
+            </a:r>
+            <a:r>
+              <a:rPr kumimoji="0" lang="de-DE" altLang="de-DE" sz="1000" b="0" i="0" u="none" strike="noStrike" cap="none" normalizeH="0" baseline="0" dirty="0" err="1">
+                <a:ln>
+                  <a:noFill/>
+                </a:ln>
+                <a:solidFill>
+                  <a:srgbClr val="808080"/>
+                </a:solidFill>
+                <a:effectLst/>
+                <a:latin typeface="Fira Code" panose="020B0509050000020004" pitchFamily="49" charset="0"/>
+              </a:rPr>
+              <a:t>device</a:t>
+            </a:r>
+            <a:r>
+              <a:rPr kumimoji="0" lang="de-DE" altLang="de-DE" sz="1000" b="0" i="0" u="none" strike="noStrike" cap="none" normalizeH="0" baseline="0" dirty="0">
+                <a:ln>
+                  <a:noFill/>
+                </a:ln>
+                <a:solidFill>
+                  <a:srgbClr val="808080"/>
+                </a:solidFill>
+                <a:effectLst/>
+                <a:latin typeface="Fira Code" panose="020B0509050000020004" pitchFamily="49" charset="0"/>
+              </a:rPr>
+              <a:t> after </a:t>
+            </a:r>
+            <a:r>
+              <a:rPr kumimoji="0" lang="de-DE" altLang="de-DE" sz="1000" b="0" i="0" u="none" strike="noStrike" cap="none" normalizeH="0" baseline="0" dirty="0" err="1">
+                <a:ln>
+                  <a:noFill/>
+                </a:ln>
+                <a:solidFill>
+                  <a:srgbClr val="808080"/>
+                </a:solidFill>
+                <a:effectLst/>
+                <a:latin typeface="Fira Code" panose="020B0509050000020004" pitchFamily="49" charset="0"/>
+              </a:rPr>
+              <a:t>bonding</a:t>
+            </a:r>
+            <a:br>
+              <a:rPr kumimoji="0" lang="de-DE" altLang="de-DE" sz="1000" b="0" i="0" u="none" strike="noStrike" cap="none" normalizeH="0" baseline="0" dirty="0">
+                <a:ln>
+                  <a:noFill/>
+                </a:ln>
+                <a:solidFill>
+                  <a:srgbClr val="808080"/>
+                </a:solidFill>
+                <a:effectLst/>
+                <a:latin typeface="Fira Code" panose="020B0509050000020004" pitchFamily="49" charset="0"/>
+              </a:rPr>
+            </a:br>
+            <a:r>
+              <a:rPr kumimoji="0" lang="de-DE" altLang="de-DE" sz="1000" b="0" i="0" u="none" strike="noStrike" cap="none" normalizeH="0" baseline="0" dirty="0">
+                <a:ln>
+                  <a:noFill/>
+                </a:ln>
+                <a:solidFill>
+                  <a:srgbClr val="808080"/>
+                </a:solidFill>
+                <a:effectLst/>
+                <a:latin typeface="Fira Code" panose="020B0509050000020004" pitchFamily="49" charset="0"/>
+              </a:rPr>
+              <a:t>    </a:t>
+            </a:r>
+            <a:r>
+              <a:rPr kumimoji="0" lang="de-DE" altLang="de-DE" sz="1000" b="0" i="0" u="none" strike="noStrike" cap="none" normalizeH="0" baseline="0" dirty="0" err="1">
+                <a:ln>
+                  <a:noFill/>
+                </a:ln>
+                <a:solidFill>
+                  <a:srgbClr val="CC7832"/>
+                </a:solidFill>
+                <a:effectLst/>
+                <a:latin typeface="Fira Code" panose="020B0509050000020004" pitchFamily="49" charset="0"/>
+              </a:rPr>
+              <a:t>if</a:t>
+            </a:r>
+            <a:r>
+              <a:rPr kumimoji="0" lang="de-DE" altLang="de-DE" sz="1000" b="0" i="0" u="none" strike="noStrike" cap="none" normalizeH="0" baseline="0" dirty="0">
+                <a:ln>
+                  <a:noFill/>
+                </a:ln>
+                <a:solidFill>
+                  <a:srgbClr val="CC7832"/>
+                </a:solidFill>
+                <a:effectLst/>
+                <a:latin typeface="Fira Code" panose="020B0509050000020004" pitchFamily="49" charset="0"/>
+              </a:rPr>
+              <a:t> </a:t>
+            </a:r>
+            <a:r>
+              <a:rPr kumimoji="0" lang="de-DE" altLang="de-DE" sz="1000" b="0" i="0" u="none" strike="noStrike" cap="none" normalizeH="0" baseline="0" dirty="0">
+                <a:ln>
+                  <a:noFill/>
+                </a:ln>
+                <a:solidFill>
+                  <a:srgbClr val="A9B7C6"/>
+                </a:solidFill>
+                <a:effectLst/>
+                <a:latin typeface="Fira Code" panose="020B0509050000020004" pitchFamily="49" charset="0"/>
+              </a:rPr>
+              <a:t>(</a:t>
+            </a:r>
+            <a:r>
+              <a:rPr kumimoji="0" lang="de-DE" altLang="de-DE" sz="1000" b="0" i="0" u="none" strike="noStrike" cap="none" normalizeH="0" baseline="0" dirty="0" err="1">
+                <a:ln>
+                  <a:noFill/>
+                </a:ln>
+                <a:solidFill>
+                  <a:srgbClr val="A9B7C6"/>
+                </a:solidFill>
+                <a:effectLst/>
+                <a:latin typeface="Fira Code" panose="020B0509050000020004" pitchFamily="49" charset="0"/>
+              </a:rPr>
+              <a:t>bondState</a:t>
+            </a:r>
+            <a:r>
+              <a:rPr kumimoji="0" lang="de-DE" altLang="de-DE" sz="1000" b="0" i="0" u="none" strike="noStrike" cap="none" normalizeH="0" baseline="0" dirty="0">
+                <a:ln>
+                  <a:noFill/>
+                </a:ln>
+                <a:solidFill>
+                  <a:srgbClr val="A9B7C6"/>
+                </a:solidFill>
+                <a:effectLst/>
+                <a:latin typeface="Fira Code" panose="020B0509050000020004" pitchFamily="49" charset="0"/>
+              </a:rPr>
+              <a:t> == </a:t>
+            </a:r>
+            <a:r>
+              <a:rPr kumimoji="0" lang="de-DE" altLang="de-DE" sz="1000" b="0" i="0" u="none" strike="noStrike" cap="none" normalizeH="0" baseline="0" dirty="0" err="1">
+                <a:ln>
+                  <a:noFill/>
+                </a:ln>
+                <a:solidFill>
+                  <a:srgbClr val="A9B7C6"/>
+                </a:solidFill>
+                <a:effectLst/>
+                <a:latin typeface="Fira Code" panose="020B0509050000020004" pitchFamily="49" charset="0"/>
+              </a:rPr>
+              <a:t>BluetoothDevice.</a:t>
+            </a:r>
+            <a:r>
+              <a:rPr kumimoji="0" lang="de-DE" altLang="de-DE" sz="1000" b="0" i="1" u="none" strike="noStrike" cap="none" normalizeH="0" baseline="0" dirty="0" err="1">
+                <a:ln>
+                  <a:noFill/>
+                </a:ln>
+                <a:solidFill>
+                  <a:srgbClr val="9876AA"/>
+                </a:solidFill>
+                <a:effectLst/>
+                <a:latin typeface="Fira Code" panose="020B0509050000020004" pitchFamily="49" charset="0"/>
+              </a:rPr>
+              <a:t>BOND_BONDED</a:t>
+            </a:r>
+            <a:r>
+              <a:rPr kumimoji="0" lang="de-DE" altLang="de-DE" sz="1000" b="0" i="1" u="none" strike="noStrike" cap="none" normalizeH="0" baseline="0" dirty="0">
+                <a:ln>
+                  <a:noFill/>
+                </a:ln>
+                <a:solidFill>
+                  <a:srgbClr val="9876AA"/>
+                </a:solidFill>
+                <a:effectLst/>
+                <a:latin typeface="Fira Code" panose="020B0509050000020004" pitchFamily="49" charset="0"/>
+              </a:rPr>
+              <a:t> </a:t>
+            </a:r>
+            <a:r>
+              <a:rPr kumimoji="0" lang="de-DE" altLang="de-DE" sz="1000" b="0" i="0" u="none" strike="noStrike" cap="none" normalizeH="0" baseline="0" dirty="0">
+                <a:ln>
+                  <a:noFill/>
+                </a:ln>
+                <a:solidFill>
+                  <a:srgbClr val="A9B7C6"/>
+                </a:solidFill>
+                <a:effectLst/>
+                <a:latin typeface="Fira Code" panose="020B0509050000020004" pitchFamily="49" charset="0"/>
+              </a:rPr>
+              <a:t>&amp;&amp; </a:t>
+            </a:r>
+            <a:r>
+              <a:rPr kumimoji="0" lang="de-DE" altLang="de-DE" sz="1000" b="0" i="0" u="none" strike="noStrike" cap="none" normalizeH="0" baseline="0" dirty="0" err="1">
+                <a:ln>
+                  <a:noFill/>
+                </a:ln>
+                <a:solidFill>
+                  <a:srgbClr val="A9B7C6"/>
+                </a:solidFill>
+                <a:effectLst/>
+                <a:latin typeface="Fira Code" panose="020B0509050000020004" pitchFamily="49" charset="0"/>
+              </a:rPr>
+              <a:t>device</a:t>
+            </a:r>
+            <a:r>
+              <a:rPr kumimoji="0" lang="de-DE" altLang="de-DE" sz="1000" b="0" i="0" u="none" strike="noStrike" cap="none" normalizeH="0" baseline="0" dirty="0">
+                <a:ln>
+                  <a:noFill/>
+                </a:ln>
+                <a:solidFill>
+                  <a:srgbClr val="A9B7C6"/>
+                </a:solidFill>
+                <a:effectLst/>
+                <a:latin typeface="Fira Code" panose="020B0509050000020004" pitchFamily="49" charset="0"/>
+              </a:rPr>
+              <a:t> != </a:t>
+            </a:r>
+            <a:r>
+              <a:rPr kumimoji="0" lang="de-DE" altLang="de-DE" sz="1000" b="0" i="0" u="none" strike="noStrike" cap="none" normalizeH="0" baseline="0" dirty="0">
+                <a:ln>
+                  <a:noFill/>
+                </a:ln>
+                <a:solidFill>
+                  <a:srgbClr val="CC7832"/>
+                </a:solidFill>
+                <a:effectLst/>
+                <a:latin typeface="Fira Code" panose="020B0509050000020004" pitchFamily="49" charset="0"/>
+              </a:rPr>
+              <a:t>null</a:t>
+            </a:r>
+            <a:r>
+              <a:rPr kumimoji="0" lang="de-DE" altLang="de-DE" sz="1000" b="0" i="0" u="none" strike="noStrike" cap="none" normalizeH="0" baseline="0" dirty="0">
+                <a:ln>
+                  <a:noFill/>
+                </a:ln>
+                <a:solidFill>
+                  <a:srgbClr val="A9B7C6"/>
+                </a:solidFill>
+                <a:effectLst/>
+                <a:latin typeface="Fira Code" panose="020B0509050000020004" pitchFamily="49" charset="0"/>
+              </a:rPr>
+              <a:t>) {</a:t>
+            </a:r>
+            <a:br>
+              <a:rPr kumimoji="0" lang="de-DE" altLang="de-DE" sz="1000" b="0" i="0" u="none" strike="noStrike" cap="none" normalizeH="0" baseline="0" dirty="0">
+                <a:ln>
+                  <a:noFill/>
+                </a:ln>
+                <a:solidFill>
+                  <a:srgbClr val="A9B7C6"/>
+                </a:solidFill>
+                <a:effectLst/>
+                <a:latin typeface="Fira Code" panose="020B0509050000020004" pitchFamily="49" charset="0"/>
+              </a:rPr>
+            </a:br>
+            <a:r>
+              <a:rPr kumimoji="0" lang="de-DE" altLang="de-DE" sz="1000" b="0" i="0" u="none" strike="noStrike" cap="none" normalizeH="0" baseline="0" dirty="0">
+                <a:ln>
+                  <a:noFill/>
+                </a:ln>
+                <a:solidFill>
+                  <a:srgbClr val="A9B7C6"/>
+                </a:solidFill>
+                <a:effectLst/>
+                <a:latin typeface="Fira Code" panose="020B0509050000020004" pitchFamily="49" charset="0"/>
+              </a:rPr>
+              <a:t>        </a:t>
+            </a:r>
+            <a:r>
+              <a:rPr kumimoji="0" lang="de-DE" altLang="de-DE" sz="1000" b="0" i="0" u="none" strike="noStrike" cap="none" normalizeH="0" baseline="0" dirty="0" err="1">
+                <a:ln>
+                  <a:noFill/>
+                </a:ln>
+                <a:solidFill>
+                  <a:srgbClr val="9876AA"/>
+                </a:solidFill>
+                <a:effectLst/>
+                <a:latin typeface="Fira Code" panose="020B0509050000020004" pitchFamily="49" charset="0"/>
+              </a:rPr>
+              <a:t>onDeviceSelectedListener</a:t>
+            </a:r>
+            <a:r>
+              <a:rPr kumimoji="0" lang="de-DE" altLang="de-DE" sz="1000" b="0" i="0" u="none" strike="noStrike" cap="none" normalizeH="0" baseline="0" dirty="0" err="1">
+                <a:ln>
+                  <a:noFill/>
+                </a:ln>
+                <a:solidFill>
+                  <a:srgbClr val="A9B7C6"/>
+                </a:solidFill>
+                <a:effectLst/>
+                <a:latin typeface="Fira Code" panose="020B0509050000020004" pitchFamily="49" charset="0"/>
+              </a:rPr>
+              <a:t>.deviceSelected</a:t>
+            </a:r>
+            <a:r>
+              <a:rPr kumimoji="0" lang="de-DE" altLang="de-DE" sz="1000" b="0" i="0" u="none" strike="noStrike" cap="none" normalizeH="0" baseline="0" dirty="0">
+                <a:ln>
+                  <a:noFill/>
+                </a:ln>
+                <a:solidFill>
+                  <a:srgbClr val="A9B7C6"/>
+                </a:solidFill>
+                <a:effectLst/>
+                <a:latin typeface="Fira Code" panose="020B0509050000020004" pitchFamily="49" charset="0"/>
+              </a:rPr>
+              <a:t>(</a:t>
+            </a:r>
+            <a:r>
+              <a:rPr kumimoji="0" lang="de-DE" altLang="de-DE" sz="1000" b="0" i="0" u="none" strike="noStrike" cap="none" normalizeH="0" baseline="0" dirty="0" err="1">
+                <a:ln>
+                  <a:noFill/>
+                </a:ln>
+                <a:solidFill>
+                  <a:srgbClr val="A9B7C6"/>
+                </a:solidFill>
+                <a:effectLst/>
+                <a:latin typeface="Fira Code" panose="020B0509050000020004" pitchFamily="49" charset="0"/>
+              </a:rPr>
+              <a:t>device</a:t>
+            </a:r>
+            <a:r>
+              <a:rPr kumimoji="0" lang="de-DE" altLang="de-DE" sz="1000" b="0" i="0" u="none" strike="noStrike" cap="none" normalizeH="0" baseline="0" dirty="0">
+                <a:ln>
+                  <a:noFill/>
+                </a:ln>
+                <a:solidFill>
+                  <a:srgbClr val="A9B7C6"/>
+                </a:solidFill>
+                <a:effectLst/>
+                <a:latin typeface="Fira Code" panose="020B0509050000020004" pitchFamily="49" charset="0"/>
+              </a:rPr>
+              <a:t>)</a:t>
+            </a:r>
+            <a:r>
+              <a:rPr kumimoji="0" lang="de-DE" altLang="de-DE" sz="1000" b="0" i="0" u="none" strike="noStrike" cap="none" normalizeH="0" baseline="0" dirty="0">
+                <a:ln>
+                  <a:noFill/>
+                </a:ln>
+                <a:solidFill>
+                  <a:srgbClr val="CC7832"/>
+                </a:solidFill>
+                <a:effectLst/>
+                <a:latin typeface="Fira Code" panose="020B0509050000020004" pitchFamily="49" charset="0"/>
+              </a:rPr>
+              <a:t>;</a:t>
+            </a:r>
+            <a:br>
+              <a:rPr kumimoji="0" lang="de-DE" altLang="de-DE" sz="1000" b="0" i="0" u="none" strike="noStrike" cap="none" normalizeH="0" baseline="0" dirty="0">
+                <a:ln>
+                  <a:noFill/>
+                </a:ln>
+                <a:solidFill>
+                  <a:srgbClr val="CC7832"/>
+                </a:solidFill>
+                <a:effectLst/>
+                <a:latin typeface="Fira Code" panose="020B0509050000020004" pitchFamily="49" charset="0"/>
+              </a:rPr>
+            </a:br>
+            <a:r>
+              <a:rPr kumimoji="0" lang="de-DE" altLang="de-DE" sz="1000" b="0" i="0" u="none" strike="noStrike" cap="none" normalizeH="0" baseline="0" dirty="0">
+                <a:ln>
+                  <a:noFill/>
+                </a:ln>
+                <a:solidFill>
+                  <a:srgbClr val="CC7832"/>
+                </a:solidFill>
+                <a:effectLst/>
+                <a:latin typeface="Fira Code" panose="020B0509050000020004" pitchFamily="49" charset="0"/>
+              </a:rPr>
+              <a:t>    </a:t>
+            </a:r>
+            <a:r>
+              <a:rPr kumimoji="0" lang="de-DE" altLang="de-DE" sz="1000" b="0" i="0" u="none" strike="noStrike" cap="none" normalizeH="0" baseline="0" dirty="0">
+                <a:ln>
+                  <a:noFill/>
+                </a:ln>
+                <a:solidFill>
+                  <a:srgbClr val="A9B7C6"/>
+                </a:solidFill>
+                <a:effectLst/>
+                <a:latin typeface="Fira Code" panose="020B0509050000020004" pitchFamily="49" charset="0"/>
+              </a:rPr>
+              <a:t>}</a:t>
+            </a:r>
+            <a:br>
+              <a:rPr kumimoji="0" lang="de-DE" altLang="de-DE" sz="1000" b="0" i="0" u="none" strike="noStrike" cap="none" normalizeH="0" baseline="0" dirty="0">
+                <a:ln>
+                  <a:noFill/>
+                </a:ln>
+                <a:solidFill>
+                  <a:srgbClr val="A9B7C6"/>
+                </a:solidFill>
+                <a:effectLst/>
+                <a:latin typeface="Fira Code" panose="020B0509050000020004" pitchFamily="49" charset="0"/>
+              </a:rPr>
+            </a:br>
+            <a:r>
+              <a:rPr kumimoji="0" lang="de-DE" altLang="de-DE" sz="1000" b="0" i="0" u="none" strike="noStrike" cap="none" normalizeH="0" baseline="0" dirty="0">
+                <a:ln>
+                  <a:noFill/>
+                </a:ln>
+                <a:solidFill>
+                  <a:srgbClr val="A9B7C6"/>
+                </a:solidFill>
+                <a:effectLst/>
+                <a:latin typeface="Fira Code" panose="020B0509050000020004" pitchFamily="49" charset="0"/>
+              </a:rPr>
+              <a:t>}</a:t>
+            </a:r>
+          </a:p>
+        </p:txBody>
+      </p:sp>
+      <p:sp>
+        <p:nvSpPr>
+          <p:cNvPr id="7" name="Textfeld 6">
+            <a:extLst>
+              <a:ext uri="{FF2B5EF4-FFF2-40B4-BE49-F238E27FC236}">
+                <a16:creationId xmlns:a16="http://schemas.microsoft.com/office/drawing/2014/main" id="{9F6934DD-4035-4937-9144-B81E89BAEA96}"/>
+              </a:ext>
+            </a:extLst>
+          </p:cNvPr>
+          <p:cNvSpPr txBox="1"/>
+          <p:nvPr/>
+        </p:nvSpPr>
+        <p:spPr>
+          <a:xfrm>
+            <a:off x="641540" y="1736229"/>
+            <a:ext cx="2488823" cy="369332"/>
+          </a:xfrm>
+          <a:prstGeom prst="rect">
+            <a:avLst/>
+          </a:prstGeom>
+          <a:noFill/>
+        </p:spPr>
+        <p:txBody>
+          <a:bodyPr wrap="none" rtlCol="0">
+            <a:spAutoFit/>
+          </a:bodyPr>
+          <a:lstStyle/>
+          <a:p>
+            <a:r>
+              <a:rPr lang="de-DE" dirty="0"/>
+              <a:t>GERÄT VERBUNDEN</a:t>
+            </a:r>
+          </a:p>
+        </p:txBody>
+      </p:sp>
+      <p:sp>
+        <p:nvSpPr>
+          <p:cNvPr id="8" name="Rectangle 2">
+            <a:extLst>
+              <a:ext uri="{FF2B5EF4-FFF2-40B4-BE49-F238E27FC236}">
+                <a16:creationId xmlns:a16="http://schemas.microsoft.com/office/drawing/2014/main" id="{814C79E2-C993-4201-A448-9C36FFF67F7D}"/>
+              </a:ext>
+            </a:extLst>
+          </p:cNvPr>
+          <p:cNvSpPr>
+            <a:spLocks noChangeArrowheads="1"/>
+          </p:cNvSpPr>
+          <p:nvPr/>
+        </p:nvSpPr>
+        <p:spPr bwMode="auto">
+          <a:xfrm>
+            <a:off x="684212" y="4466027"/>
+            <a:ext cx="6307900" cy="1631216"/>
+          </a:xfrm>
+          <a:prstGeom prst="rect">
+            <a:avLst/>
+          </a:prstGeom>
+          <a:solidFill>
+            <a:srgbClr val="2B2B2B"/>
+          </a:solidFill>
+          <a:ln>
+            <a:noFill/>
+          </a:ln>
+          <a:effectLst/>
+          <a:extLst>
+            <a:ext uri="{91240B29-F687-4F45-9708-019B960494DF}">
+              <a14:hiddenLine xmlns:a14="http://schemas.microsoft.com/office/drawing/2010/main" w="9525">
+                <a:solidFill>
+                  <a:schemeClr val="tx1"/>
+                </a:solidFill>
+                <a:miter lim="800000"/>
+                <a:headEnd/>
+                <a:tailEnd/>
+              </a14:hiddenLine>
+            </a:ext>
+            <a:ext uri="{AF507438-7753-43E0-B8FC-AC1667EBCBE1}">
+              <a14:hiddenEffects xmlns:a14="http://schemas.microsoft.com/office/drawing/2010/main">
+                <a:effectLst>
+                  <a:outerShdw dist="35921" dir="2700000" algn="ctr" rotWithShape="0">
+                    <a:schemeClr val="bg2"/>
+                  </a:outerShdw>
+                </a:effectLst>
+              </a14:hiddenEffects>
+            </a:ext>
+          </a:extLst>
+        </p:spPr>
+        <p:txBody>
+          <a:bodyPr vert="horz" wrap="square" lIns="91440" tIns="45720" rIns="91440" bIns="45720" numCol="1" anchor="ctr" anchorCtr="0" compatLnSpc="1">
+            <a:prstTxWarp prst="textNoShape">
+              <a:avLst/>
+            </a:prstTxWarp>
+            <a:spAutoFit/>
+          </a:bodyPr>
+          <a:lstStyle/>
+          <a:p>
+            <a:pPr marL="0" marR="0" lvl="0" indent="0" algn="l" defTabSz="914400" rtl="0" eaLnBrk="0" fontAlgn="base" latinLnBrk="0" hangingPunct="0">
+              <a:lnSpc>
+                <a:spcPct val="100000"/>
+              </a:lnSpc>
+              <a:spcBef>
+                <a:spcPct val="0"/>
+              </a:spcBef>
+              <a:spcAft>
+                <a:spcPct val="0"/>
+              </a:spcAft>
+              <a:buClrTx/>
+              <a:buSzTx/>
+              <a:buFontTx/>
+              <a:buNone/>
+              <a:tabLst/>
+            </a:pPr>
+            <a:r>
+              <a:rPr kumimoji="0" lang="de-DE" altLang="de-DE" sz="1000" b="0" i="0" u="none" strike="noStrike" cap="none" normalizeH="0" baseline="0" dirty="0" err="1">
+                <a:ln>
+                  <a:noFill/>
+                </a:ln>
+                <a:solidFill>
+                  <a:srgbClr val="CC7832"/>
+                </a:solidFill>
+                <a:effectLst/>
+                <a:latin typeface="Fira Code" panose="020B0509050000020004" pitchFamily="49" charset="0"/>
+              </a:rPr>
+              <a:t>try</a:t>
+            </a:r>
+            <a:r>
+              <a:rPr kumimoji="0" lang="de-DE" altLang="de-DE" sz="1000" b="0" i="0" u="none" strike="noStrike" cap="none" normalizeH="0" baseline="0" dirty="0">
+                <a:ln>
+                  <a:noFill/>
+                </a:ln>
+                <a:solidFill>
+                  <a:srgbClr val="CC7832"/>
+                </a:solidFill>
+                <a:effectLst/>
+                <a:latin typeface="Fira Code" panose="020B0509050000020004" pitchFamily="49" charset="0"/>
+              </a:rPr>
+              <a:t> </a:t>
+            </a:r>
+            <a:r>
+              <a:rPr kumimoji="0" lang="de-DE" altLang="de-DE" sz="1000" b="0" i="0" u="none" strike="noStrike" cap="none" normalizeH="0" baseline="0" dirty="0">
+                <a:ln>
+                  <a:noFill/>
+                </a:ln>
+                <a:solidFill>
+                  <a:srgbClr val="A9B7C6"/>
+                </a:solidFill>
+                <a:effectLst/>
+                <a:latin typeface="Fira Code" panose="020B0509050000020004" pitchFamily="49" charset="0"/>
+              </a:rPr>
+              <a:t>{</a:t>
+            </a:r>
+            <a:br>
+              <a:rPr kumimoji="0" lang="de-DE" altLang="de-DE" sz="1000" b="0" i="0" u="none" strike="noStrike" cap="none" normalizeH="0" baseline="0" dirty="0">
+                <a:ln>
+                  <a:noFill/>
+                </a:ln>
+                <a:solidFill>
+                  <a:srgbClr val="A9B7C6"/>
+                </a:solidFill>
+                <a:effectLst/>
+                <a:latin typeface="Fira Code" panose="020B0509050000020004" pitchFamily="49" charset="0"/>
+              </a:rPr>
+            </a:br>
+            <a:r>
+              <a:rPr kumimoji="0" lang="de-DE" altLang="de-DE" sz="1000" b="0" i="0" u="none" strike="noStrike" cap="none" normalizeH="0" baseline="0" dirty="0">
+                <a:ln>
+                  <a:noFill/>
+                </a:ln>
+                <a:solidFill>
+                  <a:srgbClr val="A9B7C6"/>
+                </a:solidFill>
+                <a:effectLst/>
+                <a:latin typeface="Fira Code" panose="020B0509050000020004" pitchFamily="49" charset="0"/>
+              </a:rPr>
+              <a:t>    </a:t>
+            </a:r>
+            <a:r>
+              <a:rPr kumimoji="0" lang="de-DE" altLang="de-DE" sz="1000" b="0" i="0" u="none" strike="noStrike" cap="none" normalizeH="0" baseline="0" dirty="0">
+                <a:ln>
+                  <a:noFill/>
+                </a:ln>
+                <a:solidFill>
+                  <a:srgbClr val="808080"/>
+                </a:solidFill>
+                <a:effectLst/>
+                <a:latin typeface="Fira Code" panose="020B0509050000020004" pitchFamily="49" charset="0"/>
+              </a:rPr>
+              <a:t>// Create a </a:t>
+            </a:r>
+            <a:r>
+              <a:rPr kumimoji="0" lang="de-DE" altLang="de-DE" sz="1000" b="0" i="0" u="none" strike="noStrike" cap="none" normalizeH="0" baseline="0" dirty="0" err="1">
+                <a:ln>
+                  <a:noFill/>
+                </a:ln>
+                <a:solidFill>
+                  <a:srgbClr val="808080"/>
+                </a:solidFill>
+                <a:effectLst/>
+                <a:latin typeface="Fira Code" panose="020B0509050000020004" pitchFamily="49" charset="0"/>
+              </a:rPr>
+              <a:t>new</a:t>
+            </a:r>
+            <a:r>
+              <a:rPr kumimoji="0" lang="de-DE" altLang="de-DE" sz="1000" b="0" i="0" u="none" strike="noStrike" cap="none" normalizeH="0" baseline="0" dirty="0">
+                <a:ln>
+                  <a:noFill/>
+                </a:ln>
+                <a:solidFill>
+                  <a:srgbClr val="808080"/>
+                </a:solidFill>
+                <a:effectLst/>
+                <a:latin typeface="Fira Code" panose="020B0509050000020004" pitchFamily="49" charset="0"/>
+              </a:rPr>
+              <a:t> socket </a:t>
+            </a:r>
+            <a:r>
+              <a:rPr kumimoji="0" lang="de-DE" altLang="de-DE" sz="1000" b="0" i="0" u="none" strike="noStrike" cap="none" normalizeH="0" baseline="0" dirty="0" err="1">
+                <a:ln>
+                  <a:noFill/>
+                </a:ln>
+                <a:solidFill>
+                  <a:srgbClr val="808080"/>
+                </a:solidFill>
+                <a:effectLst/>
+                <a:latin typeface="Fira Code" panose="020B0509050000020004" pitchFamily="49" charset="0"/>
+              </a:rPr>
+              <a:t>for</a:t>
+            </a:r>
+            <a:r>
+              <a:rPr kumimoji="0" lang="de-DE" altLang="de-DE" sz="1000" b="0" i="0" u="none" strike="noStrike" cap="none" normalizeH="0" baseline="0" dirty="0">
+                <a:ln>
+                  <a:noFill/>
+                </a:ln>
+                <a:solidFill>
+                  <a:srgbClr val="808080"/>
+                </a:solidFill>
+                <a:effectLst/>
+                <a:latin typeface="Fira Code" panose="020B0509050000020004" pitchFamily="49" charset="0"/>
+              </a:rPr>
+              <a:t> </a:t>
+            </a:r>
+            <a:r>
+              <a:rPr kumimoji="0" lang="de-DE" altLang="de-DE" sz="1000" b="0" i="0" u="none" strike="noStrike" cap="none" normalizeH="0" baseline="0" dirty="0" err="1">
+                <a:ln>
+                  <a:noFill/>
+                </a:ln>
+                <a:solidFill>
+                  <a:srgbClr val="808080"/>
+                </a:solidFill>
+                <a:effectLst/>
+                <a:latin typeface="Fira Code" panose="020B0509050000020004" pitchFamily="49" charset="0"/>
+              </a:rPr>
+              <a:t>the</a:t>
+            </a:r>
+            <a:r>
+              <a:rPr kumimoji="0" lang="de-DE" altLang="de-DE" sz="1000" b="0" i="0" u="none" strike="noStrike" cap="none" normalizeH="0" baseline="0" dirty="0">
+                <a:ln>
+                  <a:noFill/>
+                </a:ln>
+                <a:solidFill>
+                  <a:srgbClr val="808080"/>
+                </a:solidFill>
+                <a:effectLst/>
+                <a:latin typeface="Fira Code" panose="020B0509050000020004" pitchFamily="49" charset="0"/>
+              </a:rPr>
+              <a:t> </a:t>
+            </a:r>
+            <a:r>
+              <a:rPr kumimoji="0" lang="de-DE" altLang="de-DE" sz="1000" b="0" i="0" u="none" strike="noStrike" cap="none" normalizeH="0" baseline="0" dirty="0" err="1">
+                <a:ln>
+                  <a:noFill/>
+                </a:ln>
+                <a:solidFill>
+                  <a:srgbClr val="808080"/>
+                </a:solidFill>
+                <a:effectLst/>
+                <a:latin typeface="Fira Code" panose="020B0509050000020004" pitchFamily="49" charset="0"/>
+              </a:rPr>
+              <a:t>target</a:t>
+            </a:r>
+            <a:r>
+              <a:rPr kumimoji="0" lang="de-DE" altLang="de-DE" sz="1000" b="0" i="0" u="none" strike="noStrike" cap="none" normalizeH="0" baseline="0" dirty="0">
+                <a:ln>
+                  <a:noFill/>
+                </a:ln>
+                <a:solidFill>
+                  <a:srgbClr val="808080"/>
+                </a:solidFill>
+                <a:effectLst/>
+                <a:latin typeface="Fira Code" panose="020B0509050000020004" pitchFamily="49" charset="0"/>
+              </a:rPr>
+              <a:t> </a:t>
+            </a:r>
+            <a:r>
+              <a:rPr kumimoji="0" lang="de-DE" altLang="de-DE" sz="1000" b="0" i="0" u="none" strike="noStrike" cap="none" normalizeH="0" baseline="0" dirty="0" err="1">
+                <a:ln>
+                  <a:noFill/>
+                </a:ln>
+                <a:solidFill>
+                  <a:srgbClr val="808080"/>
+                </a:solidFill>
+                <a:effectLst/>
+                <a:latin typeface="Fira Code" panose="020B0509050000020004" pitchFamily="49" charset="0"/>
+              </a:rPr>
+              <a:t>device</a:t>
+            </a:r>
+            <a:br>
+              <a:rPr kumimoji="0" lang="de-DE" altLang="de-DE" sz="1000" b="0" i="0" u="none" strike="noStrike" cap="none" normalizeH="0" baseline="0" dirty="0">
+                <a:ln>
+                  <a:noFill/>
+                </a:ln>
+                <a:solidFill>
+                  <a:srgbClr val="808080"/>
+                </a:solidFill>
+                <a:effectLst/>
+                <a:latin typeface="Fira Code" panose="020B0509050000020004" pitchFamily="49" charset="0"/>
+              </a:rPr>
+            </a:br>
+            <a:r>
+              <a:rPr kumimoji="0" lang="de-DE" altLang="de-DE" sz="1000" b="0" i="0" u="none" strike="noStrike" cap="none" normalizeH="0" baseline="0" dirty="0">
+                <a:ln>
+                  <a:noFill/>
+                </a:ln>
+                <a:solidFill>
+                  <a:srgbClr val="808080"/>
+                </a:solidFill>
+                <a:effectLst/>
+                <a:latin typeface="Fira Code" panose="020B0509050000020004" pitchFamily="49" charset="0"/>
+              </a:rPr>
+              <a:t>    </a:t>
+            </a:r>
+            <a:r>
+              <a:rPr kumimoji="0" lang="de-DE" altLang="de-DE" sz="1000" b="0" i="0" u="none" strike="noStrike" cap="none" normalizeH="0" baseline="0" dirty="0">
+                <a:ln>
+                  <a:noFill/>
+                </a:ln>
+                <a:solidFill>
+                  <a:srgbClr val="CC7832"/>
+                </a:solidFill>
+                <a:effectLst/>
+                <a:latin typeface="Fira Code" panose="020B0509050000020004" pitchFamily="49" charset="0"/>
+              </a:rPr>
+              <a:t>final </a:t>
+            </a:r>
+            <a:r>
+              <a:rPr kumimoji="0" lang="de-DE" altLang="de-DE" sz="1000" b="0" i="0" u="none" strike="noStrike" cap="none" normalizeH="0" baseline="0" dirty="0" err="1">
+                <a:ln>
+                  <a:noFill/>
+                </a:ln>
+                <a:solidFill>
+                  <a:srgbClr val="A9B7C6"/>
+                </a:solidFill>
+                <a:effectLst/>
+                <a:latin typeface="Fira Code" panose="020B0509050000020004" pitchFamily="49" charset="0"/>
+              </a:rPr>
+              <a:t>BluetoothSocket</a:t>
+            </a:r>
+            <a:r>
+              <a:rPr kumimoji="0" lang="de-DE" altLang="de-DE" sz="1000" b="0" i="0" u="none" strike="noStrike" cap="none" normalizeH="0" baseline="0" dirty="0">
+                <a:ln>
+                  <a:noFill/>
+                </a:ln>
+                <a:solidFill>
+                  <a:srgbClr val="A9B7C6"/>
+                </a:solidFill>
+                <a:effectLst/>
+                <a:latin typeface="Fira Code" panose="020B0509050000020004" pitchFamily="49" charset="0"/>
+              </a:rPr>
+              <a:t> </a:t>
+            </a:r>
+            <a:r>
+              <a:rPr kumimoji="0" lang="de-DE" altLang="de-DE" sz="1000" b="0" i="0" u="none" strike="noStrike" cap="none" normalizeH="0" baseline="0" dirty="0" err="1">
+                <a:ln>
+                  <a:noFill/>
+                </a:ln>
+                <a:solidFill>
+                  <a:srgbClr val="A9B7C6"/>
+                </a:solidFill>
+                <a:effectLst/>
+                <a:latin typeface="Fira Code" panose="020B0509050000020004" pitchFamily="49" charset="0"/>
+              </a:rPr>
+              <a:t>bluetoothSocket</a:t>
+            </a:r>
+            <a:r>
+              <a:rPr kumimoji="0" lang="de-DE" altLang="de-DE" sz="1000" b="0" i="0" u="none" strike="noStrike" cap="none" normalizeH="0" baseline="0" dirty="0">
+                <a:ln>
+                  <a:noFill/>
+                </a:ln>
+                <a:solidFill>
+                  <a:srgbClr val="A9B7C6"/>
+                </a:solidFill>
+                <a:effectLst/>
+                <a:latin typeface="Fira Code" panose="020B0509050000020004" pitchFamily="49" charset="0"/>
+              </a:rPr>
+              <a:t> = </a:t>
+            </a:r>
+          </a:p>
+          <a:p>
+            <a:pPr marL="0" marR="0" lvl="0" indent="0" algn="l" defTabSz="914400" rtl="0" eaLnBrk="0" fontAlgn="base" latinLnBrk="0" hangingPunct="0">
+              <a:lnSpc>
+                <a:spcPct val="100000"/>
+              </a:lnSpc>
+              <a:spcBef>
+                <a:spcPct val="0"/>
+              </a:spcBef>
+              <a:spcAft>
+                <a:spcPct val="0"/>
+              </a:spcAft>
+              <a:buClrTx/>
+              <a:buSzTx/>
+              <a:buFontTx/>
+              <a:buNone/>
+              <a:tabLst/>
+            </a:pPr>
+            <a:r>
+              <a:rPr lang="de-DE" altLang="de-DE" sz="1000" dirty="0">
+                <a:solidFill>
+                  <a:srgbClr val="A9B7C6"/>
+                </a:solidFill>
+                <a:latin typeface="Fira Code" panose="020B0509050000020004" pitchFamily="49" charset="0"/>
+              </a:rPr>
+              <a:t>	</a:t>
+            </a:r>
+            <a:r>
+              <a:rPr kumimoji="0" lang="de-DE" altLang="de-DE" sz="1000" b="0" i="0" u="none" strike="noStrike" cap="none" normalizeH="0" baseline="0" dirty="0" err="1">
+                <a:ln>
+                  <a:noFill/>
+                </a:ln>
+                <a:solidFill>
+                  <a:srgbClr val="9876AA"/>
+                </a:solidFill>
+                <a:effectLst/>
+                <a:latin typeface="Fira Code" panose="020B0509050000020004" pitchFamily="49" charset="0"/>
+              </a:rPr>
+              <a:t>targetDevice</a:t>
+            </a:r>
+            <a:r>
+              <a:rPr kumimoji="0" lang="de-DE" altLang="de-DE" sz="1000" b="0" i="0" u="none" strike="noStrike" cap="none" normalizeH="0" baseline="0" dirty="0" err="1">
+                <a:ln>
+                  <a:noFill/>
+                </a:ln>
+                <a:solidFill>
+                  <a:srgbClr val="A9B7C6"/>
+                </a:solidFill>
+                <a:effectLst/>
+                <a:latin typeface="Fira Code" panose="020B0509050000020004" pitchFamily="49" charset="0"/>
+              </a:rPr>
+              <a:t>.createRfcommSocketToServiceRecord</a:t>
+            </a:r>
+            <a:r>
+              <a:rPr kumimoji="0" lang="de-DE" altLang="de-DE" sz="1000" b="0" i="0" u="none" strike="noStrike" cap="none" normalizeH="0" baseline="0" dirty="0">
+                <a:ln>
+                  <a:noFill/>
+                </a:ln>
+                <a:solidFill>
+                  <a:srgbClr val="A9B7C6"/>
+                </a:solidFill>
+                <a:effectLst/>
+                <a:latin typeface="Fira Code" panose="020B0509050000020004" pitchFamily="49" charset="0"/>
+              </a:rPr>
+              <a:t>(</a:t>
+            </a:r>
+            <a:r>
+              <a:rPr kumimoji="0" lang="de-DE" altLang="de-DE" sz="1000" b="0" i="0" u="none" strike="noStrike" cap="none" normalizeH="0" baseline="0" dirty="0" err="1">
+                <a:ln>
+                  <a:noFill/>
+                </a:ln>
+                <a:solidFill>
+                  <a:srgbClr val="A9B7C6"/>
+                </a:solidFill>
+                <a:effectLst/>
+                <a:latin typeface="Fira Code" panose="020B0509050000020004" pitchFamily="49" charset="0"/>
+              </a:rPr>
+              <a:t>UUID.</a:t>
+            </a:r>
+            <a:r>
+              <a:rPr kumimoji="0" lang="de-DE" altLang="de-DE" sz="1000" b="0" i="1" u="none" strike="noStrike" cap="none" normalizeH="0" baseline="0" dirty="0" err="1">
+                <a:ln>
+                  <a:noFill/>
+                </a:ln>
+                <a:solidFill>
+                  <a:srgbClr val="A9B7C6"/>
+                </a:solidFill>
+                <a:effectLst/>
+                <a:latin typeface="Fira Code" panose="020B0509050000020004" pitchFamily="49" charset="0"/>
+              </a:rPr>
+              <a:t>randomUUID</a:t>
+            </a:r>
+            <a:r>
+              <a:rPr kumimoji="0" lang="de-DE" altLang="de-DE" sz="1000" b="0" i="0" u="none" strike="noStrike" cap="none" normalizeH="0" baseline="0" dirty="0">
+                <a:ln>
+                  <a:noFill/>
+                </a:ln>
+                <a:solidFill>
+                  <a:srgbClr val="A9B7C6"/>
+                </a:solidFill>
+                <a:effectLst/>
+                <a:latin typeface="Fira Code" panose="020B0509050000020004" pitchFamily="49" charset="0"/>
+              </a:rPr>
+              <a:t>())</a:t>
+            </a:r>
+            <a:r>
+              <a:rPr kumimoji="0" lang="de-DE" altLang="de-DE" sz="1000" b="0" i="0" u="none" strike="noStrike" cap="none" normalizeH="0" baseline="0" dirty="0">
+                <a:ln>
+                  <a:noFill/>
+                </a:ln>
+                <a:solidFill>
+                  <a:srgbClr val="CC7832"/>
+                </a:solidFill>
+                <a:effectLst/>
+                <a:latin typeface="Fira Code" panose="020B0509050000020004" pitchFamily="49" charset="0"/>
+              </a:rPr>
+              <a:t>;</a:t>
+            </a:r>
+            <a:br>
+              <a:rPr kumimoji="0" lang="de-DE" altLang="de-DE" sz="1000" b="0" i="0" u="none" strike="noStrike" cap="none" normalizeH="0" baseline="0" dirty="0">
+                <a:ln>
+                  <a:noFill/>
+                </a:ln>
+                <a:solidFill>
+                  <a:srgbClr val="CC7832"/>
+                </a:solidFill>
+                <a:effectLst/>
+                <a:latin typeface="Fira Code" panose="020B0509050000020004" pitchFamily="49" charset="0"/>
+              </a:rPr>
+            </a:br>
+            <a:r>
+              <a:rPr kumimoji="0" lang="de-DE" altLang="de-DE" sz="1000" b="0" i="0" u="none" strike="noStrike" cap="none" normalizeH="0" baseline="0" dirty="0">
+                <a:ln>
+                  <a:noFill/>
+                </a:ln>
+                <a:solidFill>
+                  <a:srgbClr val="CC7832"/>
+                </a:solidFill>
+                <a:effectLst/>
+                <a:latin typeface="Fira Code" panose="020B0509050000020004" pitchFamily="49" charset="0"/>
+              </a:rPr>
+              <a:t>    </a:t>
+            </a:r>
+            <a:r>
+              <a:rPr kumimoji="0" lang="de-DE" altLang="de-DE" sz="1000" b="0" i="0" u="none" strike="noStrike" cap="none" normalizeH="0" baseline="0" dirty="0" err="1">
+                <a:ln>
+                  <a:noFill/>
+                </a:ln>
+                <a:solidFill>
+                  <a:srgbClr val="A9B7C6"/>
+                </a:solidFill>
+                <a:effectLst/>
+                <a:latin typeface="Fira Code" panose="020B0509050000020004" pitchFamily="49" charset="0"/>
+              </a:rPr>
+              <a:t>bluetoothSocket.connect</a:t>
+            </a:r>
+            <a:r>
+              <a:rPr kumimoji="0" lang="de-DE" altLang="de-DE" sz="1000" b="0" i="0" u="none" strike="noStrike" cap="none" normalizeH="0" baseline="0" dirty="0">
+                <a:ln>
+                  <a:noFill/>
+                </a:ln>
+                <a:solidFill>
+                  <a:srgbClr val="A9B7C6"/>
+                </a:solidFill>
+                <a:effectLst/>
+                <a:latin typeface="Fira Code" panose="020B0509050000020004" pitchFamily="49" charset="0"/>
+              </a:rPr>
+              <a:t>()</a:t>
+            </a:r>
+            <a:r>
+              <a:rPr kumimoji="0" lang="de-DE" altLang="de-DE" sz="1000" b="0" i="0" u="none" strike="noStrike" cap="none" normalizeH="0" baseline="0" dirty="0">
+                <a:ln>
+                  <a:noFill/>
+                </a:ln>
+                <a:solidFill>
+                  <a:srgbClr val="CC7832"/>
+                </a:solidFill>
+                <a:effectLst/>
+                <a:latin typeface="Fira Code" panose="020B0509050000020004" pitchFamily="49" charset="0"/>
+              </a:rPr>
+              <a:t>;</a:t>
+            </a:r>
+            <a:br>
+              <a:rPr kumimoji="0" lang="de-DE" altLang="de-DE" sz="1000" b="0" i="0" u="none" strike="noStrike" cap="none" normalizeH="0" baseline="0" dirty="0">
+                <a:ln>
+                  <a:noFill/>
+                </a:ln>
+                <a:solidFill>
+                  <a:srgbClr val="CC7832"/>
+                </a:solidFill>
+                <a:effectLst/>
+                <a:latin typeface="Fira Code" panose="020B0509050000020004" pitchFamily="49" charset="0"/>
+              </a:rPr>
+            </a:br>
+            <a:br>
+              <a:rPr kumimoji="0" lang="de-DE" altLang="de-DE" sz="1000" b="0" i="0" u="none" strike="noStrike" cap="none" normalizeH="0" baseline="0" dirty="0">
+                <a:ln>
+                  <a:noFill/>
+                </a:ln>
+                <a:solidFill>
+                  <a:srgbClr val="CC7832"/>
+                </a:solidFill>
+                <a:effectLst/>
+                <a:latin typeface="Fira Code" panose="020B0509050000020004" pitchFamily="49" charset="0"/>
+              </a:rPr>
+            </a:br>
+            <a:r>
+              <a:rPr kumimoji="0" lang="de-DE" altLang="de-DE" sz="1000" b="0" i="0" u="none" strike="noStrike" cap="none" normalizeH="0" baseline="0" dirty="0">
+                <a:ln>
+                  <a:noFill/>
+                </a:ln>
+                <a:solidFill>
+                  <a:srgbClr val="CC7832"/>
+                </a:solidFill>
+                <a:effectLst/>
+                <a:latin typeface="Fira Code" panose="020B0509050000020004" pitchFamily="49" charset="0"/>
+              </a:rPr>
+              <a:t>    </a:t>
+            </a:r>
+            <a:r>
+              <a:rPr kumimoji="0" lang="de-DE" altLang="de-DE" sz="1000" b="0" i="0" u="none" strike="noStrike" cap="none" normalizeH="0" baseline="0" dirty="0">
+                <a:ln>
+                  <a:noFill/>
+                </a:ln>
+                <a:solidFill>
+                  <a:srgbClr val="808080"/>
+                </a:solidFill>
+                <a:effectLst/>
+                <a:latin typeface="Fira Code" panose="020B0509050000020004" pitchFamily="49" charset="0"/>
+              </a:rPr>
+              <a:t>// </a:t>
+            </a:r>
+            <a:r>
+              <a:rPr kumimoji="0" lang="de-DE" altLang="de-DE" sz="1000" b="0" i="0" u="none" strike="noStrike" cap="none" normalizeH="0" baseline="0" dirty="0" err="1">
+                <a:ln>
+                  <a:noFill/>
+                </a:ln>
+                <a:solidFill>
+                  <a:srgbClr val="808080"/>
+                </a:solidFill>
+                <a:effectLst/>
+                <a:latin typeface="Fira Code" panose="020B0509050000020004" pitchFamily="49" charset="0"/>
+              </a:rPr>
+              <a:t>If</a:t>
+            </a:r>
+            <a:r>
+              <a:rPr kumimoji="0" lang="de-DE" altLang="de-DE" sz="1000" b="0" i="0" u="none" strike="noStrike" cap="none" normalizeH="0" baseline="0" dirty="0">
+                <a:ln>
+                  <a:noFill/>
+                </a:ln>
+                <a:solidFill>
+                  <a:srgbClr val="808080"/>
+                </a:solidFill>
+                <a:effectLst/>
+                <a:latin typeface="Fira Code" panose="020B0509050000020004" pitchFamily="49" charset="0"/>
+              </a:rPr>
+              <a:t> </a:t>
+            </a:r>
+            <a:r>
+              <a:rPr kumimoji="0" lang="de-DE" altLang="de-DE" sz="1000" b="0" i="0" u="none" strike="noStrike" cap="none" normalizeH="0" baseline="0" dirty="0" err="1">
+                <a:ln>
+                  <a:noFill/>
+                </a:ln>
+                <a:solidFill>
+                  <a:srgbClr val="808080"/>
+                </a:solidFill>
+                <a:effectLst/>
+                <a:latin typeface="Fira Code" panose="020B0509050000020004" pitchFamily="49" charset="0"/>
+              </a:rPr>
+              <a:t>this</a:t>
+            </a:r>
+            <a:r>
+              <a:rPr kumimoji="0" lang="de-DE" altLang="de-DE" sz="1000" b="0" i="0" u="none" strike="noStrike" cap="none" normalizeH="0" baseline="0" dirty="0">
+                <a:ln>
+                  <a:noFill/>
+                </a:ln>
+                <a:solidFill>
+                  <a:srgbClr val="808080"/>
+                </a:solidFill>
+                <a:effectLst/>
+                <a:latin typeface="Fira Code" panose="020B0509050000020004" pitchFamily="49" charset="0"/>
+              </a:rPr>
+              <a:t> </a:t>
+            </a:r>
+            <a:r>
+              <a:rPr kumimoji="0" lang="de-DE" altLang="de-DE" sz="1000" b="0" i="0" u="none" strike="noStrike" cap="none" normalizeH="0" baseline="0" dirty="0" err="1">
+                <a:ln>
+                  <a:noFill/>
+                </a:ln>
+                <a:solidFill>
+                  <a:srgbClr val="808080"/>
+                </a:solidFill>
+                <a:effectLst/>
+                <a:latin typeface="Fira Code" panose="020B0509050000020004" pitchFamily="49" charset="0"/>
+              </a:rPr>
+              <a:t>part</a:t>
+            </a:r>
+            <a:r>
+              <a:rPr kumimoji="0" lang="de-DE" altLang="de-DE" sz="1000" b="0" i="0" u="none" strike="noStrike" cap="none" normalizeH="0" baseline="0" dirty="0">
+                <a:ln>
+                  <a:noFill/>
+                </a:ln>
+                <a:solidFill>
+                  <a:srgbClr val="808080"/>
+                </a:solidFill>
+                <a:effectLst/>
+                <a:latin typeface="Fira Code" panose="020B0509050000020004" pitchFamily="49" charset="0"/>
+              </a:rPr>
+              <a:t> </a:t>
+            </a:r>
+            <a:r>
+              <a:rPr kumimoji="0" lang="de-DE" altLang="de-DE" sz="1000" b="0" i="0" u="none" strike="noStrike" cap="none" normalizeH="0" baseline="0" dirty="0" err="1">
+                <a:ln>
+                  <a:noFill/>
+                </a:ln>
+                <a:solidFill>
+                  <a:srgbClr val="808080"/>
+                </a:solidFill>
+                <a:effectLst/>
+                <a:latin typeface="Fira Code" panose="020B0509050000020004" pitchFamily="49" charset="0"/>
+              </a:rPr>
+              <a:t>is</a:t>
+            </a:r>
+            <a:r>
+              <a:rPr kumimoji="0" lang="de-DE" altLang="de-DE" sz="1000" b="0" i="0" u="none" strike="noStrike" cap="none" normalizeH="0" baseline="0" dirty="0">
+                <a:ln>
+                  <a:noFill/>
+                </a:ln>
+                <a:solidFill>
+                  <a:srgbClr val="808080"/>
+                </a:solidFill>
+                <a:effectLst/>
+                <a:latin typeface="Fira Code" panose="020B0509050000020004" pitchFamily="49" charset="0"/>
+              </a:rPr>
+              <a:t> </a:t>
+            </a:r>
+            <a:r>
+              <a:rPr kumimoji="0" lang="de-DE" altLang="de-DE" sz="1000" b="0" i="0" u="none" strike="noStrike" cap="none" normalizeH="0" baseline="0" dirty="0" err="1">
+                <a:ln>
+                  <a:noFill/>
+                </a:ln>
+                <a:solidFill>
+                  <a:srgbClr val="808080"/>
+                </a:solidFill>
+                <a:effectLst/>
+                <a:latin typeface="Fira Code" panose="020B0509050000020004" pitchFamily="49" charset="0"/>
+              </a:rPr>
+              <a:t>reached</a:t>
+            </a:r>
+            <a:r>
+              <a:rPr kumimoji="0" lang="de-DE" altLang="de-DE" sz="1000" b="0" i="0" u="none" strike="noStrike" cap="none" normalizeH="0" baseline="0" dirty="0">
+                <a:ln>
+                  <a:noFill/>
+                </a:ln>
+                <a:solidFill>
+                  <a:srgbClr val="808080"/>
+                </a:solidFill>
+                <a:effectLst/>
+                <a:latin typeface="Fira Code" panose="020B0509050000020004" pitchFamily="49" charset="0"/>
+              </a:rPr>
+              <a:t>, </a:t>
+            </a:r>
+            <a:r>
+              <a:rPr kumimoji="0" lang="de-DE" altLang="de-DE" sz="1000" b="0" i="0" u="none" strike="noStrike" cap="none" normalizeH="0" baseline="0" dirty="0" err="1">
+                <a:ln>
+                  <a:noFill/>
+                </a:ln>
+                <a:solidFill>
+                  <a:srgbClr val="808080"/>
+                </a:solidFill>
+                <a:effectLst/>
+                <a:latin typeface="Fira Code" panose="020B0509050000020004" pitchFamily="49" charset="0"/>
+              </a:rPr>
+              <a:t>the</a:t>
+            </a:r>
+            <a:r>
+              <a:rPr kumimoji="0" lang="de-DE" altLang="de-DE" sz="1000" b="0" i="0" u="none" strike="noStrike" cap="none" normalizeH="0" baseline="0" dirty="0">
+                <a:ln>
+                  <a:noFill/>
+                </a:ln>
+                <a:solidFill>
+                  <a:srgbClr val="808080"/>
+                </a:solidFill>
+                <a:effectLst/>
+                <a:latin typeface="Fira Code" panose="020B0509050000020004" pitchFamily="49" charset="0"/>
+              </a:rPr>
+              <a:t> </a:t>
+            </a:r>
+            <a:r>
+              <a:rPr kumimoji="0" lang="de-DE" altLang="de-DE" sz="1000" b="0" i="0" u="none" strike="noStrike" cap="none" normalizeH="0" baseline="0" dirty="0" err="1">
+                <a:ln>
+                  <a:noFill/>
+                </a:ln>
+                <a:solidFill>
+                  <a:srgbClr val="808080"/>
+                </a:solidFill>
+                <a:effectLst/>
+                <a:latin typeface="Fira Code" panose="020B0509050000020004" pitchFamily="49" charset="0"/>
+              </a:rPr>
+              <a:t>connection</a:t>
+            </a:r>
+            <a:r>
+              <a:rPr kumimoji="0" lang="de-DE" altLang="de-DE" sz="1000" b="0" i="0" u="none" strike="noStrike" cap="none" normalizeH="0" baseline="0" dirty="0">
+                <a:ln>
+                  <a:noFill/>
+                </a:ln>
+                <a:solidFill>
+                  <a:srgbClr val="808080"/>
+                </a:solidFill>
+                <a:effectLst/>
+                <a:latin typeface="Fira Code" panose="020B0509050000020004" pitchFamily="49" charset="0"/>
+              </a:rPr>
+              <a:t> was </a:t>
+            </a:r>
+            <a:r>
+              <a:rPr kumimoji="0" lang="de-DE" altLang="de-DE" sz="1000" b="0" i="0" u="none" strike="noStrike" cap="none" normalizeH="0" baseline="0" dirty="0" err="1">
+                <a:ln>
+                  <a:noFill/>
+                </a:ln>
+                <a:solidFill>
+                  <a:srgbClr val="808080"/>
+                </a:solidFill>
+                <a:effectLst/>
+                <a:latin typeface="Fira Code" panose="020B0509050000020004" pitchFamily="49" charset="0"/>
+              </a:rPr>
+              <a:t>successful</a:t>
+            </a:r>
+            <a:r>
+              <a:rPr lang="de-DE" altLang="de-DE" sz="1000" dirty="0">
+                <a:solidFill>
+                  <a:srgbClr val="808080"/>
+                </a:solidFill>
+                <a:latin typeface="Fira Code" panose="020B0509050000020004" pitchFamily="49" charset="0"/>
+              </a:rPr>
+              <a:t> </a:t>
+            </a:r>
+            <a:br>
+              <a:rPr kumimoji="0" lang="de-DE" altLang="de-DE" sz="1000" b="0" i="0" u="none" strike="noStrike" cap="none" normalizeH="0" baseline="0" dirty="0">
+                <a:ln>
+                  <a:noFill/>
+                </a:ln>
+                <a:solidFill>
+                  <a:srgbClr val="CC7832"/>
+                </a:solidFill>
+                <a:effectLst/>
+                <a:latin typeface="Fira Code" panose="020B0509050000020004" pitchFamily="49" charset="0"/>
+              </a:rPr>
+            </a:br>
+            <a:r>
+              <a:rPr kumimoji="0" lang="de-DE" altLang="de-DE" sz="1000" b="0" i="0" u="none" strike="noStrike" cap="none" normalizeH="0" baseline="0" dirty="0">
+                <a:ln>
+                  <a:noFill/>
+                </a:ln>
+                <a:solidFill>
+                  <a:srgbClr val="A9B7C6"/>
+                </a:solidFill>
+                <a:effectLst/>
+                <a:latin typeface="Fira Code" panose="020B0509050000020004" pitchFamily="49" charset="0"/>
+              </a:rPr>
+              <a:t>} </a:t>
+            </a:r>
+            <a:r>
+              <a:rPr kumimoji="0" lang="de-DE" altLang="de-DE" sz="1000" b="0" i="0" u="none" strike="noStrike" cap="none" normalizeH="0" baseline="0" dirty="0">
+                <a:ln>
+                  <a:noFill/>
+                </a:ln>
+                <a:solidFill>
+                  <a:srgbClr val="CC7832"/>
+                </a:solidFill>
+                <a:effectLst/>
+                <a:latin typeface="Fira Code" panose="020B0509050000020004" pitchFamily="49" charset="0"/>
+              </a:rPr>
+              <a:t>catch </a:t>
+            </a:r>
+            <a:r>
+              <a:rPr kumimoji="0" lang="de-DE" altLang="de-DE" sz="1000" b="0" i="0" u="none" strike="noStrike" cap="none" normalizeH="0" baseline="0" dirty="0">
+                <a:ln>
+                  <a:noFill/>
+                </a:ln>
+                <a:solidFill>
+                  <a:srgbClr val="A9B7C6"/>
+                </a:solidFill>
+                <a:effectLst/>
+                <a:latin typeface="Fira Code" panose="020B0509050000020004" pitchFamily="49" charset="0"/>
+              </a:rPr>
+              <a:t>(</a:t>
+            </a:r>
+            <a:r>
+              <a:rPr kumimoji="0" lang="de-DE" altLang="de-DE" sz="1000" b="0" i="0" u="none" strike="noStrike" cap="none" normalizeH="0" baseline="0" dirty="0" err="1">
+                <a:ln>
+                  <a:noFill/>
+                </a:ln>
+                <a:solidFill>
+                  <a:srgbClr val="A9B7C6"/>
+                </a:solidFill>
+                <a:effectLst/>
+                <a:latin typeface="Fira Code" panose="020B0509050000020004" pitchFamily="49" charset="0"/>
+              </a:rPr>
+              <a:t>Exception</a:t>
+            </a:r>
+            <a:r>
+              <a:rPr kumimoji="0" lang="de-DE" altLang="de-DE" sz="1000" b="0" i="0" u="none" strike="noStrike" cap="none" normalizeH="0" baseline="0" dirty="0">
+                <a:ln>
+                  <a:noFill/>
+                </a:ln>
+                <a:solidFill>
+                  <a:srgbClr val="A9B7C6"/>
+                </a:solidFill>
+                <a:effectLst/>
+                <a:latin typeface="Fira Code" panose="020B0509050000020004" pitchFamily="49" charset="0"/>
+              </a:rPr>
+              <a:t> e) {</a:t>
+            </a:r>
+            <a:endParaRPr lang="de-DE" altLang="de-DE" sz="1000" dirty="0">
+              <a:solidFill>
+                <a:srgbClr val="A9B7C6"/>
+              </a:solidFill>
+              <a:latin typeface="Fira Code" panose="020B0509050000020004" pitchFamily="49" charset="0"/>
+            </a:endParaRPr>
+          </a:p>
+          <a:p>
+            <a:pPr marL="0" marR="0" lvl="0" indent="0" algn="l" defTabSz="914400" rtl="0" eaLnBrk="0" fontAlgn="base" latinLnBrk="0" hangingPunct="0">
+              <a:lnSpc>
+                <a:spcPct val="100000"/>
+              </a:lnSpc>
+              <a:spcBef>
+                <a:spcPct val="0"/>
+              </a:spcBef>
+              <a:spcAft>
+                <a:spcPct val="0"/>
+              </a:spcAft>
+              <a:buClrTx/>
+              <a:buSzTx/>
+              <a:buFontTx/>
+              <a:buNone/>
+              <a:tabLst/>
+            </a:pPr>
+            <a:r>
+              <a:rPr lang="de-DE" altLang="de-DE" sz="1000" dirty="0">
+                <a:solidFill>
+                  <a:srgbClr val="A9B7C6"/>
+                </a:solidFill>
+                <a:latin typeface="Fira Code" panose="020B0509050000020004" pitchFamily="49" charset="0"/>
+              </a:rPr>
+              <a:t>    </a:t>
+            </a:r>
+            <a:r>
+              <a:rPr kumimoji="0" lang="de-DE" altLang="de-DE" sz="1000" b="0" i="0" u="none" strike="noStrike" cap="none" normalizeH="0" baseline="0" dirty="0">
+                <a:ln>
+                  <a:noFill/>
+                </a:ln>
+                <a:solidFill>
+                  <a:srgbClr val="808080"/>
+                </a:solidFill>
+                <a:effectLst/>
+                <a:latin typeface="Fira Code" panose="020B0509050000020004" pitchFamily="49" charset="0"/>
+              </a:rPr>
+              <a:t>// </a:t>
+            </a:r>
+            <a:r>
+              <a:rPr kumimoji="0" lang="de-DE" altLang="de-DE" sz="1000" b="0" i="0" u="none" strike="noStrike" cap="none" normalizeH="0" baseline="0" dirty="0" err="1">
+                <a:ln>
+                  <a:noFill/>
+                </a:ln>
+                <a:solidFill>
+                  <a:srgbClr val="808080"/>
+                </a:solidFill>
+                <a:effectLst/>
+                <a:latin typeface="Fira Code" panose="020B0509050000020004" pitchFamily="49" charset="0"/>
+              </a:rPr>
+              <a:t>If</a:t>
+            </a:r>
+            <a:r>
+              <a:rPr kumimoji="0" lang="de-DE" altLang="de-DE" sz="1000" b="0" i="0" u="none" strike="noStrike" cap="none" normalizeH="0" baseline="0" dirty="0">
+                <a:ln>
+                  <a:noFill/>
+                </a:ln>
+                <a:solidFill>
+                  <a:srgbClr val="808080"/>
+                </a:solidFill>
+                <a:effectLst/>
+                <a:latin typeface="Fira Code" panose="020B0509050000020004" pitchFamily="49" charset="0"/>
+              </a:rPr>
+              <a:t> </a:t>
+            </a:r>
+            <a:r>
+              <a:rPr kumimoji="0" lang="de-DE" altLang="de-DE" sz="1000" b="0" i="0" u="none" strike="noStrike" cap="none" normalizeH="0" baseline="0" dirty="0" err="1">
+                <a:ln>
+                  <a:noFill/>
+                </a:ln>
+                <a:solidFill>
+                  <a:srgbClr val="808080"/>
+                </a:solidFill>
+                <a:effectLst/>
+                <a:latin typeface="Fira Code" panose="020B0509050000020004" pitchFamily="49" charset="0"/>
+              </a:rPr>
+              <a:t>the</a:t>
+            </a:r>
+            <a:r>
+              <a:rPr kumimoji="0" lang="de-DE" altLang="de-DE" sz="1000" b="0" i="0" u="none" strike="noStrike" cap="none" normalizeH="0" baseline="0" dirty="0">
+                <a:ln>
+                  <a:noFill/>
+                </a:ln>
+                <a:solidFill>
+                  <a:srgbClr val="808080"/>
+                </a:solidFill>
+                <a:effectLst/>
+                <a:latin typeface="Fira Code" panose="020B0509050000020004" pitchFamily="49" charset="0"/>
+              </a:rPr>
+              <a:t> </a:t>
+            </a:r>
+            <a:r>
+              <a:rPr kumimoji="0" lang="de-DE" altLang="de-DE" sz="1000" b="0" i="0" u="none" strike="noStrike" cap="none" normalizeH="0" baseline="0" dirty="0" err="1">
+                <a:ln>
+                  <a:noFill/>
+                </a:ln>
+                <a:solidFill>
+                  <a:srgbClr val="808080"/>
+                </a:solidFill>
+                <a:effectLst/>
+                <a:latin typeface="Fira Code" panose="020B0509050000020004" pitchFamily="49" charset="0"/>
+              </a:rPr>
+              <a:t>connection</a:t>
+            </a:r>
+            <a:r>
+              <a:rPr kumimoji="0" lang="de-DE" altLang="de-DE" sz="1000" b="0" i="0" u="none" strike="noStrike" cap="none" normalizeH="0" baseline="0" dirty="0">
+                <a:ln>
+                  <a:noFill/>
+                </a:ln>
+                <a:solidFill>
+                  <a:srgbClr val="808080"/>
+                </a:solidFill>
+                <a:effectLst/>
+                <a:latin typeface="Fira Code" panose="020B0509050000020004" pitchFamily="49" charset="0"/>
+              </a:rPr>
+              <a:t> </a:t>
+            </a:r>
+            <a:r>
+              <a:rPr kumimoji="0" lang="de-DE" altLang="de-DE" sz="1000" b="0" i="0" u="none" strike="noStrike" cap="none" normalizeH="0" baseline="0" dirty="0" err="1">
+                <a:ln>
+                  <a:noFill/>
+                </a:ln>
+                <a:solidFill>
+                  <a:srgbClr val="808080"/>
+                </a:solidFill>
+                <a:effectLst/>
+                <a:latin typeface="Fira Code" panose="020B0509050000020004" pitchFamily="49" charset="0"/>
+              </a:rPr>
+              <a:t>fails</a:t>
+            </a:r>
+            <a:r>
+              <a:rPr kumimoji="0" lang="de-DE" altLang="de-DE" sz="1000" b="0" i="0" u="none" strike="noStrike" cap="none" normalizeH="0" baseline="0" dirty="0">
+                <a:ln>
+                  <a:noFill/>
+                </a:ln>
+                <a:solidFill>
+                  <a:srgbClr val="808080"/>
+                </a:solidFill>
+                <a:effectLst/>
+                <a:latin typeface="Fira Code" panose="020B0509050000020004" pitchFamily="49" charset="0"/>
+              </a:rPr>
+              <a:t>, an </a:t>
+            </a:r>
+            <a:r>
+              <a:rPr kumimoji="0" lang="de-DE" altLang="de-DE" sz="1000" b="0" i="0" u="none" strike="noStrike" cap="none" normalizeH="0" baseline="0" dirty="0" err="1">
+                <a:ln>
+                  <a:noFill/>
+                </a:ln>
+                <a:solidFill>
+                  <a:srgbClr val="808080"/>
+                </a:solidFill>
+                <a:effectLst/>
+                <a:latin typeface="Fira Code" panose="020B0509050000020004" pitchFamily="49" charset="0"/>
+              </a:rPr>
+              <a:t>exception</a:t>
+            </a:r>
+            <a:r>
+              <a:rPr kumimoji="0" lang="de-DE" altLang="de-DE" sz="1000" b="0" i="0" u="none" strike="noStrike" cap="none" normalizeH="0" baseline="0" dirty="0">
+                <a:ln>
+                  <a:noFill/>
+                </a:ln>
+                <a:solidFill>
+                  <a:srgbClr val="808080"/>
+                </a:solidFill>
+                <a:effectLst/>
+                <a:latin typeface="Fira Code" panose="020B0509050000020004" pitchFamily="49" charset="0"/>
+              </a:rPr>
+              <a:t> will </a:t>
+            </a:r>
+            <a:r>
+              <a:rPr kumimoji="0" lang="de-DE" altLang="de-DE" sz="1000" b="0" i="0" u="none" strike="noStrike" cap="none" normalizeH="0" baseline="0" dirty="0" err="1">
+                <a:ln>
+                  <a:noFill/>
+                </a:ln>
+                <a:solidFill>
+                  <a:srgbClr val="808080"/>
+                </a:solidFill>
+                <a:effectLst/>
+                <a:latin typeface="Fira Code" panose="020B0509050000020004" pitchFamily="49" charset="0"/>
+              </a:rPr>
+              <a:t>be</a:t>
+            </a:r>
+            <a:r>
+              <a:rPr kumimoji="0" lang="de-DE" altLang="de-DE" sz="1000" b="0" i="0" u="none" strike="noStrike" cap="none" normalizeH="0" baseline="0" dirty="0">
+                <a:ln>
+                  <a:noFill/>
+                </a:ln>
+                <a:solidFill>
+                  <a:srgbClr val="808080"/>
+                </a:solidFill>
+                <a:effectLst/>
+                <a:latin typeface="Fira Code" panose="020B0509050000020004" pitchFamily="49" charset="0"/>
+              </a:rPr>
+              <a:t> </a:t>
+            </a:r>
+            <a:r>
+              <a:rPr kumimoji="0" lang="de-DE" altLang="de-DE" sz="1000" b="0" i="0" u="none" strike="noStrike" cap="none" normalizeH="0" baseline="0" dirty="0" err="1">
+                <a:ln>
+                  <a:noFill/>
+                </a:ln>
+                <a:solidFill>
+                  <a:srgbClr val="808080"/>
+                </a:solidFill>
+                <a:effectLst/>
+                <a:latin typeface="Fira Code" panose="020B0509050000020004" pitchFamily="49" charset="0"/>
+              </a:rPr>
+              <a:t>thrown</a:t>
+            </a:r>
+            <a:r>
+              <a:rPr kumimoji="0" lang="de-DE" altLang="de-DE" sz="1000" b="0" i="0" u="none" strike="noStrike" cap="none" normalizeH="0" baseline="0" dirty="0">
+                <a:ln>
+                  <a:noFill/>
+                </a:ln>
+                <a:solidFill>
+                  <a:srgbClr val="808080"/>
+                </a:solidFill>
+                <a:effectLst/>
+                <a:latin typeface="Fira Code" panose="020B0509050000020004" pitchFamily="49" charset="0"/>
+              </a:rPr>
+              <a:t>.</a:t>
+            </a:r>
+            <a:br>
+              <a:rPr kumimoji="0" lang="de-DE" altLang="de-DE" sz="1000" b="0" i="0" u="none" strike="noStrike" cap="none" normalizeH="0" baseline="0" dirty="0">
+                <a:ln>
+                  <a:noFill/>
+                </a:ln>
+                <a:solidFill>
+                  <a:srgbClr val="CC7832"/>
+                </a:solidFill>
+                <a:effectLst/>
+                <a:latin typeface="Fira Code" panose="020B0509050000020004" pitchFamily="49" charset="0"/>
+              </a:rPr>
+            </a:br>
+            <a:r>
+              <a:rPr kumimoji="0" lang="de-DE" altLang="de-DE" sz="1000" b="0" i="0" u="none" strike="noStrike" cap="none" normalizeH="0" baseline="0" dirty="0">
+                <a:ln>
+                  <a:noFill/>
+                </a:ln>
+                <a:solidFill>
+                  <a:srgbClr val="A9B7C6"/>
+                </a:solidFill>
+                <a:effectLst/>
+                <a:latin typeface="Fira Code" panose="020B0509050000020004" pitchFamily="49" charset="0"/>
+              </a:rPr>
+              <a:t>}</a:t>
+            </a:r>
+            <a:endParaRPr kumimoji="0" lang="de-DE" altLang="de-DE" sz="1800" b="0" i="0" u="none" strike="noStrike" cap="none" normalizeH="0" baseline="0" dirty="0">
+              <a:ln>
+                <a:noFill/>
+              </a:ln>
+              <a:solidFill>
+                <a:schemeClr val="tx1"/>
+              </a:solidFill>
+              <a:effectLst/>
+              <a:latin typeface="Arial" panose="020B0604020202020204" pitchFamily="34" charset="0"/>
+            </a:endParaRPr>
+          </a:p>
+        </p:txBody>
+      </p:sp>
+      <p:sp>
+        <p:nvSpPr>
+          <p:cNvPr id="9" name="Textfeld 8">
+            <a:extLst>
+              <a:ext uri="{FF2B5EF4-FFF2-40B4-BE49-F238E27FC236}">
+                <a16:creationId xmlns:a16="http://schemas.microsoft.com/office/drawing/2014/main" id="{F01FC20E-2E53-4645-892D-802016C7523E}"/>
+              </a:ext>
+            </a:extLst>
+          </p:cNvPr>
+          <p:cNvSpPr txBox="1"/>
+          <p:nvPr/>
+        </p:nvSpPr>
+        <p:spPr>
+          <a:xfrm>
+            <a:off x="684212" y="4096695"/>
+            <a:ext cx="3271088" cy="369332"/>
+          </a:xfrm>
+          <a:prstGeom prst="rect">
+            <a:avLst/>
+          </a:prstGeom>
+          <a:noFill/>
+        </p:spPr>
+        <p:txBody>
+          <a:bodyPr wrap="none" rtlCol="0">
+            <a:spAutoFit/>
+          </a:bodyPr>
+          <a:lstStyle/>
+          <a:p>
+            <a:r>
+              <a:rPr lang="de-DE" dirty="0"/>
+              <a:t>SOCKET FÜR VERBINDUNG</a:t>
+            </a:r>
           </a:p>
         </p:txBody>
       </p:sp>
@@ -6625,7 +8830,7 @@
           <a:p>
             <a:fld id="{B22BF135-27AD-4130-BE64-C1C5A87E4595}" type="datetime1">
               <a:rPr lang="en-US" smtClean="0"/>
-              <a:t>3/14/2018</a:t>
+              <a:t>3/15/2018</a:t>
             </a:fld>
             <a:endParaRPr lang="en-US" dirty="0"/>
           </a:p>
@@ -6799,7 +9004,7 @@
           <a:p>
             <a:fld id="{687D39D8-0D34-4F42-844D-6D7DB9EF92A6}" type="datetime1">
               <a:rPr lang="en-US" smtClean="0"/>
-              <a:t>3/14/2018</a:t>
+              <a:t>3/15/2018</a:t>
             </a:fld>
             <a:endParaRPr lang="en-US" dirty="0"/>
           </a:p>
@@ -7009,7 +9214,7 @@
           <a:p>
             <a:fld id="{8235A7AE-D3F3-47E1-AC5C-2D125DF824A7}" type="datetime1">
               <a:rPr lang="en-US" smtClean="0"/>
-              <a:t>3/14/2018</a:t>
+              <a:t>3/15/2018</a:t>
             </a:fld>
             <a:endParaRPr lang="en-US" dirty="0"/>
           </a:p>
@@ -7199,7 +9404,7 @@
           <a:p>
             <a:fld id="{B22BF135-27AD-4130-BE64-C1C5A87E4595}" type="datetime1">
               <a:rPr lang="en-US" smtClean="0"/>
-              <a:t>3/14/2018</a:t>
+              <a:t>3/15/2018</a:t>
             </a:fld>
             <a:endParaRPr lang="en-US" dirty="0"/>
           </a:p>
@@ -7418,7 +9623,7 @@
           <a:p>
             <a:fld id="{B22BF135-27AD-4130-BE64-C1C5A87E4595}" type="datetime1">
               <a:rPr lang="en-US" smtClean="0"/>
-              <a:t>3/14/2018</a:t>
+              <a:t>3/15/2018</a:t>
             </a:fld>
             <a:endParaRPr lang="en-US" dirty="0"/>
           </a:p>
@@ -7680,7 +9885,7 @@
           <a:p>
             <a:fld id="{B22BF135-27AD-4130-BE64-C1C5A87E4595}" type="datetime1">
               <a:rPr lang="en-US" smtClean="0"/>
-              <a:t>3/14/2018</a:t>
+              <a:t>3/15/2018</a:t>
             </a:fld>
             <a:endParaRPr lang="en-US" dirty="0"/>
           </a:p>
@@ -7807,18 +10012,26 @@
           <a:p>
             <a:r>
               <a:rPr lang="de-DE" dirty="0"/>
-              <a:t>Erleichterte Nutzung durch </a:t>
-            </a:r>
-            <a:r>
-              <a:rPr lang="de-DE" dirty="0" err="1"/>
-              <a:t>Libaries</a:t>
+              <a:t>Erleichterte Nutzung durch Libraries</a:t>
+            </a:r>
+          </a:p>
+          <a:p>
+            <a:r>
+              <a:rPr lang="de-DE" dirty="0"/>
+              <a:t>z.B. Android Bluetooth Library: </a:t>
+            </a:r>
+            <a:r>
+              <a:rPr lang="de-DE" dirty="0">
+                <a:hlinkClick r:id="rId2"/>
+              </a:rPr>
+              <a:t>https://github.com/douglasjunior/AndroidBluetoothLibrary</a:t>
             </a:r>
             <a:endParaRPr lang="de-DE" dirty="0"/>
           </a:p>
           <a:p>
             <a:r>
               <a:rPr lang="de-DE" dirty="0"/>
-              <a:t>z.B. Android Bluetooth Library: https://github.com/douglasjunior/AndroidBluetoothLibrary</a:t>
+              <a:t>Libraries funktionieren u.U. nicht vollständig</a:t>
             </a:r>
           </a:p>
           <a:p>
@@ -7849,7 +10062,7 @@
           <a:p>
             <a:fld id="{B22BF135-27AD-4130-BE64-C1C5A87E4595}" type="datetime1">
               <a:rPr lang="en-US" smtClean="0"/>
-              <a:t>3/14/2018</a:t>
+              <a:t>3/15/2018</a:t>
             </a:fld>
             <a:endParaRPr lang="en-US" dirty="0"/>
           </a:p>
@@ -8017,7 +10230,7 @@
           <a:p>
             <a:fld id="{B22BF135-27AD-4130-BE64-C1C5A87E4595}" type="datetime1">
               <a:rPr lang="en-US" smtClean="0"/>
-              <a:t>3/14/2018</a:t>
+              <a:t>3/15/2018</a:t>
             </a:fld>
             <a:endParaRPr lang="en-US" dirty="0"/>
           </a:p>
@@ -8103,32 +10316,10 @@
           <a:bodyPr/>
           <a:lstStyle/>
           <a:p>
-            <a:endParaRPr lang="de-DE" dirty="0"/>
-          </a:p>
-        </p:txBody>
-      </p:sp>
-      <p:sp>
-        <p:nvSpPr>
-          <p:cNvPr id="3" name="Inhaltsplatzhalter 2">
-            <a:extLst>
-              <a:ext uri="{FF2B5EF4-FFF2-40B4-BE49-F238E27FC236}">
-                <a16:creationId xmlns:a16="http://schemas.microsoft.com/office/drawing/2014/main" id="{B5BD3CDB-B36F-471D-A281-836A649CB41E}"/>
-              </a:ext>
-            </a:extLst>
-          </p:cNvPr>
-          <p:cNvSpPr>
-            <a:spLocks noGrp="1"/>
-          </p:cNvSpPr>
-          <p:nvPr>
-            <p:ph idx="1"/>
-          </p:nvPr>
-        </p:nvSpPr>
-        <p:spPr/>
-        <p:txBody>
-          <a:bodyPr/>
-          <a:lstStyle/>
-          <a:p>
-            <a:endParaRPr lang="de-DE"/>
+            <a:r>
+              <a:rPr lang="de-DE" dirty="0"/>
+              <a:t>Aktivieren UND Suche</a:t>
+            </a:r>
           </a:p>
         </p:txBody>
       </p:sp>
@@ -8155,7 +10346,7 @@
           <a:p>
             <a:fld id="{B22BF135-27AD-4130-BE64-C1C5A87E4595}" type="datetime1">
               <a:rPr lang="en-US" smtClean="0"/>
-              <a:t>3/14/2018</a:t>
+              <a:t>3/15/2018</a:t>
             </a:fld>
             <a:endParaRPr lang="en-US" dirty="0"/>
           </a:p>
@@ -8187,6 +10378,2016 @@
               <a:t>9</a:t>
             </a:fld>
             <a:endParaRPr lang="en-US" dirty="0"/>
+          </a:p>
+        </p:txBody>
+      </p:sp>
+      <p:sp>
+        <p:nvSpPr>
+          <p:cNvPr id="7" name="Rectangle 2">
+            <a:extLst>
+              <a:ext uri="{FF2B5EF4-FFF2-40B4-BE49-F238E27FC236}">
+                <a16:creationId xmlns:a16="http://schemas.microsoft.com/office/drawing/2014/main" id="{E2B333AC-A2F4-477A-8123-B55E0631775A}"/>
+              </a:ext>
+            </a:extLst>
+          </p:cNvPr>
+          <p:cNvSpPr>
+            <a:spLocks noGrp="1" noChangeArrowheads="1"/>
+          </p:cNvSpPr>
+          <p:nvPr>
+            <p:ph idx="1"/>
+          </p:nvPr>
+        </p:nvSpPr>
+        <p:spPr bwMode="auto">
+          <a:xfrm>
+            <a:off x="641540" y="2105561"/>
+            <a:ext cx="6263253" cy="1323439"/>
+          </a:xfrm>
+          <a:prstGeom prst="rect">
+            <a:avLst/>
+          </a:prstGeom>
+          <a:solidFill>
+            <a:srgbClr val="2B2B2B"/>
+          </a:solidFill>
+          <a:ln>
+            <a:noFill/>
+          </a:ln>
+          <a:effectLst/>
+          <a:extLst>
+            <a:ext uri="{91240B29-F687-4F45-9708-019B960494DF}">
+              <a14:hiddenLine xmlns:a14="http://schemas.microsoft.com/office/drawing/2010/main" w="9525">
+                <a:solidFill>
+                  <a:schemeClr val="tx1"/>
+                </a:solidFill>
+                <a:miter lim="800000"/>
+                <a:headEnd/>
+                <a:tailEnd/>
+              </a14:hiddenLine>
+            </a:ext>
+            <a:ext uri="{AF507438-7753-43E0-B8FC-AC1667EBCBE1}">
+              <a14:hiddenEffects xmlns:a14="http://schemas.microsoft.com/office/drawing/2010/main">
+                <a:effectLst>
+                  <a:outerShdw dist="35921" dir="2700000" algn="ctr" rotWithShape="0">
+                    <a:schemeClr val="bg2"/>
+                  </a:outerShdw>
+                </a:effectLst>
+              </a14:hiddenEffects>
+            </a:ext>
+          </a:extLst>
+        </p:spPr>
+        <p:txBody>
+          <a:bodyPr vert="horz" wrap="none" lIns="91440" tIns="45720" rIns="91440" bIns="45720" numCol="1" anchor="ctr" anchorCtr="0" compatLnSpc="1">
+            <a:prstTxWarp prst="textNoShape">
+              <a:avLst/>
+            </a:prstTxWarp>
+            <a:spAutoFit/>
+          </a:bodyPr>
+          <a:lstStyle/>
+          <a:p>
+            <a:pPr marL="0" marR="0" lvl="0" indent="0" algn="l" defTabSz="914400" rtl="0" eaLnBrk="0" fontAlgn="base" latinLnBrk="0" hangingPunct="0">
+              <a:lnSpc>
+                <a:spcPct val="100000"/>
+              </a:lnSpc>
+              <a:spcBef>
+                <a:spcPct val="0"/>
+              </a:spcBef>
+              <a:spcAft>
+                <a:spcPct val="0"/>
+              </a:spcAft>
+              <a:buClrTx/>
+              <a:buSzTx/>
+              <a:buFontTx/>
+              <a:buNone/>
+              <a:tabLst/>
+            </a:pPr>
+            <a:r>
+              <a:rPr kumimoji="0" lang="de-DE" altLang="de-DE" sz="1000" b="0" i="0" u="none" strike="noStrike" cap="none" normalizeH="0" baseline="0" dirty="0" err="1">
+                <a:ln>
+                  <a:noFill/>
+                </a:ln>
+                <a:solidFill>
+                  <a:srgbClr val="9876AA"/>
+                </a:solidFill>
+                <a:effectLst/>
+                <a:latin typeface="Fira Code" panose="020B0509050000020004" pitchFamily="49" charset="0"/>
+              </a:rPr>
+              <a:t>bluetoothAdapter</a:t>
+            </a:r>
+            <a:r>
+              <a:rPr kumimoji="0" lang="de-DE" altLang="de-DE" sz="1000" b="0" i="0" u="none" strike="noStrike" cap="none" normalizeH="0" baseline="0" dirty="0">
+                <a:ln>
+                  <a:noFill/>
+                </a:ln>
+                <a:solidFill>
+                  <a:srgbClr val="9876AA"/>
+                </a:solidFill>
+                <a:effectLst/>
+                <a:latin typeface="Fira Code" panose="020B0509050000020004" pitchFamily="49" charset="0"/>
+              </a:rPr>
+              <a:t> </a:t>
+            </a:r>
+            <a:r>
+              <a:rPr kumimoji="0" lang="de-DE" altLang="de-DE" sz="1000" b="0" i="0" u="none" strike="noStrike" cap="none" normalizeH="0" baseline="0" dirty="0">
+                <a:ln>
+                  <a:noFill/>
+                </a:ln>
+                <a:solidFill>
+                  <a:srgbClr val="A9B7C6"/>
+                </a:solidFill>
+                <a:effectLst/>
+                <a:latin typeface="Fira Code" panose="020B0509050000020004" pitchFamily="49" charset="0"/>
+              </a:rPr>
+              <a:t>= </a:t>
+            </a:r>
+            <a:r>
+              <a:rPr kumimoji="0" lang="de-DE" altLang="de-DE" sz="1000" b="0" i="0" u="none" strike="noStrike" cap="none" normalizeH="0" baseline="0" dirty="0" err="1">
+                <a:ln>
+                  <a:noFill/>
+                </a:ln>
+                <a:solidFill>
+                  <a:srgbClr val="A9B7C6"/>
+                </a:solidFill>
+                <a:effectLst/>
+                <a:latin typeface="Fira Code" panose="020B0509050000020004" pitchFamily="49" charset="0"/>
+              </a:rPr>
+              <a:t>BluetoothAdapter.</a:t>
+            </a:r>
+            <a:r>
+              <a:rPr kumimoji="0" lang="de-DE" altLang="de-DE" sz="1000" b="0" i="1" u="none" strike="noStrike" cap="none" normalizeH="0" baseline="0" dirty="0" err="1">
+                <a:ln>
+                  <a:noFill/>
+                </a:ln>
+                <a:solidFill>
+                  <a:srgbClr val="A9B7C6"/>
+                </a:solidFill>
+                <a:effectLst/>
+                <a:latin typeface="Fira Code" panose="020B0509050000020004" pitchFamily="49" charset="0"/>
+              </a:rPr>
+              <a:t>getDefaultAdapter</a:t>
+            </a:r>
+            <a:r>
+              <a:rPr kumimoji="0" lang="de-DE" altLang="de-DE" sz="1000" b="0" i="0" u="none" strike="noStrike" cap="none" normalizeH="0" baseline="0" dirty="0">
+                <a:ln>
+                  <a:noFill/>
+                </a:ln>
+                <a:solidFill>
+                  <a:srgbClr val="A9B7C6"/>
+                </a:solidFill>
+                <a:effectLst/>
+                <a:latin typeface="Fira Code" panose="020B0509050000020004" pitchFamily="49" charset="0"/>
+              </a:rPr>
+              <a:t>()</a:t>
+            </a:r>
+            <a:r>
+              <a:rPr kumimoji="0" lang="de-DE" altLang="de-DE" sz="1000" b="0" i="0" u="none" strike="noStrike" cap="none" normalizeH="0" baseline="0" dirty="0">
+                <a:ln>
+                  <a:noFill/>
+                </a:ln>
+                <a:solidFill>
+                  <a:srgbClr val="CC7832"/>
+                </a:solidFill>
+                <a:effectLst/>
+                <a:latin typeface="Fira Code" panose="020B0509050000020004" pitchFamily="49" charset="0"/>
+              </a:rPr>
+              <a:t>; </a:t>
+            </a:r>
+            <a:r>
+              <a:rPr kumimoji="0" lang="de-DE" altLang="de-DE" sz="1000" b="0" i="0" u="none" strike="noStrike" cap="none" normalizeH="0" baseline="0" dirty="0">
+                <a:ln>
+                  <a:noFill/>
+                </a:ln>
+                <a:solidFill>
+                  <a:schemeClr val="tx1">
+                    <a:lumMod val="50000"/>
+                  </a:schemeClr>
+                </a:solidFill>
+                <a:effectLst/>
+                <a:latin typeface="Fira Code" panose="020B0509050000020004" pitchFamily="49" charset="0"/>
+              </a:rPr>
+              <a:t>// </a:t>
+            </a:r>
+            <a:r>
+              <a:rPr kumimoji="0" lang="de-DE" altLang="de-DE" sz="1000" b="0" i="0" u="none" strike="noStrike" cap="none" normalizeH="0" baseline="0" dirty="0" err="1">
+                <a:ln>
+                  <a:noFill/>
+                </a:ln>
+                <a:solidFill>
+                  <a:schemeClr val="tx1">
+                    <a:lumMod val="50000"/>
+                  </a:schemeClr>
+                </a:solidFill>
+                <a:effectLst/>
+                <a:latin typeface="Fira Code" panose="020B0509050000020004" pitchFamily="49" charset="0"/>
+              </a:rPr>
+              <a:t>Get</a:t>
+            </a:r>
+            <a:r>
+              <a:rPr kumimoji="0" lang="de-DE" altLang="de-DE" sz="1000" b="0" i="0" u="none" strike="noStrike" cap="none" normalizeH="0" baseline="0" dirty="0">
+                <a:ln>
+                  <a:noFill/>
+                </a:ln>
+                <a:solidFill>
+                  <a:schemeClr val="tx1">
+                    <a:lumMod val="50000"/>
+                  </a:schemeClr>
+                </a:solidFill>
+                <a:effectLst/>
+                <a:latin typeface="Fira Code" panose="020B0509050000020004" pitchFamily="49" charset="0"/>
+              </a:rPr>
+              <a:t> an </a:t>
+            </a:r>
+            <a:r>
+              <a:rPr kumimoji="0" lang="de-DE" altLang="de-DE" sz="1000" b="0" i="0" u="none" strike="noStrike" cap="none" normalizeH="0" baseline="0" dirty="0" err="1">
+                <a:ln>
+                  <a:noFill/>
+                </a:ln>
+                <a:solidFill>
+                  <a:schemeClr val="tx1">
+                    <a:lumMod val="50000"/>
+                  </a:schemeClr>
+                </a:solidFill>
+                <a:effectLst/>
+                <a:latin typeface="Fira Code" panose="020B0509050000020004" pitchFamily="49" charset="0"/>
+              </a:rPr>
+              <a:t>adapter</a:t>
+            </a:r>
+            <a:br>
+              <a:rPr kumimoji="0" lang="de-DE" altLang="de-DE" sz="1000" b="0" i="0" u="none" strike="noStrike" cap="none" normalizeH="0" baseline="0" dirty="0">
+                <a:ln>
+                  <a:noFill/>
+                </a:ln>
+                <a:solidFill>
+                  <a:srgbClr val="CC7832"/>
+                </a:solidFill>
+                <a:effectLst/>
+                <a:latin typeface="Fira Code" panose="020B0509050000020004" pitchFamily="49" charset="0"/>
+              </a:rPr>
+            </a:br>
+            <a:br>
+              <a:rPr kumimoji="0" lang="de-DE" altLang="de-DE" sz="1000" b="0" i="0" u="none" strike="noStrike" cap="none" normalizeH="0" baseline="0" dirty="0">
+                <a:ln>
+                  <a:noFill/>
+                </a:ln>
+                <a:solidFill>
+                  <a:srgbClr val="A9B7C6"/>
+                </a:solidFill>
+                <a:effectLst/>
+                <a:latin typeface="Fira Code" panose="020B0509050000020004" pitchFamily="49" charset="0"/>
+              </a:rPr>
+            </a:br>
+            <a:r>
+              <a:rPr kumimoji="0" lang="de-DE" altLang="de-DE" sz="1000" b="0" i="0" u="none" strike="noStrike" cap="none" normalizeH="0" baseline="0" dirty="0">
+                <a:ln>
+                  <a:noFill/>
+                </a:ln>
+                <a:solidFill>
+                  <a:srgbClr val="808080"/>
+                </a:solidFill>
+                <a:effectLst/>
+                <a:latin typeface="Fira Code" panose="020B0509050000020004" pitchFamily="49" charset="0"/>
+              </a:rPr>
+              <a:t>// Check </a:t>
+            </a:r>
+            <a:r>
+              <a:rPr kumimoji="0" lang="de-DE" altLang="de-DE" sz="1000" b="0" i="0" u="none" strike="noStrike" cap="none" normalizeH="0" baseline="0" dirty="0" err="1">
+                <a:ln>
+                  <a:noFill/>
+                </a:ln>
+                <a:solidFill>
+                  <a:srgbClr val="808080"/>
+                </a:solidFill>
+                <a:effectLst/>
+                <a:latin typeface="Fira Code" panose="020B0509050000020004" pitchFamily="49" charset="0"/>
+              </a:rPr>
+              <a:t>if</a:t>
+            </a:r>
+            <a:r>
+              <a:rPr kumimoji="0" lang="de-DE" altLang="de-DE" sz="1000" b="0" i="0" u="none" strike="noStrike" cap="none" normalizeH="0" baseline="0" dirty="0">
+                <a:ln>
+                  <a:noFill/>
+                </a:ln>
+                <a:solidFill>
+                  <a:srgbClr val="808080"/>
+                </a:solidFill>
+                <a:effectLst/>
+                <a:latin typeface="Fira Code" panose="020B0509050000020004" pitchFamily="49" charset="0"/>
+              </a:rPr>
+              <a:t> </a:t>
+            </a:r>
+            <a:r>
+              <a:rPr kumimoji="0" lang="de-DE" altLang="de-DE" sz="1000" b="0" i="0" u="none" strike="noStrike" cap="none" normalizeH="0" baseline="0" dirty="0" err="1">
+                <a:ln>
+                  <a:noFill/>
+                </a:ln>
+                <a:solidFill>
+                  <a:srgbClr val="808080"/>
+                </a:solidFill>
+                <a:effectLst/>
+                <a:latin typeface="Fira Code" panose="020B0509050000020004" pitchFamily="49" charset="0"/>
+              </a:rPr>
+              <a:t>the</a:t>
+            </a:r>
+            <a:r>
+              <a:rPr kumimoji="0" lang="de-DE" altLang="de-DE" sz="1000" b="0" i="0" u="none" strike="noStrike" cap="none" normalizeH="0" baseline="0" dirty="0">
+                <a:ln>
+                  <a:noFill/>
+                </a:ln>
+                <a:solidFill>
+                  <a:srgbClr val="808080"/>
+                </a:solidFill>
+                <a:effectLst/>
+                <a:latin typeface="Fira Code" panose="020B0509050000020004" pitchFamily="49" charset="0"/>
+              </a:rPr>
+              <a:t> </a:t>
+            </a:r>
+            <a:r>
+              <a:rPr kumimoji="0" lang="de-DE" altLang="de-DE" sz="1000" b="0" i="0" u="none" strike="noStrike" cap="none" normalizeH="0" baseline="0" dirty="0" err="1">
+                <a:ln>
+                  <a:noFill/>
+                </a:ln>
+                <a:solidFill>
+                  <a:srgbClr val="808080"/>
+                </a:solidFill>
+                <a:effectLst/>
+                <a:latin typeface="Fira Code" panose="020B0509050000020004" pitchFamily="49" charset="0"/>
+              </a:rPr>
+              <a:t>adapter</a:t>
+            </a:r>
+            <a:r>
+              <a:rPr kumimoji="0" lang="de-DE" altLang="de-DE" sz="1000" b="0" i="0" u="none" strike="noStrike" cap="none" normalizeH="0" baseline="0" dirty="0">
+                <a:ln>
+                  <a:noFill/>
+                </a:ln>
+                <a:solidFill>
+                  <a:srgbClr val="808080"/>
+                </a:solidFill>
+                <a:effectLst/>
+                <a:latin typeface="Fira Code" panose="020B0509050000020004" pitchFamily="49" charset="0"/>
+              </a:rPr>
+              <a:t> </a:t>
+            </a:r>
+            <a:r>
+              <a:rPr kumimoji="0" lang="de-DE" altLang="de-DE" sz="1000" b="0" i="0" u="none" strike="noStrike" cap="none" normalizeH="0" baseline="0" dirty="0" err="1">
+                <a:ln>
+                  <a:noFill/>
+                </a:ln>
+                <a:solidFill>
+                  <a:srgbClr val="808080"/>
+                </a:solidFill>
+                <a:effectLst/>
+                <a:latin typeface="Fira Code" panose="020B0509050000020004" pitchFamily="49" charset="0"/>
+              </a:rPr>
+              <a:t>is</a:t>
+            </a:r>
+            <a:r>
+              <a:rPr kumimoji="0" lang="de-DE" altLang="de-DE" sz="1000" b="0" i="0" u="none" strike="noStrike" cap="none" normalizeH="0" baseline="0" dirty="0">
+                <a:ln>
+                  <a:noFill/>
+                </a:ln>
+                <a:solidFill>
+                  <a:srgbClr val="808080"/>
+                </a:solidFill>
+                <a:effectLst/>
+                <a:latin typeface="Fira Code" panose="020B0509050000020004" pitchFamily="49" charset="0"/>
+              </a:rPr>
+              <a:t> </a:t>
+            </a:r>
+            <a:r>
+              <a:rPr kumimoji="0" lang="de-DE" altLang="de-DE" sz="1000" b="0" i="0" u="none" strike="noStrike" cap="none" normalizeH="0" baseline="0" dirty="0" err="1">
+                <a:ln>
+                  <a:noFill/>
+                </a:ln>
+                <a:solidFill>
+                  <a:srgbClr val="808080"/>
+                </a:solidFill>
+                <a:effectLst/>
+                <a:latin typeface="Fira Code" panose="020B0509050000020004" pitchFamily="49" charset="0"/>
+              </a:rPr>
+              <a:t>enabled</a:t>
+            </a:r>
+            <a:r>
+              <a:rPr kumimoji="0" lang="de-DE" altLang="de-DE" sz="1000" b="0" i="0" u="none" strike="noStrike" cap="none" normalizeH="0" baseline="0" dirty="0">
+                <a:ln>
+                  <a:noFill/>
+                </a:ln>
+                <a:solidFill>
+                  <a:srgbClr val="808080"/>
+                </a:solidFill>
+                <a:effectLst/>
+                <a:latin typeface="Fira Code" panose="020B0509050000020004" pitchFamily="49" charset="0"/>
+              </a:rPr>
+              <a:t>, </a:t>
+            </a:r>
+            <a:r>
+              <a:rPr kumimoji="0" lang="de-DE" altLang="de-DE" sz="1000" b="0" i="0" u="none" strike="noStrike" cap="none" normalizeH="0" baseline="0" dirty="0" err="1">
+                <a:ln>
+                  <a:noFill/>
+                </a:ln>
+                <a:solidFill>
+                  <a:srgbClr val="808080"/>
+                </a:solidFill>
+                <a:effectLst/>
+                <a:latin typeface="Fira Code" panose="020B0509050000020004" pitchFamily="49" charset="0"/>
+              </a:rPr>
+              <a:t>if</a:t>
+            </a:r>
+            <a:r>
+              <a:rPr kumimoji="0" lang="de-DE" altLang="de-DE" sz="1000" b="0" i="0" u="none" strike="noStrike" cap="none" normalizeH="0" baseline="0" dirty="0">
+                <a:ln>
+                  <a:noFill/>
+                </a:ln>
+                <a:solidFill>
+                  <a:srgbClr val="808080"/>
+                </a:solidFill>
+                <a:effectLst/>
+                <a:latin typeface="Fira Code" panose="020B0509050000020004" pitchFamily="49" charset="0"/>
+              </a:rPr>
+              <a:t> not, prompt </a:t>
+            </a:r>
+            <a:r>
+              <a:rPr kumimoji="0" lang="de-DE" altLang="de-DE" sz="1000" b="0" i="0" u="none" strike="noStrike" cap="none" normalizeH="0" baseline="0" dirty="0" err="1">
+                <a:ln>
+                  <a:noFill/>
+                </a:ln>
+                <a:solidFill>
+                  <a:srgbClr val="808080"/>
+                </a:solidFill>
+                <a:effectLst/>
+                <a:latin typeface="Fira Code" panose="020B0509050000020004" pitchFamily="49" charset="0"/>
+              </a:rPr>
+              <a:t>user</a:t>
+            </a:r>
+            <a:r>
+              <a:rPr kumimoji="0" lang="de-DE" altLang="de-DE" sz="1000" b="0" i="0" u="none" strike="noStrike" cap="none" normalizeH="0" baseline="0" dirty="0">
+                <a:ln>
+                  <a:noFill/>
+                </a:ln>
+                <a:solidFill>
+                  <a:srgbClr val="808080"/>
+                </a:solidFill>
+                <a:effectLst/>
+                <a:latin typeface="Fira Code" panose="020B0509050000020004" pitchFamily="49" charset="0"/>
+              </a:rPr>
+              <a:t> </a:t>
+            </a:r>
+            <a:r>
+              <a:rPr kumimoji="0" lang="de-DE" altLang="de-DE" sz="1000" b="0" i="0" u="none" strike="noStrike" cap="none" normalizeH="0" baseline="0" dirty="0" err="1">
+                <a:ln>
+                  <a:noFill/>
+                </a:ln>
+                <a:solidFill>
+                  <a:srgbClr val="808080"/>
+                </a:solidFill>
+                <a:effectLst/>
+                <a:latin typeface="Fira Code" panose="020B0509050000020004" pitchFamily="49" charset="0"/>
+              </a:rPr>
+              <a:t>to</a:t>
+            </a:r>
+            <a:r>
+              <a:rPr kumimoji="0" lang="de-DE" altLang="de-DE" sz="1000" b="0" i="0" u="none" strike="noStrike" cap="none" normalizeH="0" baseline="0" dirty="0">
+                <a:ln>
+                  <a:noFill/>
+                </a:ln>
+                <a:solidFill>
+                  <a:srgbClr val="808080"/>
+                </a:solidFill>
+                <a:effectLst/>
+                <a:latin typeface="Fira Code" panose="020B0509050000020004" pitchFamily="49" charset="0"/>
+              </a:rPr>
+              <a:t> do so!</a:t>
+            </a:r>
+            <a:br>
+              <a:rPr kumimoji="0" lang="de-DE" altLang="de-DE" sz="1000" b="0" i="0" u="none" strike="noStrike" cap="none" normalizeH="0" baseline="0" dirty="0">
+                <a:ln>
+                  <a:noFill/>
+                </a:ln>
+                <a:solidFill>
+                  <a:srgbClr val="808080"/>
+                </a:solidFill>
+                <a:effectLst/>
+                <a:latin typeface="Fira Code" panose="020B0509050000020004" pitchFamily="49" charset="0"/>
+              </a:rPr>
+            </a:br>
+            <a:r>
+              <a:rPr kumimoji="0" lang="de-DE" altLang="de-DE" sz="1000" b="0" i="0" u="none" strike="noStrike" cap="none" normalizeH="0" baseline="0" dirty="0" err="1">
+                <a:ln>
+                  <a:noFill/>
+                </a:ln>
+                <a:solidFill>
+                  <a:srgbClr val="CC7832"/>
+                </a:solidFill>
+                <a:effectLst/>
+                <a:latin typeface="Fira Code" panose="020B0509050000020004" pitchFamily="49" charset="0"/>
+              </a:rPr>
+              <a:t>if</a:t>
+            </a:r>
+            <a:r>
+              <a:rPr kumimoji="0" lang="de-DE" altLang="de-DE" sz="1000" b="0" i="0" u="none" strike="noStrike" cap="none" normalizeH="0" baseline="0" dirty="0">
+                <a:ln>
+                  <a:noFill/>
+                </a:ln>
+                <a:solidFill>
+                  <a:srgbClr val="CC7832"/>
+                </a:solidFill>
+                <a:effectLst/>
+                <a:latin typeface="Fira Code" panose="020B0509050000020004" pitchFamily="49" charset="0"/>
+              </a:rPr>
+              <a:t> </a:t>
+            </a:r>
+            <a:r>
+              <a:rPr kumimoji="0" lang="de-DE" altLang="de-DE" sz="1000" b="0" i="0" u="none" strike="noStrike" cap="none" normalizeH="0" baseline="0" dirty="0">
+                <a:ln>
+                  <a:noFill/>
+                </a:ln>
+                <a:solidFill>
+                  <a:srgbClr val="A9B7C6"/>
+                </a:solidFill>
+                <a:effectLst/>
+                <a:latin typeface="Fira Code" panose="020B0509050000020004" pitchFamily="49" charset="0"/>
+              </a:rPr>
+              <a:t>(!</a:t>
+            </a:r>
+            <a:r>
+              <a:rPr kumimoji="0" lang="de-DE" altLang="de-DE" sz="1000" b="0" i="0" u="none" strike="noStrike" cap="none" normalizeH="0" baseline="0" dirty="0" err="1">
+                <a:ln>
+                  <a:noFill/>
+                </a:ln>
+                <a:solidFill>
+                  <a:srgbClr val="9876AA"/>
+                </a:solidFill>
+                <a:effectLst/>
+                <a:latin typeface="Fira Code" panose="020B0509050000020004" pitchFamily="49" charset="0"/>
+              </a:rPr>
+              <a:t>bluetoothAdapter</a:t>
+            </a:r>
+            <a:r>
+              <a:rPr kumimoji="0" lang="de-DE" altLang="de-DE" sz="1000" b="0" i="0" u="none" strike="noStrike" cap="none" normalizeH="0" baseline="0" dirty="0" err="1">
+                <a:ln>
+                  <a:noFill/>
+                </a:ln>
+                <a:solidFill>
+                  <a:srgbClr val="A9B7C6"/>
+                </a:solidFill>
+                <a:effectLst/>
+                <a:latin typeface="Fira Code" panose="020B0509050000020004" pitchFamily="49" charset="0"/>
+              </a:rPr>
+              <a:t>.isEnabled</a:t>
+            </a:r>
+            <a:r>
+              <a:rPr kumimoji="0" lang="de-DE" altLang="de-DE" sz="1000" b="0" i="0" u="none" strike="noStrike" cap="none" normalizeH="0" baseline="0" dirty="0">
+                <a:ln>
+                  <a:noFill/>
+                </a:ln>
+                <a:solidFill>
+                  <a:srgbClr val="A9B7C6"/>
+                </a:solidFill>
+                <a:effectLst/>
+                <a:latin typeface="Fira Code" panose="020B0509050000020004" pitchFamily="49" charset="0"/>
+              </a:rPr>
+              <a:t>()) {</a:t>
+            </a:r>
+            <a:br>
+              <a:rPr kumimoji="0" lang="de-DE" altLang="de-DE" sz="1000" b="0" i="0" u="none" strike="noStrike" cap="none" normalizeH="0" baseline="0" dirty="0">
+                <a:ln>
+                  <a:noFill/>
+                </a:ln>
+                <a:solidFill>
+                  <a:srgbClr val="A9B7C6"/>
+                </a:solidFill>
+                <a:effectLst/>
+                <a:latin typeface="Fira Code" panose="020B0509050000020004" pitchFamily="49" charset="0"/>
+              </a:rPr>
+            </a:br>
+            <a:r>
+              <a:rPr kumimoji="0" lang="de-DE" altLang="de-DE" sz="1000" b="0" i="0" u="none" strike="noStrike" cap="none" normalizeH="0" baseline="0" dirty="0">
+                <a:ln>
+                  <a:noFill/>
+                </a:ln>
+                <a:solidFill>
+                  <a:srgbClr val="A9B7C6"/>
+                </a:solidFill>
+                <a:effectLst/>
+                <a:latin typeface="Fira Code" panose="020B0509050000020004" pitchFamily="49" charset="0"/>
+              </a:rPr>
+              <a:t>    </a:t>
+            </a:r>
+            <a:r>
+              <a:rPr kumimoji="0" lang="de-DE" altLang="de-DE" sz="1000" b="0" i="0" u="none" strike="noStrike" cap="none" normalizeH="0" baseline="0" dirty="0" err="1">
+                <a:ln>
+                  <a:noFill/>
+                </a:ln>
+                <a:solidFill>
+                  <a:srgbClr val="A9B7C6"/>
+                </a:solidFill>
+                <a:effectLst/>
+                <a:latin typeface="Fira Code" panose="020B0509050000020004" pitchFamily="49" charset="0"/>
+              </a:rPr>
+              <a:t>Intent</a:t>
+            </a:r>
+            <a:r>
+              <a:rPr kumimoji="0" lang="de-DE" altLang="de-DE" sz="1000" b="0" i="0" u="none" strike="noStrike" cap="none" normalizeH="0" baseline="0" dirty="0">
+                <a:ln>
+                  <a:noFill/>
+                </a:ln>
+                <a:solidFill>
+                  <a:srgbClr val="A9B7C6"/>
+                </a:solidFill>
+                <a:effectLst/>
+                <a:latin typeface="Fira Code" panose="020B0509050000020004" pitchFamily="49" charset="0"/>
+              </a:rPr>
+              <a:t> </a:t>
+            </a:r>
+            <a:r>
+              <a:rPr kumimoji="0" lang="de-DE" altLang="de-DE" sz="1000" b="0" i="0" u="none" strike="noStrike" cap="none" normalizeH="0" baseline="0" dirty="0" err="1">
+                <a:ln>
+                  <a:noFill/>
+                </a:ln>
+                <a:solidFill>
+                  <a:srgbClr val="A9B7C6"/>
+                </a:solidFill>
+                <a:effectLst/>
+                <a:latin typeface="Fira Code" panose="020B0509050000020004" pitchFamily="49" charset="0"/>
+              </a:rPr>
+              <a:t>enableBtIntent</a:t>
+            </a:r>
+            <a:r>
+              <a:rPr kumimoji="0" lang="de-DE" altLang="de-DE" sz="1000" b="0" i="0" u="none" strike="noStrike" cap="none" normalizeH="0" baseline="0" dirty="0">
+                <a:ln>
+                  <a:noFill/>
+                </a:ln>
+                <a:solidFill>
+                  <a:srgbClr val="A9B7C6"/>
+                </a:solidFill>
+                <a:effectLst/>
+                <a:latin typeface="Fira Code" panose="020B0509050000020004" pitchFamily="49" charset="0"/>
+              </a:rPr>
+              <a:t> = </a:t>
+            </a:r>
+            <a:r>
+              <a:rPr kumimoji="0" lang="de-DE" altLang="de-DE" sz="1000" b="0" i="0" u="none" strike="noStrike" cap="none" normalizeH="0" baseline="0" dirty="0" err="1">
+                <a:ln>
+                  <a:noFill/>
+                </a:ln>
+                <a:solidFill>
+                  <a:srgbClr val="CC7832"/>
+                </a:solidFill>
+                <a:effectLst/>
+                <a:latin typeface="Fira Code" panose="020B0509050000020004" pitchFamily="49" charset="0"/>
+              </a:rPr>
+              <a:t>new</a:t>
+            </a:r>
+            <a:r>
+              <a:rPr kumimoji="0" lang="de-DE" altLang="de-DE" sz="1000" b="0" i="0" u="none" strike="noStrike" cap="none" normalizeH="0" baseline="0" dirty="0">
+                <a:ln>
+                  <a:noFill/>
+                </a:ln>
+                <a:solidFill>
+                  <a:srgbClr val="CC7832"/>
+                </a:solidFill>
+                <a:effectLst/>
+                <a:latin typeface="Fira Code" panose="020B0509050000020004" pitchFamily="49" charset="0"/>
+              </a:rPr>
+              <a:t> </a:t>
+            </a:r>
+            <a:r>
+              <a:rPr kumimoji="0" lang="de-DE" altLang="de-DE" sz="1000" b="0" i="0" u="none" strike="noStrike" cap="none" normalizeH="0" baseline="0" dirty="0" err="1">
+                <a:ln>
+                  <a:noFill/>
+                </a:ln>
+                <a:solidFill>
+                  <a:srgbClr val="A9B7C6"/>
+                </a:solidFill>
+                <a:effectLst/>
+                <a:latin typeface="Fira Code" panose="020B0509050000020004" pitchFamily="49" charset="0"/>
+              </a:rPr>
+              <a:t>Intent</a:t>
+            </a:r>
+            <a:r>
+              <a:rPr kumimoji="0" lang="de-DE" altLang="de-DE" sz="1000" b="0" i="0" u="none" strike="noStrike" cap="none" normalizeH="0" baseline="0" dirty="0">
+                <a:ln>
+                  <a:noFill/>
+                </a:ln>
+                <a:solidFill>
+                  <a:srgbClr val="A9B7C6"/>
+                </a:solidFill>
+                <a:effectLst/>
+                <a:latin typeface="Fira Code" panose="020B0509050000020004" pitchFamily="49" charset="0"/>
+              </a:rPr>
+              <a:t>(</a:t>
+            </a:r>
+            <a:r>
+              <a:rPr kumimoji="0" lang="de-DE" altLang="de-DE" sz="1000" b="0" i="0" u="none" strike="noStrike" cap="none" normalizeH="0" baseline="0" dirty="0" err="1">
+                <a:ln>
+                  <a:noFill/>
+                </a:ln>
+                <a:solidFill>
+                  <a:srgbClr val="A9B7C6"/>
+                </a:solidFill>
+                <a:effectLst/>
+                <a:latin typeface="Fira Code" panose="020B0509050000020004" pitchFamily="49" charset="0"/>
+              </a:rPr>
+              <a:t>BluetoothAdapter.</a:t>
+            </a:r>
+            <a:r>
+              <a:rPr kumimoji="0" lang="de-DE" altLang="de-DE" sz="1000" b="0" i="1" u="none" strike="noStrike" cap="none" normalizeH="0" baseline="0" dirty="0" err="1">
+                <a:ln>
+                  <a:noFill/>
+                </a:ln>
+                <a:solidFill>
+                  <a:srgbClr val="9876AA"/>
+                </a:solidFill>
+                <a:effectLst/>
+                <a:latin typeface="Fira Code" panose="020B0509050000020004" pitchFamily="49" charset="0"/>
+              </a:rPr>
+              <a:t>ACTION_REQUEST_ENABLE</a:t>
+            </a:r>
+            <a:r>
+              <a:rPr kumimoji="0" lang="de-DE" altLang="de-DE" sz="1000" b="0" i="0" u="none" strike="noStrike" cap="none" normalizeH="0" baseline="0" dirty="0">
+                <a:ln>
+                  <a:noFill/>
+                </a:ln>
+                <a:solidFill>
+                  <a:srgbClr val="A9B7C6"/>
+                </a:solidFill>
+                <a:effectLst/>
+                <a:latin typeface="Fira Code" panose="020B0509050000020004" pitchFamily="49" charset="0"/>
+              </a:rPr>
+              <a:t>)</a:t>
+            </a:r>
+            <a:r>
+              <a:rPr kumimoji="0" lang="de-DE" altLang="de-DE" sz="1000" b="0" i="0" u="none" strike="noStrike" cap="none" normalizeH="0" baseline="0" dirty="0">
+                <a:ln>
+                  <a:noFill/>
+                </a:ln>
+                <a:solidFill>
+                  <a:srgbClr val="CC7832"/>
+                </a:solidFill>
+                <a:effectLst/>
+                <a:latin typeface="Fira Code" panose="020B0509050000020004" pitchFamily="49" charset="0"/>
+              </a:rPr>
+              <a:t>;</a:t>
+            </a:r>
+            <a:br>
+              <a:rPr kumimoji="0" lang="de-DE" altLang="de-DE" sz="1000" b="0" i="0" u="none" strike="noStrike" cap="none" normalizeH="0" baseline="0" dirty="0">
+                <a:ln>
+                  <a:noFill/>
+                </a:ln>
+                <a:solidFill>
+                  <a:srgbClr val="CC7832"/>
+                </a:solidFill>
+                <a:effectLst/>
+                <a:latin typeface="Fira Code" panose="020B0509050000020004" pitchFamily="49" charset="0"/>
+              </a:rPr>
+            </a:br>
+            <a:r>
+              <a:rPr kumimoji="0" lang="de-DE" altLang="de-DE" sz="1000" b="0" i="0" u="none" strike="noStrike" cap="none" normalizeH="0" baseline="0" dirty="0">
+                <a:ln>
+                  <a:noFill/>
+                </a:ln>
+                <a:solidFill>
+                  <a:srgbClr val="CC7832"/>
+                </a:solidFill>
+                <a:effectLst/>
+                <a:latin typeface="Fira Code" panose="020B0509050000020004" pitchFamily="49" charset="0"/>
+              </a:rPr>
+              <a:t>    </a:t>
+            </a:r>
+            <a:r>
+              <a:rPr kumimoji="0" lang="de-DE" altLang="de-DE" sz="1000" b="0" i="0" u="none" strike="noStrike" cap="none" normalizeH="0" baseline="0" dirty="0" err="1">
+                <a:ln>
+                  <a:noFill/>
+                </a:ln>
+                <a:solidFill>
+                  <a:srgbClr val="A9B7C6"/>
+                </a:solidFill>
+                <a:effectLst/>
+                <a:latin typeface="Fira Code" panose="020B0509050000020004" pitchFamily="49" charset="0"/>
+              </a:rPr>
+              <a:t>startActivityForResult</a:t>
+            </a:r>
+            <a:r>
+              <a:rPr kumimoji="0" lang="de-DE" altLang="de-DE" sz="1000" b="0" i="0" u="none" strike="noStrike" cap="none" normalizeH="0" baseline="0" dirty="0">
+                <a:ln>
+                  <a:noFill/>
+                </a:ln>
+                <a:solidFill>
+                  <a:srgbClr val="A9B7C6"/>
+                </a:solidFill>
+                <a:effectLst/>
+                <a:latin typeface="Fira Code" panose="020B0509050000020004" pitchFamily="49" charset="0"/>
+              </a:rPr>
+              <a:t>(</a:t>
+            </a:r>
+            <a:r>
+              <a:rPr kumimoji="0" lang="de-DE" altLang="de-DE" sz="1000" b="0" i="0" u="none" strike="noStrike" cap="none" normalizeH="0" baseline="0" dirty="0" err="1">
+                <a:ln>
+                  <a:noFill/>
+                </a:ln>
+                <a:solidFill>
+                  <a:srgbClr val="A9B7C6"/>
+                </a:solidFill>
+                <a:effectLst/>
+                <a:latin typeface="Fira Code" panose="020B0509050000020004" pitchFamily="49" charset="0"/>
+              </a:rPr>
+              <a:t>enableBtIntent</a:t>
+            </a:r>
+            <a:r>
+              <a:rPr kumimoji="0" lang="de-DE" altLang="de-DE" sz="1000" b="0" i="0" u="none" strike="noStrike" cap="none" normalizeH="0" baseline="0" dirty="0">
+                <a:ln>
+                  <a:noFill/>
+                </a:ln>
+                <a:solidFill>
+                  <a:srgbClr val="CC7832"/>
+                </a:solidFill>
+                <a:effectLst/>
+                <a:latin typeface="Fira Code" panose="020B0509050000020004" pitchFamily="49" charset="0"/>
+              </a:rPr>
+              <a:t>, </a:t>
+            </a:r>
+            <a:r>
+              <a:rPr kumimoji="0" lang="de-DE" altLang="de-DE" sz="1000" b="0" i="1" u="none" strike="noStrike" cap="none" normalizeH="0" baseline="0" dirty="0">
+                <a:ln>
+                  <a:noFill/>
+                </a:ln>
+                <a:solidFill>
+                  <a:srgbClr val="9876AA"/>
+                </a:solidFill>
+                <a:effectLst/>
+                <a:latin typeface="Fira Code" panose="020B0509050000020004" pitchFamily="49" charset="0"/>
+              </a:rPr>
+              <a:t>REQUEST_ENABLE_BT</a:t>
+            </a:r>
+            <a:r>
+              <a:rPr kumimoji="0" lang="de-DE" altLang="de-DE" sz="1000" b="0" i="0" u="none" strike="noStrike" cap="none" normalizeH="0" baseline="0" dirty="0">
+                <a:ln>
+                  <a:noFill/>
+                </a:ln>
+                <a:solidFill>
+                  <a:srgbClr val="A9B7C6"/>
+                </a:solidFill>
+                <a:effectLst/>
+                <a:latin typeface="Fira Code" panose="020B0509050000020004" pitchFamily="49" charset="0"/>
+              </a:rPr>
+              <a:t>)</a:t>
+            </a:r>
+            <a:r>
+              <a:rPr kumimoji="0" lang="de-DE" altLang="de-DE" sz="1000" b="0" i="0" u="none" strike="noStrike" cap="none" normalizeH="0" baseline="0" dirty="0">
+                <a:ln>
+                  <a:noFill/>
+                </a:ln>
+                <a:solidFill>
+                  <a:srgbClr val="CC7832"/>
+                </a:solidFill>
+                <a:effectLst/>
+                <a:latin typeface="Fira Code" panose="020B0509050000020004" pitchFamily="49" charset="0"/>
+              </a:rPr>
+              <a:t>;</a:t>
+            </a:r>
+            <a:br>
+              <a:rPr kumimoji="0" lang="de-DE" altLang="de-DE" sz="1000" b="0" i="0" u="none" strike="noStrike" cap="none" normalizeH="0" baseline="0" dirty="0">
+                <a:ln>
+                  <a:noFill/>
+                </a:ln>
+                <a:solidFill>
+                  <a:srgbClr val="CC7832"/>
+                </a:solidFill>
+                <a:effectLst/>
+                <a:latin typeface="Fira Code" panose="020B0509050000020004" pitchFamily="49" charset="0"/>
+              </a:rPr>
+            </a:br>
+            <a:r>
+              <a:rPr kumimoji="0" lang="de-DE" altLang="de-DE" sz="1000" b="0" i="0" u="none" strike="noStrike" cap="none" normalizeH="0" baseline="0" dirty="0">
+                <a:ln>
+                  <a:noFill/>
+                </a:ln>
+                <a:solidFill>
+                  <a:srgbClr val="CC7832"/>
+                </a:solidFill>
+                <a:effectLst/>
+                <a:latin typeface="Fira Code" panose="020B0509050000020004" pitchFamily="49" charset="0"/>
+              </a:rPr>
+              <a:t>    </a:t>
+            </a:r>
+            <a:r>
+              <a:rPr kumimoji="0" lang="de-DE" altLang="de-DE" sz="1000" b="0" i="0" u="none" strike="noStrike" cap="none" normalizeH="0" baseline="0" dirty="0" err="1">
+                <a:ln>
+                  <a:noFill/>
+                </a:ln>
+                <a:solidFill>
+                  <a:srgbClr val="CC7832"/>
+                </a:solidFill>
+                <a:effectLst/>
+                <a:latin typeface="Fira Code" panose="020B0509050000020004" pitchFamily="49" charset="0"/>
+              </a:rPr>
+              <a:t>return</a:t>
+            </a:r>
+            <a:r>
+              <a:rPr kumimoji="0" lang="de-DE" altLang="de-DE" sz="1000" b="0" i="0" u="none" strike="noStrike" cap="none" normalizeH="0" baseline="0" dirty="0">
+                <a:ln>
+                  <a:noFill/>
+                </a:ln>
+                <a:solidFill>
+                  <a:srgbClr val="CC7832"/>
+                </a:solidFill>
+                <a:effectLst/>
+                <a:latin typeface="Fira Code" panose="020B0509050000020004" pitchFamily="49" charset="0"/>
+              </a:rPr>
+              <a:t>;</a:t>
+            </a:r>
+            <a:br>
+              <a:rPr kumimoji="0" lang="de-DE" altLang="de-DE" sz="1000" b="0" i="0" u="none" strike="noStrike" cap="none" normalizeH="0" baseline="0" dirty="0">
+                <a:ln>
+                  <a:noFill/>
+                </a:ln>
+                <a:solidFill>
+                  <a:srgbClr val="CC7832"/>
+                </a:solidFill>
+                <a:effectLst/>
+                <a:latin typeface="Fira Code" panose="020B0509050000020004" pitchFamily="49" charset="0"/>
+              </a:rPr>
+            </a:br>
+            <a:r>
+              <a:rPr kumimoji="0" lang="de-DE" altLang="de-DE" sz="1000" b="0" i="0" u="none" strike="noStrike" cap="none" normalizeH="0" baseline="0" dirty="0">
+                <a:ln>
+                  <a:noFill/>
+                </a:ln>
+                <a:solidFill>
+                  <a:srgbClr val="A9B7C6"/>
+                </a:solidFill>
+                <a:effectLst/>
+                <a:latin typeface="Fira Code" panose="020B0509050000020004" pitchFamily="49" charset="0"/>
+              </a:rPr>
+              <a:t>}</a:t>
+            </a:r>
+          </a:p>
+        </p:txBody>
+      </p:sp>
+      <p:sp>
+        <p:nvSpPr>
+          <p:cNvPr id="8" name="Rectangle 3">
+            <a:extLst>
+              <a:ext uri="{FF2B5EF4-FFF2-40B4-BE49-F238E27FC236}">
+                <a16:creationId xmlns:a16="http://schemas.microsoft.com/office/drawing/2014/main" id="{05CF0F44-1E0A-407A-B80A-E4C2C2984419}"/>
+              </a:ext>
+            </a:extLst>
+          </p:cNvPr>
+          <p:cNvSpPr>
+            <a:spLocks noChangeArrowheads="1"/>
+          </p:cNvSpPr>
+          <p:nvPr/>
+        </p:nvSpPr>
+        <p:spPr bwMode="auto">
+          <a:xfrm>
+            <a:off x="641540" y="4048086"/>
+            <a:ext cx="3249168" cy="400110"/>
+          </a:xfrm>
+          <a:prstGeom prst="rect">
+            <a:avLst/>
+          </a:prstGeom>
+          <a:solidFill>
+            <a:srgbClr val="2B2B2B"/>
+          </a:solidFill>
+          <a:ln>
+            <a:noFill/>
+          </a:ln>
+          <a:effectLst/>
+          <a:extLst>
+            <a:ext uri="{91240B29-F687-4F45-9708-019B960494DF}">
+              <a14:hiddenLine xmlns:a14="http://schemas.microsoft.com/office/drawing/2010/main" w="9525">
+                <a:solidFill>
+                  <a:schemeClr val="tx1"/>
+                </a:solidFill>
+                <a:miter lim="800000"/>
+                <a:headEnd/>
+                <a:tailEnd/>
+              </a14:hiddenLine>
+            </a:ext>
+            <a:ext uri="{AF507438-7753-43E0-B8FC-AC1667EBCBE1}">
+              <a14:hiddenEffects xmlns:a14="http://schemas.microsoft.com/office/drawing/2010/main">
+                <a:effectLst>
+                  <a:outerShdw dist="35921" dir="2700000" algn="ctr" rotWithShape="0">
+                    <a:schemeClr val="bg2"/>
+                  </a:outerShdw>
+                </a:effectLst>
+              </a14:hiddenEffects>
+            </a:ext>
+          </a:extLst>
+        </p:spPr>
+        <p:txBody>
+          <a:bodyPr vert="horz" wrap="square" lIns="91440" tIns="45720" rIns="91440" bIns="45720" numCol="1" anchor="ctr" anchorCtr="0" compatLnSpc="1">
+            <a:prstTxWarp prst="textNoShape">
+              <a:avLst/>
+            </a:prstTxWarp>
+            <a:spAutoFit/>
+          </a:bodyPr>
+          <a:lstStyle/>
+          <a:p>
+            <a:pPr marL="0" marR="0" lvl="0" indent="0" algn="l" defTabSz="914400" rtl="0" eaLnBrk="0" fontAlgn="base" latinLnBrk="0" hangingPunct="0">
+              <a:lnSpc>
+                <a:spcPct val="100000"/>
+              </a:lnSpc>
+              <a:spcBef>
+                <a:spcPct val="0"/>
+              </a:spcBef>
+              <a:spcAft>
+                <a:spcPct val="0"/>
+              </a:spcAft>
+              <a:buClrTx/>
+              <a:buSzTx/>
+              <a:buFontTx/>
+              <a:buNone/>
+              <a:tabLst/>
+            </a:pPr>
+            <a:r>
+              <a:rPr kumimoji="0" lang="de-DE" altLang="de-DE" sz="1000" b="0" i="0" u="none" strike="noStrike" cap="none" normalizeH="0" baseline="0" dirty="0">
+                <a:ln>
+                  <a:noFill/>
+                </a:ln>
+                <a:solidFill>
+                  <a:srgbClr val="808080"/>
+                </a:solidFill>
+                <a:effectLst/>
+                <a:latin typeface="Fira Code" panose="020B0509050000020004" pitchFamily="49" charset="0"/>
+              </a:rPr>
+              <a:t>// Start </a:t>
+            </a:r>
+            <a:r>
+              <a:rPr kumimoji="0" lang="de-DE" altLang="de-DE" sz="1000" b="0" i="0" u="none" strike="noStrike" cap="none" normalizeH="0" baseline="0" dirty="0" err="1">
+                <a:ln>
+                  <a:noFill/>
+                </a:ln>
+                <a:solidFill>
+                  <a:srgbClr val="808080"/>
+                </a:solidFill>
+                <a:effectLst/>
+                <a:latin typeface="Fira Code" panose="020B0509050000020004" pitchFamily="49" charset="0"/>
+              </a:rPr>
+              <a:t>device</a:t>
+            </a:r>
+            <a:r>
+              <a:rPr kumimoji="0" lang="de-DE" altLang="de-DE" sz="1000" b="0" i="0" u="none" strike="noStrike" cap="none" normalizeH="0" baseline="0" dirty="0">
+                <a:ln>
+                  <a:noFill/>
+                </a:ln>
+                <a:solidFill>
+                  <a:srgbClr val="808080"/>
+                </a:solidFill>
+                <a:effectLst/>
+                <a:latin typeface="Fira Code" panose="020B0509050000020004" pitchFamily="49" charset="0"/>
+              </a:rPr>
+              <a:t> </a:t>
+            </a:r>
+            <a:r>
+              <a:rPr kumimoji="0" lang="de-DE" altLang="de-DE" sz="1000" b="0" i="0" u="none" strike="noStrike" cap="none" normalizeH="0" baseline="0" dirty="0" err="1">
+                <a:ln>
+                  <a:noFill/>
+                </a:ln>
+                <a:solidFill>
+                  <a:srgbClr val="808080"/>
+                </a:solidFill>
+                <a:effectLst/>
+                <a:latin typeface="Fira Code" panose="020B0509050000020004" pitchFamily="49" charset="0"/>
+              </a:rPr>
+              <a:t>discovery</a:t>
+            </a:r>
+            <a:br>
+              <a:rPr kumimoji="0" lang="de-DE" altLang="de-DE" sz="1000" b="0" i="0" u="none" strike="noStrike" cap="none" normalizeH="0" baseline="0" dirty="0">
+                <a:ln>
+                  <a:noFill/>
+                </a:ln>
+                <a:solidFill>
+                  <a:srgbClr val="808080"/>
+                </a:solidFill>
+                <a:effectLst/>
+                <a:latin typeface="Fira Code" panose="020B0509050000020004" pitchFamily="49" charset="0"/>
+              </a:rPr>
+            </a:br>
+            <a:r>
+              <a:rPr kumimoji="0" lang="de-DE" altLang="de-DE" sz="1000" b="0" i="0" u="none" strike="noStrike" cap="none" normalizeH="0" baseline="0" dirty="0" err="1">
+                <a:ln>
+                  <a:noFill/>
+                </a:ln>
+                <a:solidFill>
+                  <a:srgbClr val="9876AA"/>
+                </a:solidFill>
+                <a:effectLst/>
+                <a:latin typeface="Fira Code" panose="020B0509050000020004" pitchFamily="49" charset="0"/>
+              </a:rPr>
+              <a:t>bluetoothAdapter</a:t>
+            </a:r>
+            <a:r>
+              <a:rPr kumimoji="0" lang="de-DE" altLang="de-DE" sz="1000" b="0" i="0" u="none" strike="noStrike" cap="none" normalizeH="0" baseline="0" dirty="0" err="1">
+                <a:ln>
+                  <a:noFill/>
+                </a:ln>
+                <a:solidFill>
+                  <a:srgbClr val="A9B7C6"/>
+                </a:solidFill>
+                <a:effectLst/>
+                <a:latin typeface="Fira Code" panose="020B0509050000020004" pitchFamily="49" charset="0"/>
+              </a:rPr>
+              <a:t>.startDiscovery</a:t>
+            </a:r>
+            <a:r>
+              <a:rPr kumimoji="0" lang="de-DE" altLang="de-DE" sz="1000" b="0" i="0" u="none" strike="noStrike" cap="none" normalizeH="0" baseline="0" dirty="0">
+                <a:ln>
+                  <a:noFill/>
+                </a:ln>
+                <a:solidFill>
+                  <a:srgbClr val="A9B7C6"/>
+                </a:solidFill>
+                <a:effectLst/>
+                <a:latin typeface="Fira Code" panose="020B0509050000020004" pitchFamily="49" charset="0"/>
+              </a:rPr>
+              <a:t>()</a:t>
+            </a:r>
+            <a:r>
+              <a:rPr kumimoji="0" lang="de-DE" altLang="de-DE" sz="1000" b="0" i="0" u="none" strike="noStrike" cap="none" normalizeH="0" baseline="0" dirty="0">
+                <a:ln>
+                  <a:noFill/>
+                </a:ln>
+                <a:solidFill>
+                  <a:srgbClr val="CC7832"/>
+                </a:solidFill>
+                <a:effectLst/>
+                <a:latin typeface="Fira Code" panose="020B0509050000020004" pitchFamily="49" charset="0"/>
+              </a:rPr>
+              <a:t>;</a:t>
+            </a:r>
+            <a:endParaRPr kumimoji="0" lang="de-DE" altLang="de-DE" sz="1800" b="0" i="0" u="none" strike="noStrike" cap="none" normalizeH="0" baseline="0" dirty="0">
+              <a:ln>
+                <a:noFill/>
+              </a:ln>
+              <a:solidFill>
+                <a:schemeClr val="tx1"/>
+              </a:solidFill>
+              <a:effectLst/>
+              <a:latin typeface="Arial" panose="020B0604020202020204" pitchFamily="34" charset="0"/>
+            </a:endParaRPr>
+          </a:p>
+        </p:txBody>
+      </p:sp>
+      <p:sp>
+        <p:nvSpPr>
+          <p:cNvPr id="9" name="Textfeld 8">
+            <a:extLst>
+              <a:ext uri="{FF2B5EF4-FFF2-40B4-BE49-F238E27FC236}">
+                <a16:creationId xmlns:a16="http://schemas.microsoft.com/office/drawing/2014/main" id="{D15F5F29-E8ED-44A1-BC85-C16D2EC468E6}"/>
+              </a:ext>
+            </a:extLst>
+          </p:cNvPr>
+          <p:cNvSpPr txBox="1"/>
+          <p:nvPr/>
+        </p:nvSpPr>
+        <p:spPr>
+          <a:xfrm>
+            <a:off x="641540" y="1736229"/>
+            <a:ext cx="3014671" cy="369332"/>
+          </a:xfrm>
+          <a:prstGeom prst="rect">
+            <a:avLst/>
+          </a:prstGeom>
+          <a:noFill/>
+        </p:spPr>
+        <p:txBody>
+          <a:bodyPr wrap="none" rtlCol="0">
+            <a:spAutoFit/>
+          </a:bodyPr>
+          <a:lstStyle/>
+          <a:p>
+            <a:r>
+              <a:rPr lang="de-DE" dirty="0"/>
+              <a:t>BLUETOOTH AKTIVIEREN</a:t>
+            </a:r>
+          </a:p>
+        </p:txBody>
+      </p:sp>
+      <p:sp>
+        <p:nvSpPr>
+          <p:cNvPr id="10" name="Textfeld 9">
+            <a:extLst>
+              <a:ext uri="{FF2B5EF4-FFF2-40B4-BE49-F238E27FC236}">
+                <a16:creationId xmlns:a16="http://schemas.microsoft.com/office/drawing/2014/main" id="{4E40DEFD-07A3-4FDF-9869-78CA496C9D7B}"/>
+              </a:ext>
+            </a:extLst>
+          </p:cNvPr>
+          <p:cNvSpPr txBox="1"/>
+          <p:nvPr/>
+        </p:nvSpPr>
+        <p:spPr>
+          <a:xfrm>
+            <a:off x="641539" y="3678754"/>
+            <a:ext cx="2655727" cy="369332"/>
+          </a:xfrm>
+          <a:prstGeom prst="rect">
+            <a:avLst/>
+          </a:prstGeom>
+          <a:noFill/>
+        </p:spPr>
+        <p:txBody>
+          <a:bodyPr wrap="none" rtlCol="0">
+            <a:spAutoFit/>
+          </a:bodyPr>
+          <a:lstStyle/>
+          <a:p>
+            <a:r>
+              <a:rPr lang="de-DE" dirty="0"/>
+              <a:t>DISCOVERY STARTEN</a:t>
+            </a:r>
+          </a:p>
+        </p:txBody>
+      </p:sp>
+      <p:sp>
+        <p:nvSpPr>
+          <p:cNvPr id="11" name="Rectangle 4">
+            <a:extLst>
+              <a:ext uri="{FF2B5EF4-FFF2-40B4-BE49-F238E27FC236}">
+                <a16:creationId xmlns:a16="http://schemas.microsoft.com/office/drawing/2014/main" id="{361585B2-407A-44B2-8882-53C7FA64A5B7}"/>
+              </a:ext>
+            </a:extLst>
+          </p:cNvPr>
+          <p:cNvSpPr>
+            <a:spLocks noChangeArrowheads="1"/>
+          </p:cNvSpPr>
+          <p:nvPr/>
+        </p:nvSpPr>
+        <p:spPr bwMode="auto">
+          <a:xfrm>
+            <a:off x="641539" y="5067282"/>
+            <a:ext cx="6947982" cy="1015663"/>
+          </a:xfrm>
+          <a:prstGeom prst="rect">
+            <a:avLst/>
+          </a:prstGeom>
+          <a:solidFill>
+            <a:srgbClr val="2B2B2B"/>
+          </a:solidFill>
+          <a:ln>
+            <a:noFill/>
+          </a:ln>
+          <a:effectLst/>
+          <a:extLst>
+            <a:ext uri="{91240B29-F687-4F45-9708-019B960494DF}">
+              <a14:hiddenLine xmlns:a14="http://schemas.microsoft.com/office/drawing/2010/main" w="9525">
+                <a:solidFill>
+                  <a:schemeClr val="tx1"/>
+                </a:solidFill>
+                <a:miter lim="800000"/>
+                <a:headEnd/>
+                <a:tailEnd/>
+              </a14:hiddenLine>
+            </a:ext>
+            <a:ext uri="{AF507438-7753-43E0-B8FC-AC1667EBCBE1}">
+              <a14:hiddenEffects xmlns:a14="http://schemas.microsoft.com/office/drawing/2010/main">
+                <a:effectLst>
+                  <a:outerShdw dist="35921" dir="2700000" algn="ctr" rotWithShape="0">
+                    <a:schemeClr val="bg2"/>
+                  </a:outerShdw>
+                </a:effectLst>
+              </a14:hiddenEffects>
+            </a:ext>
+          </a:extLst>
+        </p:spPr>
+        <p:txBody>
+          <a:bodyPr vert="horz" wrap="square" lIns="91440" tIns="45720" rIns="91440" bIns="45720" numCol="1" anchor="ctr" anchorCtr="0" compatLnSpc="1">
+            <a:prstTxWarp prst="textNoShape">
+              <a:avLst/>
+            </a:prstTxWarp>
+            <a:spAutoFit/>
+          </a:bodyPr>
+          <a:lstStyle/>
+          <a:p>
+            <a:pPr marL="0" marR="0" lvl="0" indent="0" algn="l" defTabSz="914400" rtl="0" eaLnBrk="0" fontAlgn="base" latinLnBrk="0" hangingPunct="0">
+              <a:lnSpc>
+                <a:spcPct val="100000"/>
+              </a:lnSpc>
+              <a:spcBef>
+                <a:spcPct val="0"/>
+              </a:spcBef>
+              <a:spcAft>
+                <a:spcPct val="0"/>
+              </a:spcAft>
+              <a:buClrTx/>
+              <a:buSzTx/>
+              <a:buFontTx/>
+              <a:buNone/>
+              <a:tabLst/>
+            </a:pPr>
+            <a:r>
+              <a:rPr kumimoji="0" lang="de-DE" altLang="de-DE" sz="1000" b="0" i="0" u="none" strike="noStrike" cap="none" normalizeH="0" baseline="0" dirty="0" err="1">
+                <a:ln>
+                  <a:noFill/>
+                </a:ln>
+                <a:solidFill>
+                  <a:srgbClr val="CC7832"/>
+                </a:solidFill>
+                <a:effectLst/>
+                <a:latin typeface="Fira Code" panose="020B0509050000020004" pitchFamily="49" charset="0"/>
+              </a:rPr>
+              <a:t>if</a:t>
+            </a:r>
+            <a:r>
+              <a:rPr kumimoji="0" lang="de-DE" altLang="de-DE" sz="1000" b="0" i="0" u="none" strike="noStrike" cap="none" normalizeH="0" baseline="0" dirty="0">
+                <a:ln>
+                  <a:noFill/>
+                </a:ln>
+                <a:solidFill>
+                  <a:srgbClr val="CC7832"/>
+                </a:solidFill>
+                <a:effectLst/>
+                <a:latin typeface="Fira Code" panose="020B0509050000020004" pitchFamily="49" charset="0"/>
+              </a:rPr>
+              <a:t> </a:t>
+            </a:r>
+            <a:r>
+              <a:rPr kumimoji="0" lang="de-DE" altLang="de-DE" sz="1000" b="0" i="0" u="none" strike="noStrike" cap="none" normalizeH="0" baseline="0" dirty="0">
+                <a:ln>
+                  <a:noFill/>
+                </a:ln>
+                <a:solidFill>
+                  <a:srgbClr val="A9B7C6"/>
+                </a:solidFill>
+                <a:effectLst/>
+                <a:latin typeface="Fira Code" panose="020B0509050000020004" pitchFamily="49" charset="0"/>
+              </a:rPr>
+              <a:t>(</a:t>
+            </a:r>
+            <a:r>
+              <a:rPr kumimoji="0" lang="de-DE" altLang="de-DE" sz="1000" b="0" i="0" u="none" strike="noStrike" cap="none" normalizeH="0" baseline="0" dirty="0" err="1">
+                <a:ln>
+                  <a:noFill/>
+                </a:ln>
+                <a:solidFill>
+                  <a:srgbClr val="A9B7C6"/>
+                </a:solidFill>
+                <a:effectLst/>
+                <a:latin typeface="Fira Code" panose="020B0509050000020004" pitchFamily="49" charset="0"/>
+              </a:rPr>
+              <a:t>BluetoothDevice.</a:t>
+            </a:r>
+            <a:r>
+              <a:rPr kumimoji="0" lang="de-DE" altLang="de-DE" sz="1000" b="0" i="1" u="none" strike="noStrike" cap="none" normalizeH="0" baseline="0" dirty="0" err="1">
+                <a:ln>
+                  <a:noFill/>
+                </a:ln>
+                <a:solidFill>
+                  <a:srgbClr val="9876AA"/>
+                </a:solidFill>
+                <a:effectLst/>
+                <a:latin typeface="Fira Code" panose="020B0509050000020004" pitchFamily="49" charset="0"/>
+              </a:rPr>
+              <a:t>ACTION_FOUND</a:t>
+            </a:r>
+            <a:r>
+              <a:rPr kumimoji="0" lang="de-DE" altLang="de-DE" sz="1000" b="0" i="0" u="none" strike="noStrike" cap="none" normalizeH="0" baseline="0" dirty="0" err="1">
+                <a:ln>
+                  <a:noFill/>
+                </a:ln>
+                <a:solidFill>
+                  <a:srgbClr val="A9B7C6"/>
+                </a:solidFill>
+                <a:effectLst/>
+                <a:latin typeface="Fira Code" panose="020B0509050000020004" pitchFamily="49" charset="0"/>
+              </a:rPr>
+              <a:t>.equals</a:t>
+            </a:r>
+            <a:r>
+              <a:rPr kumimoji="0" lang="de-DE" altLang="de-DE" sz="1000" b="0" i="0" u="none" strike="noStrike" cap="none" normalizeH="0" baseline="0" dirty="0">
+                <a:ln>
+                  <a:noFill/>
+                </a:ln>
+                <a:solidFill>
+                  <a:srgbClr val="A9B7C6"/>
+                </a:solidFill>
+                <a:effectLst/>
+                <a:latin typeface="Fira Code" panose="020B0509050000020004" pitchFamily="49" charset="0"/>
+              </a:rPr>
+              <a:t>(</a:t>
+            </a:r>
+            <a:r>
+              <a:rPr kumimoji="0" lang="de-DE" altLang="de-DE" sz="1000" b="0" i="0" u="none" strike="noStrike" cap="none" normalizeH="0" baseline="0" dirty="0" err="1">
+                <a:ln>
+                  <a:noFill/>
+                </a:ln>
+                <a:solidFill>
+                  <a:srgbClr val="A9B7C6"/>
+                </a:solidFill>
+                <a:effectLst/>
+                <a:latin typeface="Fira Code" panose="020B0509050000020004" pitchFamily="49" charset="0"/>
+              </a:rPr>
+              <a:t>action</a:t>
+            </a:r>
+            <a:r>
+              <a:rPr kumimoji="0" lang="de-DE" altLang="de-DE" sz="1000" b="0" i="0" u="none" strike="noStrike" cap="none" normalizeH="0" baseline="0" dirty="0">
+                <a:ln>
+                  <a:noFill/>
+                </a:ln>
+                <a:solidFill>
+                  <a:srgbClr val="A9B7C6"/>
+                </a:solidFill>
+                <a:effectLst/>
+                <a:latin typeface="Fira Code" panose="020B0509050000020004" pitchFamily="49" charset="0"/>
+              </a:rPr>
+              <a:t>)) {</a:t>
+            </a:r>
+            <a:br>
+              <a:rPr kumimoji="0" lang="de-DE" altLang="de-DE" sz="1000" b="0" i="0" u="none" strike="noStrike" cap="none" normalizeH="0" baseline="0" dirty="0">
+                <a:ln>
+                  <a:noFill/>
+                </a:ln>
+                <a:solidFill>
+                  <a:srgbClr val="A9B7C6"/>
+                </a:solidFill>
+                <a:effectLst/>
+                <a:latin typeface="Fira Code" panose="020B0509050000020004" pitchFamily="49" charset="0"/>
+              </a:rPr>
+            </a:br>
+            <a:br>
+              <a:rPr kumimoji="0" lang="de-DE" altLang="de-DE" sz="1000" b="0" i="0" u="none" strike="noStrike" cap="none" normalizeH="0" baseline="0" dirty="0">
+                <a:ln>
+                  <a:noFill/>
+                </a:ln>
+                <a:solidFill>
+                  <a:srgbClr val="A9B7C6"/>
+                </a:solidFill>
+                <a:effectLst/>
+                <a:latin typeface="Fira Code" panose="020B0509050000020004" pitchFamily="49" charset="0"/>
+              </a:rPr>
+            </a:br>
+            <a:r>
+              <a:rPr kumimoji="0" lang="de-DE" altLang="de-DE" sz="1000" b="0" i="0" u="none" strike="noStrike" cap="none" normalizeH="0" baseline="0" dirty="0">
+                <a:ln>
+                  <a:noFill/>
+                </a:ln>
+                <a:solidFill>
+                  <a:srgbClr val="A9B7C6"/>
+                </a:solidFill>
+                <a:effectLst/>
+                <a:latin typeface="Fira Code" panose="020B0509050000020004" pitchFamily="49" charset="0"/>
+              </a:rPr>
+              <a:t>    </a:t>
+            </a:r>
+            <a:r>
+              <a:rPr kumimoji="0" lang="de-DE" altLang="de-DE" sz="1000" b="0" i="0" u="none" strike="noStrike" cap="none" normalizeH="0" baseline="0" dirty="0">
+                <a:ln>
+                  <a:noFill/>
+                </a:ln>
+                <a:solidFill>
+                  <a:srgbClr val="808080"/>
+                </a:solidFill>
+                <a:effectLst/>
+                <a:latin typeface="Fira Code" panose="020B0509050000020004" pitchFamily="49" charset="0"/>
+              </a:rPr>
+              <a:t>// Discovery </a:t>
+            </a:r>
+            <a:r>
+              <a:rPr kumimoji="0" lang="de-DE" altLang="de-DE" sz="1000" b="0" i="0" u="none" strike="noStrike" cap="none" normalizeH="0" baseline="0" dirty="0" err="1">
+                <a:ln>
+                  <a:noFill/>
+                </a:ln>
+                <a:solidFill>
+                  <a:srgbClr val="808080"/>
+                </a:solidFill>
+                <a:effectLst/>
+                <a:latin typeface="Fira Code" panose="020B0509050000020004" pitchFamily="49" charset="0"/>
+              </a:rPr>
+              <a:t>has</a:t>
+            </a:r>
+            <a:r>
+              <a:rPr kumimoji="0" lang="de-DE" altLang="de-DE" sz="1000" b="0" i="0" u="none" strike="noStrike" cap="none" normalizeH="0" baseline="0" dirty="0">
+                <a:ln>
+                  <a:noFill/>
+                </a:ln>
+                <a:solidFill>
+                  <a:srgbClr val="808080"/>
+                </a:solidFill>
+                <a:effectLst/>
+                <a:latin typeface="Fira Code" panose="020B0509050000020004" pitchFamily="49" charset="0"/>
+              </a:rPr>
+              <a:t> </a:t>
+            </a:r>
+            <a:r>
+              <a:rPr kumimoji="0" lang="de-DE" altLang="de-DE" sz="1000" b="0" i="0" u="none" strike="noStrike" cap="none" normalizeH="0" baseline="0" dirty="0" err="1">
+                <a:ln>
+                  <a:noFill/>
+                </a:ln>
+                <a:solidFill>
+                  <a:srgbClr val="808080"/>
+                </a:solidFill>
+                <a:effectLst/>
+                <a:latin typeface="Fira Code" panose="020B0509050000020004" pitchFamily="49" charset="0"/>
+              </a:rPr>
+              <a:t>found</a:t>
+            </a:r>
+            <a:r>
+              <a:rPr kumimoji="0" lang="de-DE" altLang="de-DE" sz="1000" b="0" i="0" u="none" strike="noStrike" cap="none" normalizeH="0" baseline="0" dirty="0">
+                <a:ln>
+                  <a:noFill/>
+                </a:ln>
+                <a:solidFill>
+                  <a:srgbClr val="808080"/>
+                </a:solidFill>
+                <a:effectLst/>
+                <a:latin typeface="Fira Code" panose="020B0509050000020004" pitchFamily="49" charset="0"/>
+              </a:rPr>
+              <a:t> a </a:t>
+            </a:r>
+            <a:r>
+              <a:rPr kumimoji="0" lang="de-DE" altLang="de-DE" sz="1000" b="0" i="0" u="none" strike="noStrike" cap="none" normalizeH="0" baseline="0" dirty="0" err="1">
+                <a:ln>
+                  <a:noFill/>
+                </a:ln>
+                <a:solidFill>
+                  <a:srgbClr val="808080"/>
+                </a:solidFill>
+                <a:effectLst/>
+                <a:latin typeface="Fira Code" panose="020B0509050000020004" pitchFamily="49" charset="0"/>
+              </a:rPr>
+              <a:t>device</a:t>
+            </a:r>
+            <a:r>
+              <a:rPr kumimoji="0" lang="de-DE" altLang="de-DE" sz="1000" b="0" i="0" u="none" strike="noStrike" cap="none" normalizeH="0" baseline="0" dirty="0">
+                <a:ln>
+                  <a:noFill/>
+                </a:ln>
+                <a:solidFill>
+                  <a:srgbClr val="808080"/>
+                </a:solidFill>
+                <a:effectLst/>
+                <a:latin typeface="Fira Code" panose="020B0509050000020004" pitchFamily="49" charset="0"/>
+              </a:rPr>
+              <a:t>. </a:t>
+            </a:r>
+            <a:r>
+              <a:rPr kumimoji="0" lang="de-DE" altLang="de-DE" sz="1000" b="0" i="0" u="none" strike="noStrike" cap="none" normalizeH="0" baseline="0" dirty="0" err="1">
+                <a:ln>
+                  <a:noFill/>
+                </a:ln>
+                <a:solidFill>
+                  <a:srgbClr val="808080"/>
+                </a:solidFill>
+                <a:effectLst/>
+                <a:latin typeface="Fira Code" panose="020B0509050000020004" pitchFamily="49" charset="0"/>
+              </a:rPr>
+              <a:t>Get</a:t>
+            </a:r>
+            <a:r>
+              <a:rPr kumimoji="0" lang="de-DE" altLang="de-DE" sz="1000" b="0" i="0" u="none" strike="noStrike" cap="none" normalizeH="0" baseline="0" dirty="0">
+                <a:ln>
+                  <a:noFill/>
+                </a:ln>
+                <a:solidFill>
+                  <a:srgbClr val="808080"/>
+                </a:solidFill>
+                <a:effectLst/>
+                <a:latin typeface="Fira Code" panose="020B0509050000020004" pitchFamily="49" charset="0"/>
+              </a:rPr>
+              <a:t> </a:t>
+            </a:r>
+            <a:r>
+              <a:rPr kumimoji="0" lang="de-DE" altLang="de-DE" sz="1000" b="0" i="0" u="none" strike="noStrike" cap="none" normalizeH="0" baseline="0" dirty="0" err="1">
+                <a:ln>
+                  <a:noFill/>
+                </a:ln>
+                <a:solidFill>
+                  <a:srgbClr val="808080"/>
+                </a:solidFill>
+                <a:effectLst/>
+                <a:latin typeface="Fira Code" panose="020B0509050000020004" pitchFamily="49" charset="0"/>
+              </a:rPr>
+              <a:t>the</a:t>
+            </a:r>
+            <a:r>
+              <a:rPr kumimoji="0" lang="de-DE" altLang="de-DE" sz="1000" b="0" i="0" u="none" strike="noStrike" cap="none" normalizeH="0" baseline="0" dirty="0">
+                <a:ln>
+                  <a:noFill/>
+                </a:ln>
+                <a:solidFill>
+                  <a:srgbClr val="808080"/>
+                </a:solidFill>
+                <a:effectLst/>
+                <a:latin typeface="Fira Code" panose="020B0509050000020004" pitchFamily="49" charset="0"/>
+              </a:rPr>
+              <a:t> </a:t>
+            </a:r>
+            <a:r>
+              <a:rPr kumimoji="0" lang="de-DE" altLang="de-DE" sz="1000" b="0" i="0" u="none" strike="noStrike" cap="none" normalizeH="0" baseline="0" dirty="0" err="1">
+                <a:ln>
+                  <a:noFill/>
+                </a:ln>
+                <a:solidFill>
+                  <a:srgbClr val="808080"/>
+                </a:solidFill>
+                <a:effectLst/>
+                <a:latin typeface="Fira Code" panose="020B0509050000020004" pitchFamily="49" charset="0"/>
+              </a:rPr>
+              <a:t>BluetoothDevice</a:t>
+            </a:r>
+            <a:br>
+              <a:rPr kumimoji="0" lang="de-DE" altLang="de-DE" sz="1000" b="0" i="0" u="none" strike="noStrike" cap="none" normalizeH="0" baseline="0" dirty="0">
+                <a:ln>
+                  <a:noFill/>
+                </a:ln>
+                <a:solidFill>
+                  <a:srgbClr val="808080"/>
+                </a:solidFill>
+                <a:effectLst/>
+                <a:latin typeface="Fira Code" panose="020B0509050000020004" pitchFamily="49" charset="0"/>
+              </a:rPr>
+            </a:br>
+            <a:r>
+              <a:rPr kumimoji="0" lang="de-DE" altLang="de-DE" sz="1000" b="0" i="0" u="none" strike="noStrike" cap="none" normalizeH="0" baseline="0" dirty="0">
+                <a:ln>
+                  <a:noFill/>
+                </a:ln>
+                <a:solidFill>
+                  <a:srgbClr val="808080"/>
+                </a:solidFill>
+                <a:effectLst/>
+                <a:latin typeface="Fira Code" panose="020B0509050000020004" pitchFamily="49" charset="0"/>
+              </a:rPr>
+              <a:t>    // </a:t>
+            </a:r>
+            <a:r>
+              <a:rPr kumimoji="0" lang="de-DE" altLang="de-DE" sz="1000" b="0" i="0" u="none" strike="noStrike" cap="none" normalizeH="0" baseline="0" dirty="0" err="1">
+                <a:ln>
+                  <a:noFill/>
+                </a:ln>
+                <a:solidFill>
+                  <a:srgbClr val="808080"/>
+                </a:solidFill>
+                <a:effectLst/>
+                <a:latin typeface="Fira Code" panose="020B0509050000020004" pitchFamily="49" charset="0"/>
+              </a:rPr>
+              <a:t>object</a:t>
+            </a:r>
+            <a:r>
+              <a:rPr kumimoji="0" lang="de-DE" altLang="de-DE" sz="1000" b="0" i="0" u="none" strike="noStrike" cap="none" normalizeH="0" baseline="0" dirty="0">
+                <a:ln>
+                  <a:noFill/>
+                </a:ln>
+                <a:solidFill>
+                  <a:srgbClr val="808080"/>
+                </a:solidFill>
+                <a:effectLst/>
+                <a:latin typeface="Fira Code" panose="020B0509050000020004" pitchFamily="49" charset="0"/>
+              </a:rPr>
+              <a:t> and </a:t>
+            </a:r>
+            <a:r>
+              <a:rPr kumimoji="0" lang="de-DE" altLang="de-DE" sz="1000" b="0" i="0" u="none" strike="noStrike" cap="none" normalizeH="0" baseline="0" dirty="0" err="1">
+                <a:ln>
+                  <a:noFill/>
+                </a:ln>
+                <a:solidFill>
+                  <a:srgbClr val="808080"/>
+                </a:solidFill>
+                <a:effectLst/>
+                <a:latin typeface="Fira Code" panose="020B0509050000020004" pitchFamily="49" charset="0"/>
+              </a:rPr>
+              <a:t>its</a:t>
+            </a:r>
+            <a:r>
+              <a:rPr kumimoji="0" lang="de-DE" altLang="de-DE" sz="1000" b="0" i="0" u="none" strike="noStrike" cap="none" normalizeH="0" baseline="0" dirty="0">
+                <a:ln>
+                  <a:noFill/>
+                </a:ln>
+                <a:solidFill>
+                  <a:srgbClr val="808080"/>
+                </a:solidFill>
+                <a:effectLst/>
+                <a:latin typeface="Fira Code" panose="020B0509050000020004" pitchFamily="49" charset="0"/>
+              </a:rPr>
+              <a:t> </a:t>
+            </a:r>
+            <a:r>
+              <a:rPr kumimoji="0" lang="de-DE" altLang="de-DE" sz="1000" b="0" i="0" u="none" strike="noStrike" cap="none" normalizeH="0" baseline="0" dirty="0" err="1">
+                <a:ln>
+                  <a:noFill/>
+                </a:ln>
+                <a:solidFill>
+                  <a:srgbClr val="808080"/>
+                </a:solidFill>
+                <a:effectLst/>
+                <a:latin typeface="Fira Code" panose="020B0509050000020004" pitchFamily="49" charset="0"/>
+              </a:rPr>
+              <a:t>info</a:t>
+            </a:r>
+            <a:r>
+              <a:rPr kumimoji="0" lang="de-DE" altLang="de-DE" sz="1000" b="0" i="0" u="none" strike="noStrike" cap="none" normalizeH="0" baseline="0" dirty="0">
+                <a:ln>
+                  <a:noFill/>
+                </a:ln>
+                <a:solidFill>
+                  <a:srgbClr val="808080"/>
+                </a:solidFill>
+                <a:effectLst/>
+                <a:latin typeface="Fira Code" panose="020B0509050000020004" pitchFamily="49" charset="0"/>
+              </a:rPr>
+              <a:t> </a:t>
+            </a:r>
+            <a:r>
+              <a:rPr kumimoji="0" lang="de-DE" altLang="de-DE" sz="1000" b="0" i="0" u="none" strike="noStrike" cap="none" normalizeH="0" baseline="0" dirty="0" err="1">
+                <a:ln>
+                  <a:noFill/>
+                </a:ln>
+                <a:solidFill>
+                  <a:srgbClr val="808080"/>
+                </a:solidFill>
+                <a:effectLst/>
+                <a:latin typeface="Fira Code" panose="020B0509050000020004" pitchFamily="49" charset="0"/>
+              </a:rPr>
+              <a:t>from</a:t>
+            </a:r>
+            <a:r>
+              <a:rPr kumimoji="0" lang="de-DE" altLang="de-DE" sz="1000" b="0" i="0" u="none" strike="noStrike" cap="none" normalizeH="0" baseline="0" dirty="0">
+                <a:ln>
+                  <a:noFill/>
+                </a:ln>
+                <a:solidFill>
+                  <a:srgbClr val="808080"/>
+                </a:solidFill>
+                <a:effectLst/>
+                <a:latin typeface="Fira Code" panose="020B0509050000020004" pitchFamily="49" charset="0"/>
+              </a:rPr>
+              <a:t> </a:t>
+            </a:r>
+            <a:r>
+              <a:rPr kumimoji="0" lang="de-DE" altLang="de-DE" sz="1000" b="0" i="0" u="none" strike="noStrike" cap="none" normalizeH="0" baseline="0" dirty="0" err="1">
+                <a:ln>
+                  <a:noFill/>
+                </a:ln>
+                <a:solidFill>
+                  <a:srgbClr val="808080"/>
+                </a:solidFill>
+                <a:effectLst/>
+                <a:latin typeface="Fira Code" panose="020B0509050000020004" pitchFamily="49" charset="0"/>
+              </a:rPr>
+              <a:t>the</a:t>
+            </a:r>
+            <a:r>
+              <a:rPr kumimoji="0" lang="de-DE" altLang="de-DE" sz="1000" b="0" i="0" u="none" strike="noStrike" cap="none" normalizeH="0" baseline="0" dirty="0">
+                <a:ln>
+                  <a:noFill/>
+                </a:ln>
+                <a:solidFill>
+                  <a:srgbClr val="808080"/>
+                </a:solidFill>
+                <a:effectLst/>
+                <a:latin typeface="Fira Code" panose="020B0509050000020004" pitchFamily="49" charset="0"/>
+              </a:rPr>
+              <a:t> </a:t>
+            </a:r>
+            <a:r>
+              <a:rPr kumimoji="0" lang="de-DE" altLang="de-DE" sz="1000" b="0" i="0" u="none" strike="noStrike" cap="none" normalizeH="0" baseline="0" dirty="0" err="1">
+                <a:ln>
+                  <a:noFill/>
+                </a:ln>
+                <a:solidFill>
+                  <a:srgbClr val="808080"/>
+                </a:solidFill>
+                <a:effectLst/>
+                <a:latin typeface="Fira Code" panose="020B0509050000020004" pitchFamily="49" charset="0"/>
+              </a:rPr>
+              <a:t>Intent</a:t>
+            </a:r>
+            <a:r>
+              <a:rPr kumimoji="0" lang="de-DE" altLang="de-DE" sz="1000" b="0" i="0" u="none" strike="noStrike" cap="none" normalizeH="0" baseline="0" dirty="0">
+                <a:ln>
+                  <a:noFill/>
+                </a:ln>
+                <a:solidFill>
+                  <a:srgbClr val="808080"/>
+                </a:solidFill>
+                <a:effectLst/>
+                <a:latin typeface="Fira Code" panose="020B0509050000020004" pitchFamily="49" charset="0"/>
+              </a:rPr>
+              <a:t>.</a:t>
+            </a:r>
+            <a:br>
+              <a:rPr kumimoji="0" lang="de-DE" altLang="de-DE" sz="1000" b="0" i="0" u="none" strike="noStrike" cap="none" normalizeH="0" baseline="0" dirty="0">
+                <a:ln>
+                  <a:noFill/>
+                </a:ln>
+                <a:solidFill>
+                  <a:srgbClr val="808080"/>
+                </a:solidFill>
+                <a:effectLst/>
+                <a:latin typeface="Fira Code" panose="020B0509050000020004" pitchFamily="49" charset="0"/>
+              </a:rPr>
+            </a:br>
+            <a:r>
+              <a:rPr kumimoji="0" lang="de-DE" altLang="de-DE" sz="1000" b="0" i="0" u="none" strike="noStrike" cap="none" normalizeH="0" baseline="0" dirty="0">
+                <a:ln>
+                  <a:noFill/>
+                </a:ln>
+                <a:solidFill>
+                  <a:srgbClr val="808080"/>
+                </a:solidFill>
+                <a:effectLst/>
+                <a:latin typeface="Fira Code" panose="020B0509050000020004" pitchFamily="49" charset="0"/>
+              </a:rPr>
+              <a:t>    </a:t>
+            </a:r>
+            <a:r>
+              <a:rPr kumimoji="0" lang="de-DE" altLang="de-DE" sz="1000" b="0" i="0" u="none" strike="noStrike" cap="none" normalizeH="0" baseline="0" dirty="0" err="1">
+                <a:ln>
+                  <a:noFill/>
+                </a:ln>
+                <a:solidFill>
+                  <a:srgbClr val="A9B7C6"/>
+                </a:solidFill>
+                <a:effectLst/>
+                <a:latin typeface="Fira Code" panose="020B0509050000020004" pitchFamily="49" charset="0"/>
+              </a:rPr>
+              <a:t>BluetoothDevice</a:t>
+            </a:r>
+            <a:r>
+              <a:rPr kumimoji="0" lang="de-DE" altLang="de-DE" sz="1000" b="0" i="0" u="none" strike="noStrike" cap="none" normalizeH="0" baseline="0" dirty="0">
+                <a:ln>
+                  <a:noFill/>
+                </a:ln>
+                <a:solidFill>
+                  <a:srgbClr val="A9B7C6"/>
+                </a:solidFill>
+                <a:effectLst/>
+                <a:latin typeface="Fira Code" panose="020B0509050000020004" pitchFamily="49" charset="0"/>
+              </a:rPr>
+              <a:t> </a:t>
+            </a:r>
+            <a:r>
+              <a:rPr kumimoji="0" lang="de-DE" altLang="de-DE" sz="1000" b="0" i="0" u="none" strike="noStrike" cap="none" normalizeH="0" baseline="0" dirty="0" err="1">
+                <a:ln>
+                  <a:noFill/>
+                </a:ln>
+                <a:solidFill>
+                  <a:srgbClr val="A9B7C6"/>
+                </a:solidFill>
+                <a:effectLst/>
+                <a:latin typeface="Fira Code" panose="020B0509050000020004" pitchFamily="49" charset="0"/>
+              </a:rPr>
+              <a:t>device</a:t>
+            </a:r>
+            <a:r>
+              <a:rPr kumimoji="0" lang="de-DE" altLang="de-DE" sz="1000" b="0" i="0" u="none" strike="noStrike" cap="none" normalizeH="0" baseline="0" dirty="0">
+                <a:ln>
+                  <a:noFill/>
+                </a:ln>
+                <a:solidFill>
+                  <a:srgbClr val="A9B7C6"/>
+                </a:solidFill>
+                <a:effectLst/>
+                <a:latin typeface="Fira Code" panose="020B0509050000020004" pitchFamily="49" charset="0"/>
+              </a:rPr>
+              <a:t> = </a:t>
+            </a:r>
+            <a:r>
+              <a:rPr kumimoji="0" lang="de-DE" altLang="de-DE" sz="1000" b="0" i="0" u="none" strike="noStrike" cap="none" normalizeH="0" baseline="0" dirty="0" err="1">
+                <a:ln>
+                  <a:noFill/>
+                </a:ln>
+                <a:solidFill>
+                  <a:srgbClr val="A9B7C6"/>
+                </a:solidFill>
+                <a:effectLst/>
+                <a:latin typeface="Fira Code" panose="020B0509050000020004" pitchFamily="49" charset="0"/>
+              </a:rPr>
+              <a:t>Intent.getParcelableExtra</a:t>
+            </a:r>
+            <a:r>
+              <a:rPr kumimoji="0" lang="de-DE" altLang="de-DE" sz="1000" b="0" i="0" u="none" strike="noStrike" cap="none" normalizeH="0" baseline="0" dirty="0">
+                <a:ln>
+                  <a:noFill/>
+                </a:ln>
+                <a:solidFill>
+                  <a:srgbClr val="A9B7C6"/>
+                </a:solidFill>
+                <a:effectLst/>
+                <a:latin typeface="Fira Code" panose="020B0509050000020004" pitchFamily="49" charset="0"/>
+              </a:rPr>
+              <a:t>(</a:t>
+            </a:r>
+            <a:r>
+              <a:rPr kumimoji="0" lang="de-DE" altLang="de-DE" sz="1000" b="0" i="0" u="none" strike="noStrike" cap="none" normalizeH="0" baseline="0" dirty="0" err="1">
+                <a:ln>
+                  <a:noFill/>
+                </a:ln>
+                <a:solidFill>
+                  <a:srgbClr val="A9B7C6"/>
+                </a:solidFill>
+                <a:effectLst/>
+                <a:latin typeface="Fira Code" panose="020B0509050000020004" pitchFamily="49" charset="0"/>
+              </a:rPr>
+              <a:t>BluetoothDevice.</a:t>
+            </a:r>
+            <a:r>
+              <a:rPr kumimoji="0" lang="de-DE" altLang="de-DE" sz="1000" b="0" i="1" u="none" strike="noStrike" cap="none" normalizeH="0" baseline="0" dirty="0" err="1">
+                <a:ln>
+                  <a:noFill/>
+                </a:ln>
+                <a:solidFill>
+                  <a:srgbClr val="9876AA"/>
+                </a:solidFill>
+                <a:effectLst/>
+                <a:latin typeface="Fira Code" panose="020B0509050000020004" pitchFamily="49" charset="0"/>
+              </a:rPr>
+              <a:t>EXTRA_DEVICE</a:t>
+            </a:r>
+            <a:r>
+              <a:rPr kumimoji="0" lang="de-DE" altLang="de-DE" sz="1000" b="0" i="0" u="none" strike="noStrike" cap="none" normalizeH="0" baseline="0" dirty="0">
+                <a:ln>
+                  <a:noFill/>
+                </a:ln>
+                <a:solidFill>
+                  <a:srgbClr val="A9B7C6"/>
+                </a:solidFill>
+                <a:effectLst/>
+                <a:latin typeface="Fira Code" panose="020B0509050000020004" pitchFamily="49" charset="0"/>
+              </a:rPr>
+              <a:t>)</a:t>
+            </a:r>
+            <a:r>
+              <a:rPr kumimoji="0" lang="de-DE" altLang="de-DE" sz="1000" b="0" i="0" u="none" strike="noStrike" cap="none" normalizeH="0" baseline="0" dirty="0">
+                <a:ln>
+                  <a:noFill/>
+                </a:ln>
+                <a:solidFill>
+                  <a:srgbClr val="CC7832"/>
+                </a:solidFill>
+                <a:effectLst/>
+                <a:latin typeface="Fira Code" panose="020B0509050000020004" pitchFamily="49" charset="0"/>
+              </a:rPr>
+              <a:t>;</a:t>
+            </a:r>
+            <a:br>
+              <a:rPr kumimoji="0" lang="de-DE" altLang="de-DE" sz="1000" b="0" i="0" u="none" strike="noStrike" cap="none" normalizeH="0" baseline="0" dirty="0">
+                <a:ln>
+                  <a:noFill/>
+                </a:ln>
+                <a:solidFill>
+                  <a:srgbClr val="CC7832"/>
+                </a:solidFill>
+                <a:effectLst/>
+                <a:latin typeface="Fira Code" panose="020B0509050000020004" pitchFamily="49" charset="0"/>
+              </a:rPr>
+            </a:br>
+            <a:r>
+              <a:rPr kumimoji="0" lang="de-DE" altLang="de-DE" sz="1000" b="0" i="0" u="none" strike="noStrike" cap="none" normalizeH="0" baseline="0" dirty="0">
+                <a:ln>
+                  <a:noFill/>
+                </a:ln>
+                <a:solidFill>
+                  <a:srgbClr val="A9B7C6"/>
+                </a:solidFill>
+                <a:effectLst/>
+                <a:latin typeface="Fira Code" panose="020B0509050000020004" pitchFamily="49" charset="0"/>
+              </a:rPr>
+              <a:t>}</a:t>
+            </a:r>
+            <a:endParaRPr kumimoji="0" lang="de-DE" altLang="de-DE" sz="1800" b="0" i="0" u="none" strike="noStrike" cap="none" normalizeH="0" baseline="0" dirty="0">
+              <a:ln>
+                <a:noFill/>
+              </a:ln>
+              <a:solidFill>
+                <a:schemeClr val="tx1"/>
+              </a:solidFill>
+              <a:effectLst/>
+              <a:latin typeface="Arial" panose="020B0604020202020204" pitchFamily="34" charset="0"/>
+            </a:endParaRPr>
+          </a:p>
+        </p:txBody>
+      </p:sp>
+      <p:sp>
+        <p:nvSpPr>
+          <p:cNvPr id="12" name="Textfeld 11">
+            <a:extLst>
+              <a:ext uri="{FF2B5EF4-FFF2-40B4-BE49-F238E27FC236}">
+                <a16:creationId xmlns:a16="http://schemas.microsoft.com/office/drawing/2014/main" id="{BAB23E02-9D03-4122-B86E-8E592F148626}"/>
+              </a:ext>
+            </a:extLst>
+          </p:cNvPr>
+          <p:cNvSpPr txBox="1"/>
+          <p:nvPr/>
+        </p:nvSpPr>
+        <p:spPr>
+          <a:xfrm>
+            <a:off x="641539" y="4697950"/>
+            <a:ext cx="2646878" cy="369332"/>
+          </a:xfrm>
+          <a:prstGeom prst="rect">
+            <a:avLst/>
+          </a:prstGeom>
+          <a:noFill/>
+        </p:spPr>
+        <p:txBody>
+          <a:bodyPr wrap="none" rtlCol="0">
+            <a:spAutoFit/>
+          </a:bodyPr>
+          <a:lstStyle/>
+          <a:p>
+            <a:r>
+              <a:rPr lang="de-DE" dirty="0"/>
+              <a:t>GEFUNDENE GERÄTE</a:t>
+            </a:r>
           </a:p>
         </p:txBody>
       </p:sp>

--- a/Bluetooth.pptx
+++ b/Bluetooth.pptx
@@ -208,7 +208,7 @@
           <a:p>
             <a:fld id="{BE9B5123-C3A1-4C7D-BA5D-224590463DE9}" type="datetimeFigureOut">
               <a:rPr lang="de-DE" smtClean="0"/>
-              <a:t>15.03.2018</a:t>
+              <a:t>16.03.2018</a:t>
             </a:fld>
             <a:endParaRPr lang="de-DE"/>
           </a:p>
@@ -553,8 +553,8 @@
               <a:buNone/>
               <a:defRPr sz="2100">
                 <a:solidFill>
-                  <a:schemeClr val="bg2">
-                    <a:lumMod val="75000"/>
+                  <a:schemeClr val="bg1">
+                    <a:lumMod val="95000"/>
                   </a:schemeClr>
                 </a:solidFill>
               </a:defRPr>
@@ -642,7 +642,7 @@
           </a:lstStyle>
           <a:p>
             <a:r>
-              <a:rPr lang="de-DE"/>
+              <a:rPr lang="de-DE" dirty="0"/>
               <a:t>Master-Untertitelformat bearbeiten</a:t>
             </a:r>
             <a:endParaRPr lang="en-US" dirty="0"/>
@@ -662,11 +662,22 @@
         <p:spPr/>
         <p:txBody>
           <a:bodyPr/>
-          <a:lstStyle/>
+          <a:lstStyle>
+            <a:lvl1pPr>
+              <a:defRPr>
+                <a:solidFill>
+                  <a:schemeClr val="bg1">
+                    <a:lumMod val="95000"/>
+                  </a:schemeClr>
+                </a:solidFill>
+              </a:defRPr>
+            </a:lvl1pPr>
+          </a:lstStyle>
           <a:p>
             <a:fld id="{1BF20D6E-4C45-4653-A141-21CFF5DC93A7}" type="datetime1">
               <a:rPr lang="en-US" smtClean="0"/>
-              <a:t>3/15/2018</a:t>
+              <a:pPr/>
+              <a:t>3/16/2018</a:t>
             </a:fld>
             <a:endParaRPr lang="en-US" dirty="0"/>
           </a:p>
@@ -685,7 +696,17 @@
         <p:spPr/>
         <p:txBody>
           <a:bodyPr/>
-          <a:lstStyle/>
+          <a:lstStyle>
+            <a:lvl1pPr>
+              <a:defRPr>
+                <a:solidFill>
+                  <a:schemeClr val="bg1">
+                    <a:lumMod val="95000"/>
+                  </a:schemeClr>
+                </a:solidFill>
+              </a:defRPr>
+            </a:lvl1pPr>
+          </a:lstStyle>
           <a:p>
             <a:endParaRPr lang="en-US" dirty="0"/>
           </a:p>
@@ -704,10 +725,21 @@
         <p:spPr/>
         <p:txBody>
           <a:bodyPr/>
-          <a:lstStyle/>
+          <a:lstStyle>
+            <a:lvl1pPr>
+              <a:defRPr>
+                <a:solidFill>
+                  <a:schemeClr val="bg1">
+                    <a:lumMod val="95000"/>
+                  </a:schemeClr>
+                </a:solidFill>
+              </a:defRPr>
+            </a:lvl1pPr>
+          </a:lstStyle>
           <a:p>
             <a:fld id="{6D22F896-40B5-4ADD-8801-0D06FADFA095}" type="slidenum">
               <a:rPr lang="en-US" smtClean="0"/>
+              <a:pPr/>
               <a:t>‹Nr.›</a:t>
             </a:fld>
             <a:endParaRPr lang="en-US" dirty="0"/>
@@ -1102,7 +1134,7 @@
           <a:p>
             <a:fld id="{C4936075-2E5B-4F34-9AC4-D45123CD2369}" type="datetime1">
               <a:rPr lang="en-US" smtClean="0"/>
-              <a:t>3/15/2018</a:t>
+              <a:t>3/16/2018</a:t>
             </a:fld>
             <a:endParaRPr lang="en-US" dirty="0"/>
           </a:p>
@@ -1352,7 +1384,7 @@
           <a:p>
             <a:fld id="{35E88079-3EA2-4CF5-9B78-285CE411AF62}" type="datetime1">
               <a:rPr lang="en-US" smtClean="0"/>
-              <a:t>3/15/2018</a:t>
+              <a:t>3/16/2018</a:t>
             </a:fld>
             <a:endParaRPr lang="en-US" dirty="0"/>
           </a:p>
@@ -1660,7 +1692,7 @@
           <a:p>
             <a:fld id="{A645D793-785C-444F-A557-8F6D1441E2BD}" type="datetime1">
               <a:rPr lang="en-US" smtClean="0"/>
-              <a:t>3/15/2018</a:t>
+              <a:t>3/16/2018</a:t>
             </a:fld>
             <a:endParaRPr lang="en-US" dirty="0"/>
           </a:p>
@@ -1978,7 +2010,7 @@
           <a:p>
             <a:fld id="{050BBC5B-6C1B-468B-8025-D0A5DDABE1A3}" type="datetime1">
               <a:rPr lang="en-US" smtClean="0"/>
-              <a:t>3/15/2018</a:t>
+              <a:t>3/16/2018</a:t>
             </a:fld>
             <a:endParaRPr lang="en-US" dirty="0"/>
           </a:p>
@@ -2280,7 +2312,7 @@
           <a:p>
             <a:fld id="{477D4A2F-1AE4-4ACE-A7BA-B75467E9119B}" type="datetime1">
               <a:rPr lang="en-US" smtClean="0"/>
-              <a:t>3/15/2018</a:t>
+              <a:t>3/16/2018</a:t>
             </a:fld>
             <a:endParaRPr lang="en-US" dirty="0"/>
           </a:p>
@@ -2648,7 +2680,7 @@
           <a:p>
             <a:fld id="{AC553520-92E4-430C-AC04-823E53164558}" type="datetime1">
               <a:rPr lang="en-US" smtClean="0"/>
-              <a:t>3/15/2018</a:t>
+              <a:t>3/16/2018</a:t>
             </a:fld>
             <a:endParaRPr lang="en-US" dirty="0"/>
           </a:p>
@@ -2823,7 +2855,7 @@
           <a:p>
             <a:fld id="{CD8B5A7A-C197-49C7-A2D2-F969D0E1CD78}" type="datetime1">
               <a:rPr lang="en-US" smtClean="0"/>
-              <a:t>3/15/2018</a:t>
+              <a:t>3/16/2018</a:t>
             </a:fld>
             <a:endParaRPr lang="en-US" dirty="0"/>
           </a:p>
@@ -3003,7 +3035,7 @@
           <a:p>
             <a:fld id="{86D92DDD-FA81-49B4-8F20-BA63554D4CC0}" type="datetime1">
               <a:rPr lang="en-US" smtClean="0"/>
-              <a:t>3/15/2018</a:t>
+              <a:t>3/16/2018</a:t>
             </a:fld>
             <a:endParaRPr lang="en-US" dirty="0"/>
           </a:p>
@@ -3179,11 +3211,22 @@
         <p:spPr/>
         <p:txBody>
           <a:bodyPr/>
-          <a:lstStyle/>
+          <a:lstStyle>
+            <a:lvl1pPr>
+              <a:defRPr>
+                <a:solidFill>
+                  <a:schemeClr val="bg1">
+                    <a:lumMod val="95000"/>
+                  </a:schemeClr>
+                </a:solidFill>
+              </a:defRPr>
+            </a:lvl1pPr>
+          </a:lstStyle>
           <a:p>
             <a:fld id="{B22BF135-27AD-4130-BE64-C1C5A87E4595}" type="datetime1">
               <a:rPr lang="en-US" smtClean="0"/>
-              <a:t>3/15/2018</a:t>
+              <a:pPr/>
+              <a:t>3/16/2018</a:t>
             </a:fld>
             <a:endParaRPr lang="en-US" dirty="0"/>
           </a:p>
@@ -3202,7 +3245,17 @@
         <p:spPr/>
         <p:txBody>
           <a:bodyPr/>
-          <a:lstStyle/>
+          <a:lstStyle>
+            <a:lvl1pPr>
+              <a:defRPr>
+                <a:solidFill>
+                  <a:schemeClr val="bg1">
+                    <a:lumMod val="95000"/>
+                  </a:schemeClr>
+                </a:solidFill>
+              </a:defRPr>
+            </a:lvl1pPr>
+          </a:lstStyle>
           <a:p>
             <a:endParaRPr lang="en-US" dirty="0"/>
           </a:p>
@@ -3221,10 +3274,21 @@
         <p:spPr/>
         <p:txBody>
           <a:bodyPr/>
-          <a:lstStyle/>
+          <a:lstStyle>
+            <a:lvl1pPr>
+              <a:defRPr>
+                <a:solidFill>
+                  <a:schemeClr val="bg1">
+                    <a:lumMod val="95000"/>
+                  </a:schemeClr>
+                </a:solidFill>
+              </a:defRPr>
+            </a:lvl1pPr>
+          </a:lstStyle>
           <a:p>
             <a:fld id="{6D22F896-40B5-4ADD-8801-0D06FADFA095}" type="slidenum">
               <a:rPr lang="en-US" smtClean="0"/>
+              <a:pPr/>
               <a:t>‹Nr.›</a:t>
             </a:fld>
             <a:endParaRPr lang="en-US" dirty="0"/>
@@ -3433,7 +3497,7 @@
           <a:p>
             <a:fld id="{D0559C68-4E19-482D-A3E8-C524A44B2D2A}" type="datetime1">
               <a:rPr lang="en-US" smtClean="0"/>
-              <a:t>3/15/2018</a:t>
+              <a:t>3/16/2018</a:t>
             </a:fld>
             <a:endParaRPr lang="en-US" dirty="0"/>
           </a:p>
@@ -3669,7 +3733,7 @@
           <a:p>
             <a:fld id="{9DC8C8AF-EF40-43C9-B190-31A20DDAFC9D}" type="datetime1">
               <a:rPr lang="en-US" smtClean="0"/>
-              <a:t>3/15/2018</a:t>
+              <a:t>3/16/2018</a:t>
             </a:fld>
             <a:endParaRPr lang="en-US" dirty="0"/>
           </a:p>
@@ -4051,7 +4115,7 @@
           <a:p>
             <a:fld id="{B8BFBB56-D737-465C-9913-986823788921}" type="datetime1">
               <a:rPr lang="en-US" smtClean="0"/>
-              <a:t>3/15/2018</a:t>
+              <a:t>3/16/2018</a:t>
             </a:fld>
             <a:endParaRPr lang="en-US" dirty="0"/>
           </a:p>
@@ -4169,7 +4233,7 @@
           <a:p>
             <a:fld id="{C4FD5641-21C2-4AD2-B014-F7F701A7F2ED}" type="datetime1">
               <a:rPr lang="en-US" smtClean="0"/>
-              <a:t>3/15/2018</a:t>
+              <a:t>3/16/2018</a:t>
             </a:fld>
             <a:endParaRPr lang="en-US" dirty="0"/>
           </a:p>
@@ -4264,7 +4328,7 @@
           <a:p>
             <a:fld id="{8CE236EC-E138-40D1-B240-925689E6A35B}" type="datetime1">
               <a:rPr lang="en-US" smtClean="0"/>
-              <a:t>3/15/2018</a:t>
+              <a:t>3/16/2018</a:t>
             </a:fld>
             <a:endParaRPr lang="en-US" dirty="0"/>
           </a:p>
@@ -4519,7 +4583,7 @@
           <a:p>
             <a:fld id="{A3C82D56-CE1F-4E2F-B942-BA6734559025}" type="datetime1">
               <a:rPr lang="en-US" smtClean="0"/>
-              <a:t>3/15/2018</a:t>
+              <a:t>3/16/2018</a:t>
             </a:fld>
             <a:endParaRPr lang="en-US" dirty="0"/>
           </a:p>
@@ -4802,7 +4866,7 @@
           <a:p>
             <a:fld id="{55C68B1B-0389-48CA-9E80-056CAE606B0D}" type="datetime1">
               <a:rPr lang="en-US" smtClean="0"/>
-              <a:t>3/15/2018</a:t>
+              <a:t>3/16/2018</a:t>
             </a:fld>
             <a:endParaRPr lang="en-US" dirty="0"/>
           </a:p>
@@ -5136,35 +5200,35 @@
           <a:p>
             <a:pPr lvl="0"/>
             <a:r>
-              <a:rPr lang="de-DE"/>
+              <a:rPr lang="de-DE" dirty="0"/>
               <a:t>Mastertextformat bearbeiten</a:t>
             </a:r>
           </a:p>
           <a:p>
             <a:pPr lvl="1"/>
             <a:r>
-              <a:rPr lang="de-DE"/>
+              <a:rPr lang="de-DE" dirty="0"/>
               <a:t>Zweite Ebene</a:t>
             </a:r>
           </a:p>
           <a:p>
             <a:pPr lvl="2"/>
             <a:r>
-              <a:rPr lang="de-DE"/>
+              <a:rPr lang="de-DE" dirty="0"/>
               <a:t>Dritte Ebene</a:t>
             </a:r>
           </a:p>
           <a:p>
             <a:pPr lvl="3"/>
             <a:r>
-              <a:rPr lang="de-DE"/>
+              <a:rPr lang="de-DE" dirty="0"/>
               <a:t>Vierte Ebene</a:t>
             </a:r>
           </a:p>
           <a:p>
             <a:pPr lvl="4"/>
             <a:r>
-              <a:rPr lang="de-DE"/>
+              <a:rPr lang="de-DE" dirty="0"/>
               <a:t>Fünfte Ebene</a:t>
             </a:r>
             <a:endParaRPr lang="en-US" dirty="0"/>
@@ -5208,7 +5272,7 @@
           <a:p>
             <a:fld id="{6C90D3A6-C9B3-481D-AEF8-B5CAB961C137}" type="datetime1">
               <a:rPr lang="en-US" smtClean="0"/>
-              <a:t>3/15/2018</a:t>
+              <a:t>3/16/2018</a:t>
             </a:fld>
             <a:endParaRPr lang="en-US" dirty="0"/>
           </a:p>
@@ -5418,8 +5482,8 @@
         <a:buChar char=""/>
         <a:defRPr sz="2000" kern="1200" cap="none">
           <a:solidFill>
-            <a:schemeClr val="bg2">
-              <a:lumMod val="75000"/>
+            <a:schemeClr val="bg1">
+              <a:lumMod val="95000"/>
             </a:schemeClr>
           </a:solidFill>
           <a:effectLst/>
@@ -5443,8 +5507,8 @@
         <a:buChar char=""/>
         <a:defRPr sz="1800" kern="1200" cap="none">
           <a:solidFill>
-            <a:schemeClr val="bg2">
-              <a:lumMod val="75000"/>
+            <a:schemeClr val="bg1">
+              <a:lumMod val="95000"/>
             </a:schemeClr>
           </a:solidFill>
           <a:effectLst/>
@@ -5468,8 +5532,8 @@
         <a:buChar char=""/>
         <a:defRPr sz="1600" kern="1200" cap="none">
           <a:solidFill>
-            <a:schemeClr val="bg2">
-              <a:lumMod val="75000"/>
+            <a:schemeClr val="bg1">
+              <a:lumMod val="95000"/>
             </a:schemeClr>
           </a:solidFill>
           <a:effectLst/>
@@ -5493,8 +5557,8 @@
         <a:buChar char=""/>
         <a:defRPr sz="1400" kern="1200" cap="none">
           <a:solidFill>
-            <a:schemeClr val="bg2">
-              <a:lumMod val="75000"/>
+            <a:schemeClr val="bg1">
+              <a:lumMod val="95000"/>
             </a:schemeClr>
           </a:solidFill>
           <a:effectLst/>
@@ -5518,8 +5582,8 @@
         <a:buChar char=""/>
         <a:defRPr sz="1400" kern="1200" cap="none">
           <a:solidFill>
-            <a:schemeClr val="bg2">
-              <a:lumMod val="75000"/>
+            <a:schemeClr val="bg1">
+              <a:lumMod val="95000"/>
             </a:schemeClr>
           </a:solidFill>
           <a:effectLst/>
@@ -5823,7 +5887,7 @@
           <a:lstStyle/>
           <a:p>
             <a:pPr algn="ctr"/>
-            <a:endParaRPr lang="en-US"/>
+            <a:endParaRPr lang="en-US" dirty="0"/>
           </a:p>
         </p:txBody>
       </p:sp>
@@ -5907,7 +5971,7 @@
           <a:lstStyle/>
           <a:p>
             <a:pPr algn="ctr"/>
-            <a:endParaRPr lang="en-US"/>
+            <a:endParaRPr lang="en-US" dirty="0"/>
           </a:p>
         </p:txBody>
       </p:sp>
@@ -6204,13 +6268,26 @@
           <a:lstStyle/>
           <a:p>
             <a:r>
-              <a:rPr lang="de-DE">
+              <a:rPr lang="de-DE" dirty="0">
                 <a:solidFill>
                   <a:schemeClr val="tx1"/>
                 </a:solidFill>
               </a:rPr>
-              <a:t>Andreas Klar, Steffen Eckardt, Yves Weilandt</a:t>
-            </a:r>
+              <a:t>Andreas Klar, Steffen Eckardt, Yves </a:t>
+            </a:r>
+            <a:r>
+              <a:rPr lang="de-DE" dirty="0" err="1">
+                <a:solidFill>
+                  <a:schemeClr val="tx1"/>
+                </a:solidFill>
+              </a:rPr>
+              <a:t>Weilandt</a:t>
+            </a:r>
+            <a:endParaRPr lang="de-DE">
+              <a:solidFill>
+                <a:schemeClr val="tx1"/>
+              </a:solidFill>
+            </a:endParaRPr>
           </a:p>
         </p:txBody>
       </p:sp>
@@ -6376,7 +6453,7 @@
           <a:p>
             <a:fld id="{B22BF135-27AD-4130-BE64-C1C5A87E4595}" type="datetime1">
               <a:rPr lang="en-US" smtClean="0"/>
-              <a:t>3/15/2018</a:t>
+              <a:t>3/16/2018</a:t>
             </a:fld>
             <a:endParaRPr lang="en-US" dirty="0"/>
           </a:p>
@@ -6497,7 +6574,7 @@
           <a:p>
             <a:fld id="{B22BF135-27AD-4130-BE64-C1C5A87E4595}" type="datetime1">
               <a:rPr lang="en-US" smtClean="0"/>
-              <a:t>3/15/2018</a:t>
+              <a:t>3/16/2018</a:t>
             </a:fld>
             <a:endParaRPr lang="en-US" dirty="0"/>
           </a:p>
@@ -8830,7 +8907,7 @@
           <a:p>
             <a:fld id="{B22BF135-27AD-4130-BE64-C1C5A87E4595}" type="datetime1">
               <a:rPr lang="en-US" smtClean="0"/>
-              <a:t>3/15/2018</a:t>
+              <a:t>3/16/2018</a:t>
             </a:fld>
             <a:endParaRPr lang="en-US" dirty="0"/>
           </a:p>
@@ -9004,7 +9081,7 @@
           <a:p>
             <a:fld id="{687D39D8-0D34-4F42-844D-6D7DB9EF92A6}" type="datetime1">
               <a:rPr lang="en-US" smtClean="0"/>
-              <a:t>3/15/2018</a:t>
+              <a:t>3/16/2018</a:t>
             </a:fld>
             <a:endParaRPr lang="en-US" dirty="0"/>
           </a:p>
@@ -9163,7 +9240,7 @@
             </a:r>
             <a:r>
               <a:rPr lang="en-US" dirty="0" err="1"/>
-              <a:t>altordische</a:t>
+              <a:t>altnordische</a:t>
             </a:r>
             <a:r>
               <a:rPr lang="en-US" dirty="0"/>
@@ -9214,7 +9291,7 @@
           <a:p>
             <a:fld id="{8235A7AE-D3F3-47E1-AC5C-2D125DF824A7}" type="datetime1">
               <a:rPr lang="en-US" smtClean="0"/>
-              <a:t>3/15/2018</a:t>
+              <a:t>3/16/2018</a:t>
             </a:fld>
             <a:endParaRPr lang="en-US" dirty="0"/>
           </a:p>
@@ -9404,7 +9481,7 @@
           <a:p>
             <a:fld id="{B22BF135-27AD-4130-BE64-C1C5A87E4595}" type="datetime1">
               <a:rPr lang="en-US" smtClean="0"/>
-              <a:t>3/15/2018</a:t>
+              <a:t>3/16/2018</a:t>
             </a:fld>
             <a:endParaRPr lang="en-US" dirty="0"/>
           </a:p>
@@ -9623,7 +9700,7 @@
           <a:p>
             <a:fld id="{B22BF135-27AD-4130-BE64-C1C5A87E4595}" type="datetime1">
               <a:rPr lang="en-US" smtClean="0"/>
-              <a:t>3/15/2018</a:t>
+              <a:t>3/16/2018</a:t>
             </a:fld>
             <a:endParaRPr lang="en-US" dirty="0"/>
           </a:p>
@@ -9885,7 +9962,7 @@
           <a:p>
             <a:fld id="{B22BF135-27AD-4130-BE64-C1C5A87E4595}" type="datetime1">
               <a:rPr lang="en-US" smtClean="0"/>
-              <a:t>3/15/2018</a:t>
+              <a:t>3/16/2018</a:t>
             </a:fld>
             <a:endParaRPr lang="en-US" dirty="0"/>
           </a:p>
@@ -10062,7 +10139,7 @@
           <a:p>
             <a:fld id="{B22BF135-27AD-4130-BE64-C1C5A87E4595}" type="datetime1">
               <a:rPr lang="en-US" smtClean="0"/>
-              <a:t>3/15/2018</a:t>
+              <a:t>3/16/2018</a:t>
             </a:fld>
             <a:endParaRPr lang="en-US" dirty="0"/>
           </a:p>
@@ -10230,7 +10307,7 @@
           <a:p>
             <a:fld id="{B22BF135-27AD-4130-BE64-C1C5A87E4595}" type="datetime1">
               <a:rPr lang="en-US" smtClean="0"/>
-              <a:t>3/15/2018</a:t>
+              <a:t>3/16/2018</a:t>
             </a:fld>
             <a:endParaRPr lang="en-US" dirty="0"/>
           </a:p>
@@ -10346,7 +10423,7 @@
           <a:p>
             <a:fld id="{B22BF135-27AD-4130-BE64-C1C5A87E4595}" type="datetime1">
               <a:rPr lang="en-US" smtClean="0"/>
-              <a:t>3/15/2018</a:t>
+              <a:t>3/16/2018</a:t>
             </a:fld>
             <a:endParaRPr lang="en-US" dirty="0"/>
           </a:p>
@@ -12407,12 +12484,12 @@
 <file path=ppt/theme/theme1.xml><?xml version="1.0" encoding="utf-8"?>
 <a:theme xmlns:a="http://schemas.openxmlformats.org/drawingml/2006/main" name="Segment">
   <a:themeElements>
-    <a:clrScheme name="Benutzerdefiniert 5">
+    <a:clrScheme name="Benutzerdefiniert 2">
       <a:dk1>
-        <a:sysClr val="windowText" lastClr="000000"/>
+        <a:srgbClr val="FFFFFF"/>
       </a:dk1>
       <a:lt1>
-        <a:sysClr val="window" lastClr="FFFFFF"/>
+        <a:srgbClr val="FFFFFF"/>
       </a:lt1>
       <a:dk2>
         <a:srgbClr val="3B5998"/>
@@ -12439,10 +12516,10 @@
         <a:srgbClr val="C62324"/>
       </a:accent6>
       <a:hlink>
-        <a:srgbClr val="0D2E46"/>
+        <a:srgbClr val="FFFFFF"/>
       </a:hlink>
       <a:folHlink>
-        <a:srgbClr val="356A95"/>
+        <a:srgbClr val="F2F2F2"/>
       </a:folHlink>
     </a:clrScheme>
     <a:fontScheme name="Roboto">
